--- a/CS224N_Project_Poster.pptx
+++ b/CS224N_Project_Poster.pptx
@@ -137,6 +137,22 @@
       </a:defRPr>
     </a:lvl9pPr>
   </p:defaultTextStyle>
+  <p:extLst>
+    <p:ext uri="{EFAFB233-063F-42B5-8137-9DF3F51BA10A}">
+      <p15:sldGuideLst xmlns:p15="http://schemas.microsoft.com/office/powerpoint/2012/main">
+        <p15:guide id="1" orient="horz" pos="6912">
+          <p15:clr>
+            <a:srgbClr val="A4A3A4"/>
+          </p15:clr>
+        </p15:guide>
+        <p15:guide id="2" pos="10368">
+          <p15:clr>
+            <a:srgbClr val="A4A3A4"/>
+          </p15:clr>
+        </p15:guide>
+      </p15:sldGuideLst>
+    </p:ext>
+  </p:extLst>
 </p:presentation>
 </file>
 
@@ -241,7 +257,7 @@
             <a:fld id="{81D6EB15-D6A2-CF49-B88D-DD76B56E35BF}" type="datetimeFigureOut">
               <a:rPr lang="en-US"/>
               <a:pPr/>
-              <a:t>12/4/17</a:t>
+              <a:t>3/21/18</a:t>
             </a:fld>
             <a:endParaRPr lang="en-US"/>
           </a:p>
@@ -277,7 +293,7 @@
           <a:lstStyle/>
           <a:p>
             <a:pPr lvl="0"/>
-            <a:endParaRPr lang="en-US" noProof="0" smtClean="0"/>
+            <a:endParaRPr lang="en-US" noProof="0"/>
           </a:p>
         </p:txBody>
       </p:sp>
@@ -308,35 +324,35 @@
           <a:p>
             <a:pPr lvl="0"/>
             <a:r>
-              <a:rPr lang="en-US" noProof="0" smtClean="0"/>
+              <a:rPr lang="en-US" noProof="0"/>
               <a:t>Click to edit Master text styles</a:t>
             </a:r>
           </a:p>
           <a:p>
             <a:pPr lvl="1"/>
             <a:r>
-              <a:rPr lang="en-US" noProof="0" smtClean="0"/>
+              <a:rPr lang="en-US" noProof="0"/>
               <a:t>Second level</a:t>
             </a:r>
           </a:p>
           <a:p>
             <a:pPr lvl="2"/>
             <a:r>
-              <a:rPr lang="en-US" noProof="0" smtClean="0"/>
+              <a:rPr lang="en-US" noProof="0"/>
               <a:t>Third level</a:t>
             </a:r>
           </a:p>
           <a:p>
             <a:pPr lvl="3"/>
             <a:r>
-              <a:rPr lang="en-US" noProof="0" smtClean="0"/>
+              <a:rPr lang="en-US" noProof="0"/>
               <a:t>Fourth level</a:t>
             </a:r>
           </a:p>
           <a:p>
             <a:pPr lvl="4"/>
             <a:r>
-              <a:rPr lang="en-US" noProof="0" smtClean="0"/>
+              <a:rPr lang="en-US" noProof="0"/>
               <a:t>Fifth level</a:t>
             </a:r>
           </a:p>
@@ -595,10 +611,9 @@
           <a:lstStyle/>
           <a:p>
             <a:r>
-              <a:rPr lang="en-US" smtClean="0"/>
+              <a:rPr lang="en-US"/>
               <a:t>Click to edit Master title style</a:t>
             </a:r>
-            <a:endParaRPr lang="en-US"/>
           </a:p>
         </p:txBody>
       </p:sp>
@@ -660,10 +675,9 @@
           </a:lstStyle>
           <a:p>
             <a:r>
-              <a:rPr lang="en-US" smtClean="0"/>
+              <a:rPr lang="en-US"/>
               <a:t>Click to edit Master subtitle style</a:t>
             </a:r>
-            <a:endParaRPr lang="en-US"/>
           </a:p>
         </p:txBody>
       </p:sp>
@@ -799,10 +813,9 @@
           <a:lstStyle/>
           <a:p>
             <a:r>
-              <a:rPr lang="en-US" smtClean="0"/>
+              <a:rPr lang="en-US"/>
               <a:t>Click to edit Master title style</a:t>
             </a:r>
-            <a:endParaRPr lang="en-US"/>
           </a:p>
         </p:txBody>
       </p:sp>
@@ -823,38 +836,37 @@
           <a:p>
             <a:pPr lvl="0"/>
             <a:r>
-              <a:rPr lang="en-US" smtClean="0"/>
+              <a:rPr lang="en-US"/>
               <a:t>Click to edit Master text styles</a:t>
             </a:r>
           </a:p>
           <a:p>
             <a:pPr lvl="1"/>
             <a:r>
-              <a:rPr lang="en-US" smtClean="0"/>
+              <a:rPr lang="en-US"/>
               <a:t>Second level</a:t>
             </a:r>
           </a:p>
           <a:p>
             <a:pPr lvl="2"/>
             <a:r>
-              <a:rPr lang="en-US" smtClean="0"/>
+              <a:rPr lang="en-US"/>
               <a:t>Third level</a:t>
             </a:r>
           </a:p>
           <a:p>
             <a:pPr lvl="3"/>
             <a:r>
-              <a:rPr lang="en-US" smtClean="0"/>
+              <a:rPr lang="en-US"/>
               <a:t>Fourth level</a:t>
             </a:r>
           </a:p>
           <a:p>
             <a:pPr lvl="4"/>
             <a:r>
-              <a:rPr lang="en-US" smtClean="0"/>
+              <a:rPr lang="en-US"/>
               <a:t>Fifth level</a:t>
             </a:r>
-            <a:endParaRPr lang="en-US"/>
           </a:p>
         </p:txBody>
       </p:sp>
@@ -995,10 +1007,9 @@
           <a:lstStyle/>
           <a:p>
             <a:r>
-              <a:rPr lang="en-US" smtClean="0"/>
+              <a:rPr lang="en-US"/>
               <a:t>Click to edit Master title style</a:t>
             </a:r>
-            <a:endParaRPr lang="en-US"/>
           </a:p>
         </p:txBody>
       </p:sp>
@@ -1024,38 +1035,37 @@
           <a:p>
             <a:pPr lvl="0"/>
             <a:r>
-              <a:rPr lang="en-US" smtClean="0"/>
+              <a:rPr lang="en-US"/>
               <a:t>Click to edit Master text styles</a:t>
             </a:r>
           </a:p>
           <a:p>
             <a:pPr lvl="1"/>
             <a:r>
-              <a:rPr lang="en-US" smtClean="0"/>
+              <a:rPr lang="en-US"/>
               <a:t>Second level</a:t>
             </a:r>
           </a:p>
           <a:p>
             <a:pPr lvl="2"/>
             <a:r>
-              <a:rPr lang="en-US" smtClean="0"/>
+              <a:rPr lang="en-US"/>
               <a:t>Third level</a:t>
             </a:r>
           </a:p>
           <a:p>
             <a:pPr lvl="3"/>
             <a:r>
-              <a:rPr lang="en-US" smtClean="0"/>
+              <a:rPr lang="en-US"/>
               <a:t>Fourth level</a:t>
             </a:r>
           </a:p>
           <a:p>
             <a:pPr lvl="4"/>
             <a:r>
-              <a:rPr lang="en-US" smtClean="0"/>
+              <a:rPr lang="en-US"/>
               <a:t>Fifth level</a:t>
             </a:r>
-            <a:endParaRPr lang="en-US"/>
           </a:p>
         </p:txBody>
       </p:sp>
@@ -1191,10 +1201,9 @@
           <a:lstStyle/>
           <a:p>
             <a:r>
-              <a:rPr lang="en-US" smtClean="0"/>
+              <a:rPr lang="en-US"/>
               <a:t>Click to edit Master title style</a:t>
             </a:r>
-            <a:endParaRPr lang="en-US"/>
           </a:p>
         </p:txBody>
       </p:sp>
@@ -1215,38 +1224,37 @@
           <a:p>
             <a:pPr lvl="0"/>
             <a:r>
-              <a:rPr lang="en-US" smtClean="0"/>
+              <a:rPr lang="en-US"/>
               <a:t>Click to edit Master text styles</a:t>
             </a:r>
           </a:p>
           <a:p>
             <a:pPr lvl="1"/>
             <a:r>
-              <a:rPr lang="en-US" smtClean="0"/>
+              <a:rPr lang="en-US"/>
               <a:t>Second level</a:t>
             </a:r>
           </a:p>
           <a:p>
             <a:pPr lvl="2"/>
             <a:r>
-              <a:rPr lang="en-US" smtClean="0"/>
+              <a:rPr lang="en-US"/>
               <a:t>Third level</a:t>
             </a:r>
           </a:p>
           <a:p>
             <a:pPr lvl="3"/>
             <a:r>
-              <a:rPr lang="en-US" smtClean="0"/>
+              <a:rPr lang="en-US"/>
               <a:t>Fourth level</a:t>
             </a:r>
           </a:p>
           <a:p>
             <a:pPr lvl="4"/>
             <a:r>
-              <a:rPr lang="en-US" smtClean="0"/>
+              <a:rPr lang="en-US"/>
               <a:t>Fifth level</a:t>
             </a:r>
-            <a:endParaRPr lang="en-US"/>
           </a:p>
         </p:txBody>
       </p:sp>
@@ -1391,10 +1399,9 @@
           </a:lstStyle>
           <a:p>
             <a:r>
-              <a:rPr lang="en-US" smtClean="0"/>
+              <a:rPr lang="en-US"/>
               <a:t>Click to edit Master title style</a:t>
             </a:r>
-            <a:endParaRPr lang="en-US"/>
           </a:p>
         </p:txBody>
       </p:sp>
@@ -1457,7 +1464,7 @@
           <a:p>
             <a:pPr lvl="0"/>
             <a:r>
-              <a:rPr lang="en-US" smtClean="0"/>
+              <a:rPr lang="en-US"/>
               <a:t>Click to edit Master text styles</a:t>
             </a:r>
           </a:p>
@@ -1595,10 +1602,9 @@
           <a:lstStyle/>
           <a:p>
             <a:r>
-              <a:rPr lang="en-US" smtClean="0"/>
+              <a:rPr lang="en-US"/>
               <a:t>Click to edit Master title style</a:t>
             </a:r>
-            <a:endParaRPr lang="en-US"/>
           </a:p>
         </p:txBody>
       </p:sp>
@@ -1652,38 +1658,37 @@
           <a:p>
             <a:pPr lvl="0"/>
             <a:r>
-              <a:rPr lang="en-US" smtClean="0"/>
+              <a:rPr lang="en-US"/>
               <a:t>Click to edit Master text styles</a:t>
             </a:r>
           </a:p>
           <a:p>
             <a:pPr lvl="1"/>
             <a:r>
-              <a:rPr lang="en-US" smtClean="0"/>
+              <a:rPr lang="en-US"/>
               <a:t>Second level</a:t>
             </a:r>
           </a:p>
           <a:p>
             <a:pPr lvl="2"/>
             <a:r>
-              <a:rPr lang="en-US" smtClean="0"/>
+              <a:rPr lang="en-US"/>
               <a:t>Third level</a:t>
             </a:r>
           </a:p>
           <a:p>
             <a:pPr lvl="3"/>
             <a:r>
-              <a:rPr lang="en-US" smtClean="0"/>
+              <a:rPr lang="en-US"/>
               <a:t>Fourth level</a:t>
             </a:r>
           </a:p>
           <a:p>
             <a:pPr lvl="4"/>
             <a:r>
-              <a:rPr lang="en-US" smtClean="0"/>
+              <a:rPr lang="en-US"/>
               <a:t>Fifth level</a:t>
             </a:r>
-            <a:endParaRPr lang="en-US"/>
           </a:p>
         </p:txBody>
       </p:sp>
@@ -1737,38 +1742,37 @@
           <a:p>
             <a:pPr lvl="0"/>
             <a:r>
-              <a:rPr lang="en-US" smtClean="0"/>
+              <a:rPr lang="en-US"/>
               <a:t>Click to edit Master text styles</a:t>
             </a:r>
           </a:p>
           <a:p>
             <a:pPr lvl="1"/>
             <a:r>
-              <a:rPr lang="en-US" smtClean="0"/>
+              <a:rPr lang="en-US"/>
               <a:t>Second level</a:t>
             </a:r>
           </a:p>
           <a:p>
             <a:pPr lvl="2"/>
             <a:r>
-              <a:rPr lang="en-US" smtClean="0"/>
+              <a:rPr lang="en-US"/>
               <a:t>Third level</a:t>
             </a:r>
           </a:p>
           <a:p>
             <a:pPr lvl="3"/>
             <a:r>
-              <a:rPr lang="en-US" smtClean="0"/>
+              <a:rPr lang="en-US"/>
               <a:t>Fourth level</a:t>
             </a:r>
           </a:p>
           <a:p>
             <a:pPr lvl="4"/>
             <a:r>
-              <a:rPr lang="en-US" smtClean="0"/>
+              <a:rPr lang="en-US"/>
               <a:t>Fifth level</a:t>
             </a:r>
-            <a:endParaRPr lang="en-US"/>
           </a:p>
         </p:txBody>
       </p:sp>
@@ -1908,10 +1912,9 @@
           </a:lstStyle>
           <a:p>
             <a:r>
-              <a:rPr lang="en-US" smtClean="0"/>
+              <a:rPr lang="en-US"/>
               <a:t>Click to edit Master title style</a:t>
             </a:r>
-            <a:endParaRPr lang="en-US"/>
           </a:p>
         </p:txBody>
       </p:sp>
@@ -1974,7 +1977,7 @@
           <a:p>
             <a:pPr lvl="0"/>
             <a:r>
-              <a:rPr lang="en-US" smtClean="0"/>
+              <a:rPr lang="en-US"/>
               <a:t>Click to edit Master text styles</a:t>
             </a:r>
           </a:p>
@@ -2030,38 +2033,37 @@
           <a:p>
             <a:pPr lvl="0"/>
             <a:r>
-              <a:rPr lang="en-US" smtClean="0"/>
+              <a:rPr lang="en-US"/>
               <a:t>Click to edit Master text styles</a:t>
             </a:r>
           </a:p>
           <a:p>
             <a:pPr lvl="1"/>
             <a:r>
-              <a:rPr lang="en-US" smtClean="0"/>
+              <a:rPr lang="en-US"/>
               <a:t>Second level</a:t>
             </a:r>
           </a:p>
           <a:p>
             <a:pPr lvl="2"/>
             <a:r>
-              <a:rPr lang="en-US" smtClean="0"/>
+              <a:rPr lang="en-US"/>
               <a:t>Third level</a:t>
             </a:r>
           </a:p>
           <a:p>
             <a:pPr lvl="3"/>
             <a:r>
-              <a:rPr lang="en-US" smtClean="0"/>
+              <a:rPr lang="en-US"/>
               <a:t>Fourth level</a:t>
             </a:r>
           </a:p>
           <a:p>
             <a:pPr lvl="4"/>
             <a:r>
-              <a:rPr lang="en-US" smtClean="0"/>
+              <a:rPr lang="en-US"/>
               <a:t>Fifth level</a:t>
             </a:r>
-            <a:endParaRPr lang="en-US"/>
           </a:p>
         </p:txBody>
       </p:sp>
@@ -2124,7 +2126,7 @@
           <a:p>
             <a:pPr lvl="0"/>
             <a:r>
-              <a:rPr lang="en-US" smtClean="0"/>
+              <a:rPr lang="en-US"/>
               <a:t>Click to edit Master text styles</a:t>
             </a:r>
           </a:p>
@@ -2180,38 +2182,37 @@
           <a:p>
             <a:pPr lvl="0"/>
             <a:r>
-              <a:rPr lang="en-US" smtClean="0"/>
+              <a:rPr lang="en-US"/>
               <a:t>Click to edit Master text styles</a:t>
             </a:r>
           </a:p>
           <a:p>
             <a:pPr lvl="1"/>
             <a:r>
-              <a:rPr lang="en-US" smtClean="0"/>
+              <a:rPr lang="en-US"/>
               <a:t>Second level</a:t>
             </a:r>
           </a:p>
           <a:p>
             <a:pPr lvl="2"/>
             <a:r>
-              <a:rPr lang="en-US" smtClean="0"/>
+              <a:rPr lang="en-US"/>
               <a:t>Third level</a:t>
             </a:r>
           </a:p>
           <a:p>
             <a:pPr lvl="3"/>
             <a:r>
-              <a:rPr lang="en-US" smtClean="0"/>
+              <a:rPr lang="en-US"/>
               <a:t>Fourth level</a:t>
             </a:r>
           </a:p>
           <a:p>
             <a:pPr lvl="4"/>
             <a:r>
-              <a:rPr lang="en-US" smtClean="0"/>
+              <a:rPr lang="en-US"/>
               <a:t>Fifth level</a:t>
             </a:r>
-            <a:endParaRPr lang="en-US"/>
           </a:p>
         </p:txBody>
       </p:sp>
@@ -2347,10 +2348,9 @@
           <a:lstStyle/>
           <a:p>
             <a:r>
-              <a:rPr lang="en-US" smtClean="0"/>
+              <a:rPr lang="en-US"/>
               <a:t>Click to edit Master title style</a:t>
             </a:r>
-            <a:endParaRPr lang="en-US"/>
           </a:p>
         </p:txBody>
       </p:sp>
@@ -2611,10 +2611,9 @@
           </a:lstStyle>
           <a:p>
             <a:r>
-              <a:rPr lang="en-US" smtClean="0"/>
+              <a:rPr lang="en-US"/>
               <a:t>Click to edit Master title style</a:t>
             </a:r>
-            <a:endParaRPr lang="en-US"/>
           </a:p>
         </p:txBody>
       </p:sp>
@@ -2668,38 +2667,37 @@
           <a:p>
             <a:pPr lvl="0"/>
             <a:r>
-              <a:rPr lang="en-US" smtClean="0"/>
+              <a:rPr lang="en-US"/>
               <a:t>Click to edit Master text styles</a:t>
             </a:r>
           </a:p>
           <a:p>
             <a:pPr lvl="1"/>
             <a:r>
-              <a:rPr lang="en-US" smtClean="0"/>
+              <a:rPr lang="en-US"/>
               <a:t>Second level</a:t>
             </a:r>
           </a:p>
           <a:p>
             <a:pPr lvl="2"/>
             <a:r>
-              <a:rPr lang="en-US" smtClean="0"/>
+              <a:rPr lang="en-US"/>
               <a:t>Third level</a:t>
             </a:r>
           </a:p>
           <a:p>
             <a:pPr lvl="3"/>
             <a:r>
-              <a:rPr lang="en-US" smtClean="0"/>
+              <a:rPr lang="en-US"/>
               <a:t>Fourth level</a:t>
             </a:r>
           </a:p>
           <a:p>
             <a:pPr lvl="4"/>
             <a:r>
-              <a:rPr lang="en-US" smtClean="0"/>
+              <a:rPr lang="en-US"/>
               <a:t>Fifth level</a:t>
             </a:r>
-            <a:endParaRPr lang="en-US"/>
           </a:p>
         </p:txBody>
       </p:sp>
@@ -2762,7 +2760,7 @@
           <a:p>
             <a:pPr lvl="0"/>
             <a:r>
-              <a:rPr lang="en-US" smtClean="0"/>
+              <a:rPr lang="en-US"/>
               <a:t>Click to edit Master text styles</a:t>
             </a:r>
           </a:p>
@@ -2909,10 +2907,9 @@
           </a:lstStyle>
           <a:p>
             <a:r>
-              <a:rPr lang="en-US" smtClean="0"/>
+              <a:rPr lang="en-US"/>
               <a:t>Click to edit Master title style</a:t>
             </a:r>
-            <a:endParaRPr lang="en-US"/>
           </a:p>
         </p:txBody>
       </p:sp>
@@ -2974,7 +2971,7 @@
           </a:lstStyle>
           <a:p>
             <a:pPr lvl="0"/>
-            <a:endParaRPr lang="en-US" noProof="0" smtClean="0"/>
+            <a:endParaRPr lang="en-US" noProof="0"/>
           </a:p>
         </p:txBody>
       </p:sp>
@@ -3037,7 +3034,7 @@
           <a:p>
             <a:pPr lvl="0"/>
             <a:r>
-              <a:rPr lang="en-US" smtClean="0"/>
+              <a:rPr lang="en-US"/>
               <a:t>Click to edit Master text styles</a:t>
             </a:r>
           </a:p>
@@ -3191,14 +3188,14 @@
           </a:ln>
           <a:extLst>
             <a:ext uri="{909E8E84-426E-40dd-AFC4-6F175D3DCCD1}">
-              <a14:hiddenFill xmlns:a14="http://schemas.microsoft.com/office/drawing/2010/main">
+              <a14:hiddenFill xmlns:a14="http://schemas.microsoft.com/office/drawing/2010/main" xmlns="">
                 <a:solidFill>
                   <a:srgbClr val="FFFFFF"/>
                 </a:solidFill>
               </a14:hiddenFill>
             </a:ext>
             <a:ext uri="{91240B29-F687-4f45-9708-019B960494DF}">
-              <a14:hiddenLine xmlns:a14="http://schemas.microsoft.com/office/drawing/2010/main" w="9525">
+              <a14:hiddenLine xmlns:a14="http://schemas.microsoft.com/office/drawing/2010/main" xmlns="" w="9525">
                 <a:solidFill>
                   <a:srgbClr val="000000"/>
                 </a:solidFill>
@@ -3208,7 +3205,7 @@
               </a14:hiddenLine>
             </a:ext>
             <a:ext uri="{FAA26D3D-D897-4be2-8F04-BA451C77F1D7}">
-              <ma14:placeholderFlag xmlns:ma14="http://schemas.microsoft.com/office/mac/drawingml/2011/main" val="1"/>
+              <ma14:placeholderFlag xmlns:ma14="http://schemas.microsoft.com/office/mac/drawingml/2011/main" xmlns="" val="1"/>
             </a:ext>
           </a:extLst>
         </p:spPr>
@@ -3252,14 +3249,14 @@
           </a:ln>
           <a:extLst>
             <a:ext uri="{909E8E84-426E-40dd-AFC4-6F175D3DCCD1}">
-              <a14:hiddenFill xmlns:a14="http://schemas.microsoft.com/office/drawing/2010/main">
+              <a14:hiddenFill xmlns:a14="http://schemas.microsoft.com/office/drawing/2010/main" xmlns="">
                 <a:solidFill>
                   <a:srgbClr val="FFFFFF"/>
                 </a:solidFill>
               </a14:hiddenFill>
             </a:ext>
             <a:ext uri="{91240B29-F687-4f45-9708-019B960494DF}">
-              <a14:hiddenLine xmlns:a14="http://schemas.microsoft.com/office/drawing/2010/main" w="9525">
+              <a14:hiddenLine xmlns:a14="http://schemas.microsoft.com/office/drawing/2010/main" xmlns="" w="9525">
                 <a:solidFill>
                   <a:srgbClr val="000000"/>
                 </a:solidFill>
@@ -3269,7 +3266,7 @@
               </a14:hiddenLine>
             </a:ext>
             <a:ext uri="{FAA26D3D-D897-4be2-8F04-BA451C77F1D7}">
-              <ma14:placeholderFlag xmlns:ma14="http://schemas.microsoft.com/office/mac/drawingml/2011/main" val="1"/>
+              <ma14:placeholderFlag xmlns:ma14="http://schemas.microsoft.com/office/mac/drawingml/2011/main" xmlns="" val="1"/>
             </a:ext>
           </a:extLst>
         </p:spPr>
@@ -3883,421 +3880,811 @@
           <a:chExt cx="0" cy="0"/>
         </a:xfrm>
       </p:grpSpPr>
-      <p:pic>
-        <p:nvPicPr>
-          <p:cNvPr id="3081" name="Picture 3080"/>
-          <p:cNvPicPr>
-            <a:picLocks noChangeAspect="1"/>
-          </p:cNvPicPr>
-          <p:nvPr/>
-        </p:nvPicPr>
-        <p:blipFill>
-          <a:blip r:embed="rId2"/>
-          <a:stretch>
-            <a:fillRect/>
-          </a:stretch>
-        </p:blipFill>
-        <p:spPr>
-          <a:xfrm>
-            <a:off x="12344400" y="3352800"/>
-            <a:ext cx="5638800" cy="3759200"/>
-          </a:xfrm>
-          <a:prstGeom prst="rect">
-            <a:avLst/>
-          </a:prstGeom>
-        </p:spPr>
-      </p:pic>
-      <p:pic>
-        <p:nvPicPr>
-          <p:cNvPr id="3077" name="Picture 3076"/>
-          <p:cNvPicPr>
-            <a:picLocks noChangeAspect="1"/>
-          </p:cNvPicPr>
-          <p:nvPr/>
-        </p:nvPicPr>
-        <p:blipFill>
-          <a:blip r:embed="rId3"/>
-          <a:stretch>
-            <a:fillRect/>
-          </a:stretch>
-        </p:blipFill>
-        <p:spPr>
-          <a:xfrm>
-            <a:off x="18144359" y="3429000"/>
-            <a:ext cx="4956941" cy="4191000"/>
-          </a:xfrm>
-          <a:prstGeom prst="rect">
-            <a:avLst/>
-          </a:prstGeom>
-        </p:spPr>
-      </p:pic>
-      <p:sp>
-        <p:nvSpPr>
-          <p:cNvPr id="28" name="TextBox 27"/>
-          <p:cNvSpPr txBox="1"/>
-          <p:nvPr/>
-        </p:nvSpPr>
-        <p:spPr>
-          <a:xfrm>
-            <a:off x="23374246" y="3352800"/>
-            <a:ext cx="8782154" cy="14496274"/>
-          </a:xfrm>
-          <a:prstGeom prst="rect">
-            <a:avLst/>
-          </a:prstGeom>
-          <a:noFill/>
-        </p:spPr>
-        <p:txBody>
-          <a:bodyPr wrap="square" rtlCol="0">
-            <a:spAutoFit/>
-          </a:bodyPr>
-          <a:lstStyle/>
-          <a:p>
-            <a:pPr algn="just"/>
-            <a:r>
-              <a:rPr lang="en-US" sz="2400" b="1" dirty="0" smtClean="0"/>
-              <a:t>Classification</a:t>
-            </a:r>
-          </a:p>
-          <a:p>
-            <a:pPr algn="just"/>
-            <a:r>
-              <a:rPr lang="en-US" sz="2400" dirty="0" smtClean="0"/>
-              <a:t>Classification resulted in some promising results.</a:t>
-            </a:r>
-          </a:p>
-          <a:p>
-            <a:pPr algn="just"/>
-            <a:endParaRPr lang="en-US" sz="2400" dirty="0" smtClean="0"/>
-          </a:p>
-          <a:p>
-            <a:pPr algn="just"/>
-            <a:endParaRPr lang="en-US" sz="2400" dirty="0"/>
-          </a:p>
-          <a:p>
-            <a:pPr algn="just"/>
-            <a:endParaRPr lang="en-US" sz="2400" dirty="0" smtClean="0"/>
-          </a:p>
-          <a:p>
-            <a:pPr algn="just"/>
-            <a:endParaRPr lang="en-US" sz="2400" dirty="0"/>
-          </a:p>
-          <a:p>
-            <a:pPr algn="just"/>
-            <a:endParaRPr lang="en-US" sz="2400" dirty="0" smtClean="0"/>
-          </a:p>
-          <a:p>
-            <a:pPr algn="just"/>
-            <a:endParaRPr lang="en-US" sz="2400" dirty="0"/>
-          </a:p>
-          <a:p>
-            <a:pPr algn="just"/>
-            <a:endParaRPr lang="en-US" sz="2400" dirty="0" smtClean="0"/>
-          </a:p>
-          <a:p>
-            <a:pPr algn="just"/>
-            <a:endParaRPr lang="en-US" sz="2400" dirty="0"/>
-          </a:p>
-          <a:p>
-            <a:pPr algn="just"/>
-            <a:endParaRPr lang="en-US" sz="2400" dirty="0" smtClean="0"/>
-          </a:p>
-          <a:p>
-            <a:pPr algn="just"/>
-            <a:endParaRPr lang="en-US" sz="2400" dirty="0"/>
-          </a:p>
-          <a:p>
-            <a:pPr algn="just"/>
-            <a:endParaRPr lang="en-US" sz="2400" dirty="0" smtClean="0"/>
-          </a:p>
-          <a:p>
-            <a:pPr algn="just"/>
-            <a:endParaRPr lang="en-US" sz="2400" dirty="0"/>
-          </a:p>
-          <a:p>
-            <a:pPr algn="just"/>
-            <a:r>
-              <a:rPr lang="en-US" sz="2400" dirty="0" smtClean="0"/>
-              <a:t>* = top 1% variance of word features</a:t>
-            </a:r>
-          </a:p>
-          <a:p>
-            <a:pPr algn="just"/>
-            <a:endParaRPr lang="en-US" sz="2400" dirty="0"/>
-          </a:p>
-          <a:p>
-            <a:pPr algn="just"/>
-            <a:r>
-              <a:rPr lang="en-US" sz="2400" b="1" dirty="0" smtClean="0"/>
-              <a:t>Learning Curves</a:t>
-            </a:r>
-          </a:p>
-          <a:p>
-            <a:pPr algn="just"/>
-            <a:endParaRPr lang="en-US" sz="2400" b="1" dirty="0" smtClean="0"/>
-          </a:p>
-          <a:p>
-            <a:pPr algn="just"/>
-            <a:endParaRPr lang="en-US" sz="2400" b="1" dirty="0"/>
-          </a:p>
-          <a:p>
-            <a:pPr algn="just"/>
-            <a:endParaRPr lang="en-US" sz="2400" b="1" dirty="0" smtClean="0"/>
-          </a:p>
-          <a:p>
-            <a:pPr algn="just"/>
-            <a:endParaRPr lang="en-US" sz="2400" b="1" dirty="0"/>
-          </a:p>
-          <a:p>
-            <a:pPr algn="just"/>
-            <a:endParaRPr lang="en-US" sz="2400" b="1" dirty="0" smtClean="0"/>
-          </a:p>
-          <a:p>
-            <a:pPr algn="just"/>
-            <a:endParaRPr lang="en-US" sz="2400" b="1" dirty="0"/>
-          </a:p>
-          <a:p>
-            <a:pPr algn="just"/>
-            <a:endParaRPr lang="en-US" sz="2400" b="1" dirty="0" smtClean="0"/>
-          </a:p>
-          <a:p>
-            <a:pPr algn="just"/>
-            <a:endParaRPr lang="en-US" sz="2400" b="1" dirty="0"/>
-          </a:p>
-          <a:p>
-            <a:pPr algn="just"/>
-            <a:endParaRPr lang="en-US" sz="2400" b="1" dirty="0" smtClean="0"/>
-          </a:p>
-          <a:p>
-            <a:pPr algn="just"/>
-            <a:endParaRPr lang="en-US" sz="2400" b="1" dirty="0"/>
-          </a:p>
-          <a:p>
-            <a:pPr algn="just"/>
-            <a:endParaRPr lang="en-US" sz="2400" dirty="0" smtClean="0"/>
-          </a:p>
-          <a:p>
-            <a:pPr algn="just"/>
-            <a:r>
-              <a:rPr lang="en-US" sz="2400" dirty="0" smtClean="0"/>
-              <a:t>Since the </a:t>
-            </a:r>
-            <a:r>
-              <a:rPr lang="en-US" sz="2400" dirty="0" smtClean="0"/>
-              <a:t>CNN is time-intensive to </a:t>
-            </a:r>
-            <a:r>
-              <a:rPr lang="en-US" sz="2400" dirty="0" smtClean="0"/>
-              <a:t>train when given entire </a:t>
-            </a:r>
-            <a:r>
-              <a:rPr lang="en-US" sz="2400" dirty="0" smtClean="0"/>
-              <a:t>documents</a:t>
-            </a:r>
-            <a:r>
-              <a:rPr lang="en-US" sz="2400" dirty="0" smtClean="0"/>
-              <a:t> </a:t>
-            </a:r>
-            <a:r>
-              <a:rPr lang="en-US" sz="2400" dirty="0" smtClean="0"/>
-              <a:t>(order of 10000 words), we decided to test </a:t>
-            </a:r>
-            <a:r>
-              <a:rPr lang="en-US" sz="2400" dirty="0" smtClean="0"/>
-              <a:t>preliminarily </a:t>
-            </a:r>
-            <a:r>
-              <a:rPr lang="en-US" sz="2400" dirty="0" smtClean="0"/>
-              <a:t>on the first 100 and first 1000 words of each </a:t>
-            </a:r>
-            <a:r>
-              <a:rPr lang="en-US" sz="2400" dirty="0" smtClean="0"/>
-              <a:t>article</a:t>
-            </a:r>
-            <a:r>
-              <a:rPr lang="en-US" sz="2400" dirty="0" smtClean="0"/>
-              <a:t>, with encouraging results that improved as the number of words was increased.</a:t>
-            </a:r>
-            <a:endParaRPr lang="en-US" sz="2400" dirty="0" smtClean="0"/>
-          </a:p>
-          <a:p>
-            <a:pPr algn="just"/>
-            <a:endParaRPr lang="en-US" sz="2400" dirty="0"/>
-          </a:p>
-          <a:p>
-            <a:pPr algn="just"/>
-            <a:r>
-              <a:rPr lang="en-US" sz="2400" b="1" dirty="0" smtClean="0"/>
-              <a:t>Generation</a:t>
-            </a:r>
-          </a:p>
-          <a:p>
-            <a:pPr algn="just"/>
-            <a:r>
-              <a:rPr lang="en-US" sz="2400" dirty="0" smtClean="0"/>
-              <a:t>Currently, we use the </a:t>
-            </a:r>
-            <a:r>
-              <a:rPr lang="en-US" sz="2400" dirty="0" err="1" smtClean="0"/>
-              <a:t>XGBoost</a:t>
-            </a:r>
-            <a:r>
-              <a:rPr lang="en-US" sz="2400" dirty="0" smtClean="0"/>
-              <a:t> model trained on TF-IDF to score the generated texts. However the results were suboptimal due to the locality of replacement.  A n-gram based proposal is mentioned in Discussion below.</a:t>
-            </a:r>
-            <a:endParaRPr lang="en-US" sz="2400" dirty="0"/>
-          </a:p>
-        </p:txBody>
-      </p:sp>
-      <p:sp>
-        <p:nvSpPr>
-          <p:cNvPr id="27" name="TextBox 26"/>
-          <p:cNvSpPr txBox="1"/>
-          <p:nvPr/>
-        </p:nvSpPr>
-        <p:spPr>
-          <a:xfrm>
-            <a:off x="15240000" y="11803047"/>
-            <a:ext cx="7816770" cy="6180153"/>
-          </a:xfrm>
-          <a:prstGeom prst="rect">
-            <a:avLst/>
-          </a:prstGeom>
-          <a:noFill/>
-        </p:spPr>
-        <p:txBody>
-          <a:bodyPr wrap="square" rtlCol="0">
-            <a:spAutoFit/>
-          </a:bodyPr>
-          <a:lstStyle/>
-          <a:p>
-            <a:pPr lvl="1" algn="just">
-              <a:lnSpc>
-                <a:spcPct val="110000"/>
-              </a:lnSpc>
-            </a:pPr>
-            <a:r>
-              <a:rPr lang="en-US" sz="2400" b="1" dirty="0" smtClean="0"/>
-              <a:t>Models</a:t>
-            </a:r>
-          </a:p>
-          <a:p>
-            <a:pPr marL="783732" lvl="1" indent="-457200" algn="just">
-              <a:lnSpc>
-                <a:spcPct val="110000"/>
-              </a:lnSpc>
-              <a:buFont typeface="+mj-lt"/>
-              <a:buAutoNum type="arabicPeriod"/>
-            </a:pPr>
-            <a:r>
-              <a:rPr lang="en-US" sz="2400" dirty="0" smtClean="0"/>
-              <a:t>Naïve Bayes</a:t>
-            </a:r>
-            <a:br>
-              <a:rPr lang="en-US" sz="2400" dirty="0" smtClean="0"/>
-            </a:br>
-            <a:r>
-              <a:rPr lang="en-US" sz="2400" dirty="0" smtClean="0"/>
-              <a:t>Our </a:t>
-            </a:r>
-            <a:r>
-              <a:rPr lang="en-US" sz="2400" dirty="0" smtClean="0"/>
-              <a:t>baseline classification algorithm.</a:t>
-            </a:r>
-          </a:p>
-          <a:p>
-            <a:pPr marL="783732" lvl="1" indent="-457200" algn="just">
-              <a:lnSpc>
-                <a:spcPct val="110000"/>
-              </a:lnSpc>
-              <a:buFont typeface="+mj-lt"/>
-              <a:buAutoNum type="arabicPeriod"/>
-            </a:pPr>
-            <a:r>
-              <a:rPr lang="en-US" sz="2400" dirty="0" smtClean="0"/>
-              <a:t>Extreme Gradient Boosting (</a:t>
-            </a:r>
-            <a:r>
-              <a:rPr lang="en-US" sz="2400" dirty="0" err="1" smtClean="0"/>
-              <a:t>xgboost</a:t>
-            </a:r>
-            <a:r>
-              <a:rPr lang="en-US" sz="2400" dirty="0" smtClean="0"/>
-              <a:t>)</a:t>
-            </a:r>
-            <a:br>
-              <a:rPr lang="en-US" sz="2400" dirty="0" smtClean="0"/>
-            </a:br>
-            <a:r>
-              <a:rPr lang="en-US" sz="2400" dirty="0" smtClean="0"/>
-              <a:t>Aggregates </a:t>
-            </a:r>
-            <a:r>
-              <a:rPr lang="en-US" sz="2400" dirty="0" smtClean="0"/>
-              <a:t>strong predictions from many weak-learning decision trees.</a:t>
-            </a:r>
-          </a:p>
-          <a:p>
-            <a:pPr marL="783732" lvl="1" indent="-457200" algn="just">
-              <a:lnSpc>
-                <a:spcPct val="110000"/>
-              </a:lnSpc>
-              <a:buFont typeface="+mj-lt"/>
-              <a:buAutoNum type="arabicPeriod"/>
-            </a:pPr>
-            <a:r>
-              <a:rPr lang="en-US" sz="2400" dirty="0" smtClean="0"/>
-              <a:t>Convolutional Neural Nets (CNN)</a:t>
-            </a:r>
-            <a:r>
-              <a:rPr lang="en-US" sz="2400" dirty="0" smtClean="0"/>
-              <a:t/>
-            </a:r>
-            <a:br>
-              <a:rPr lang="en-US" sz="2400" dirty="0" smtClean="0"/>
-            </a:br>
-            <a:r>
-              <a:rPr lang="en-US" sz="2400" dirty="0" smtClean="0"/>
-              <a:t>Uses </a:t>
-            </a:r>
-            <a:r>
-              <a:rPr lang="en-US" sz="2400" dirty="0" smtClean="0"/>
-              <a:t>convolution layers and deep neural network  to make minimal assumptions on the text structure.   See Figure 1c.</a:t>
-            </a:r>
-          </a:p>
-          <a:p>
-            <a:pPr lvl="1" algn="just">
-              <a:lnSpc>
-                <a:spcPct val="110000"/>
-              </a:lnSpc>
-            </a:pPr>
-            <a:endParaRPr lang="en-US" sz="2400" b="1" dirty="0"/>
-          </a:p>
-          <a:p>
-            <a:pPr lvl="1" algn="just">
-              <a:lnSpc>
-                <a:spcPct val="110000"/>
-              </a:lnSpc>
-            </a:pPr>
-            <a:r>
-              <a:rPr lang="en-US" sz="2400" b="1" dirty="0" smtClean="0"/>
-              <a:t>Generative Algorithm</a:t>
-            </a:r>
-            <a:endParaRPr lang="en-US" sz="2400" b="1" dirty="0"/>
-          </a:p>
-          <a:p>
-            <a:pPr lvl="1" algn="just">
-              <a:lnSpc>
-                <a:spcPct val="110000"/>
-              </a:lnSpc>
-            </a:pPr>
-            <a:r>
-              <a:rPr lang="en-US" sz="2400" dirty="0" smtClean="0"/>
-              <a:t>Uses Gibbs sampling and the Metropolis acceptance criterion to iteratively mutate the input text so that it achieves a higher “fake” score.</a:t>
-            </a:r>
-          </a:p>
-        </p:txBody>
-      </p:sp>
+      <p:graphicFrame>
+        <p:nvGraphicFramePr>
+          <p:cNvPr id="67" name="Table 66">
+            <a:extLst>
+              <a:ext uri="{FF2B5EF4-FFF2-40B4-BE49-F238E27FC236}">
+                <a16:creationId xmlns:a16="http://schemas.microsoft.com/office/drawing/2014/main" id="{3589ABE3-F275-5748-98FF-445AAFB12DCE}"/>
+              </a:ext>
+            </a:extLst>
+          </p:cNvPr>
+          <p:cNvGraphicFramePr>
+            <a:graphicFrameLocks noGrp="1"/>
+          </p:cNvGraphicFramePr>
+          <p:nvPr>
+            <p:extLst>
+              <p:ext uri="{D42A27DB-BD31-4B8C-83A1-F6EECF244321}">
+                <p14:modId xmlns:p14="http://schemas.microsoft.com/office/powerpoint/2010/main" val="2246555174"/>
+              </p:ext>
+            </p:extLst>
+          </p:nvPr>
+        </p:nvGraphicFramePr>
+        <p:xfrm>
+          <a:off x="13330666" y="12342876"/>
+          <a:ext cx="9597017" cy="3378953"/>
+        </p:xfrm>
+        <a:graphic>
+          <a:graphicData uri="http://schemas.openxmlformats.org/drawingml/2006/table">
+            <a:tbl>
+              <a:tblPr firstRow="1" bandRow="1">
+                <a:effectLst/>
+                <a:tableStyleId>{5C22544A-7EE6-4342-B048-85BDC9FD1C3A}</a:tableStyleId>
+              </a:tblPr>
+              <a:tblGrid>
+                <a:gridCol w="766334">
+                  <a:extLst>
+                    <a:ext uri="{9D8B030D-6E8A-4147-A177-3AD203B41FA5}">
+                      <a16:colId xmlns:a16="http://schemas.microsoft.com/office/drawing/2014/main" val="20000"/>
+                    </a:ext>
+                  </a:extLst>
+                </a:gridCol>
+                <a:gridCol w="2943561">
+                  <a:extLst>
+                    <a:ext uri="{9D8B030D-6E8A-4147-A177-3AD203B41FA5}">
+                      <a16:colId xmlns:a16="http://schemas.microsoft.com/office/drawing/2014/main" val="20001"/>
+                    </a:ext>
+                  </a:extLst>
+                </a:gridCol>
+                <a:gridCol w="2943561">
+                  <a:extLst>
+                    <a:ext uri="{9D8B030D-6E8A-4147-A177-3AD203B41FA5}">
+                      <a16:colId xmlns:a16="http://schemas.microsoft.com/office/drawing/2014/main" val="20002"/>
+                    </a:ext>
+                  </a:extLst>
+                </a:gridCol>
+                <a:gridCol w="2943561">
+                  <a:extLst>
+                    <a:ext uri="{9D8B030D-6E8A-4147-A177-3AD203B41FA5}">
+                      <a16:colId xmlns:a16="http://schemas.microsoft.com/office/drawing/2014/main" val="2583466939"/>
+                    </a:ext>
+                  </a:extLst>
+                </a:gridCol>
+              </a:tblGrid>
+              <a:tr h="489449">
+                <a:tc>
+                  <a:txBody>
+                    <a:bodyPr/>
+                    <a:lstStyle/>
+                    <a:p>
+                      <a:pPr algn="ctr"/>
+                      <a:endParaRPr lang="en-US" sz="2000" dirty="0">
+                        <a:solidFill>
+                          <a:schemeClr val="tx1"/>
+                        </a:solidFill>
+                      </a:endParaRPr>
+                    </a:p>
+                  </a:txBody>
+                  <a:tcPr anchor="ctr">
+                    <a:lnL w="12700" cap="flat" cmpd="sng" algn="ctr">
+                      <a:noFill/>
+                      <a:prstDash val="solid"/>
+                      <a:round/>
+                      <a:headEnd type="none" w="med" len="med"/>
+                      <a:tailEnd type="none" w="med" len="med"/>
+                    </a:lnL>
+                    <a:lnR w="38100" cap="flat" cmpd="sng" algn="ctr">
+                      <a:solidFill>
+                        <a:schemeClr val="tx1"/>
+                      </a:solidFill>
+                      <a:prstDash val="solid"/>
+                      <a:round/>
+                      <a:headEnd type="none" w="med" len="med"/>
+                      <a:tailEnd type="none" w="med" len="med"/>
+                    </a:lnR>
+                    <a:lnT w="12700" cap="flat" cmpd="sng" algn="ctr">
+                      <a:noFill/>
+                      <a:prstDash val="solid"/>
+                      <a:round/>
+                      <a:headEnd type="none" w="med" len="med"/>
+                      <a:tailEnd type="none" w="med" len="med"/>
+                    </a:lnT>
+                    <a:lnB w="38100" cap="flat" cmpd="sng" algn="ctr">
+                      <a:solidFill>
+                        <a:schemeClr val="tx1"/>
+                      </a:solidFill>
+                      <a:prstDash val="solid"/>
+                      <a:round/>
+                      <a:headEnd type="none" w="med" len="med"/>
+                      <a:tailEnd type="none" w="med" len="med"/>
+                    </a:lnB>
+                    <a:lnTlToBr w="12700" cmpd="sng">
+                      <a:noFill/>
+                      <a:prstDash val="solid"/>
+                    </a:lnTlToBr>
+                    <a:lnBlToTr w="12700" cmpd="sng">
+                      <a:noFill/>
+                      <a:prstDash val="solid"/>
+                    </a:lnBlToTr>
+                    <a:noFill/>
+                  </a:tcPr>
+                </a:tc>
+                <a:tc>
+                  <a:txBody>
+                    <a:bodyPr/>
+                    <a:lstStyle/>
+                    <a:p>
+                      <a:pPr algn="ctr"/>
+                      <a:r>
+                        <a:rPr lang="en-US" sz="2000" dirty="0">
+                          <a:solidFill>
+                            <a:schemeClr val="tx1"/>
+                          </a:solidFill>
+                        </a:rPr>
+                        <a:t>Loss</a:t>
+                      </a:r>
+                    </a:p>
+                  </a:txBody>
+                  <a:tcPr anchor="ctr">
+                    <a:lnL w="38100" cap="flat" cmpd="sng" algn="ctr">
+                      <a:solidFill>
+                        <a:schemeClr val="tx1"/>
+                      </a:solidFill>
+                      <a:prstDash val="solid"/>
+                      <a:round/>
+                      <a:headEnd type="none" w="med" len="med"/>
+                      <a:tailEnd type="none" w="med" len="med"/>
+                    </a:lnL>
+                    <a:lnR w="38100" cap="flat" cmpd="sng" algn="ctr">
+                      <a:solidFill>
+                        <a:schemeClr val="tx1"/>
+                      </a:solidFill>
+                      <a:prstDash val="solid"/>
+                      <a:round/>
+                      <a:headEnd type="none" w="med" len="med"/>
+                      <a:tailEnd type="none" w="med" len="med"/>
+                    </a:lnR>
+                    <a:lnT w="12700" cap="flat" cmpd="sng" algn="ctr">
+                      <a:noFill/>
+                      <a:prstDash val="solid"/>
+                      <a:round/>
+                      <a:headEnd type="none" w="med" len="med"/>
+                      <a:tailEnd type="none" w="med" len="med"/>
+                    </a:lnT>
+                    <a:lnB w="38100" cap="flat" cmpd="sng" algn="ctr">
+                      <a:solidFill>
+                        <a:schemeClr val="tx1"/>
+                      </a:solidFill>
+                      <a:prstDash val="solid"/>
+                      <a:round/>
+                      <a:headEnd type="none" w="med" len="med"/>
+                      <a:tailEnd type="none" w="med" len="med"/>
+                    </a:lnB>
+                    <a:lnTlToBr w="12700" cmpd="sng">
+                      <a:noFill/>
+                      <a:prstDash val="solid"/>
+                    </a:lnTlToBr>
+                    <a:lnBlToTr w="12700" cmpd="sng">
+                      <a:noFill/>
+                      <a:prstDash val="solid"/>
+                    </a:lnBlToTr>
+                    <a:noFill/>
+                  </a:tcPr>
+                </a:tc>
+                <a:tc>
+                  <a:txBody>
+                    <a:bodyPr/>
+                    <a:lstStyle/>
+                    <a:p>
+                      <a:pPr algn="ctr"/>
+                      <a:r>
+                        <a:rPr lang="en-US" sz="2000" dirty="0">
+                          <a:solidFill>
+                            <a:schemeClr val="tx1"/>
+                          </a:solidFill>
+                        </a:rPr>
+                        <a:t>F1</a:t>
+                      </a:r>
+                    </a:p>
+                  </a:txBody>
+                  <a:tcPr anchor="ctr">
+                    <a:lnL w="38100" cap="flat" cmpd="sng" algn="ctr">
+                      <a:solidFill>
+                        <a:schemeClr val="tx1"/>
+                      </a:solidFill>
+                      <a:prstDash val="solid"/>
+                      <a:round/>
+                      <a:headEnd type="none" w="med" len="med"/>
+                      <a:tailEnd type="none" w="med" len="med"/>
+                    </a:lnL>
+                    <a:lnR w="38100" cap="flat" cmpd="sng" algn="ctr">
+                      <a:solidFill>
+                        <a:schemeClr val="tx1"/>
+                      </a:solidFill>
+                      <a:prstDash val="solid"/>
+                      <a:round/>
+                      <a:headEnd type="none" w="med" len="med"/>
+                      <a:tailEnd type="none" w="med" len="med"/>
+                    </a:lnR>
+                    <a:lnT w="12700" cap="flat" cmpd="sng" algn="ctr">
+                      <a:noFill/>
+                      <a:prstDash val="solid"/>
+                      <a:round/>
+                      <a:headEnd type="none" w="med" len="med"/>
+                      <a:tailEnd type="none" w="med" len="med"/>
+                    </a:lnT>
+                    <a:lnB w="38100" cap="flat" cmpd="sng" algn="ctr">
+                      <a:solidFill>
+                        <a:schemeClr val="tx1"/>
+                      </a:solidFill>
+                      <a:prstDash val="solid"/>
+                      <a:round/>
+                      <a:headEnd type="none" w="med" len="med"/>
+                      <a:tailEnd type="none" w="med" len="med"/>
+                    </a:lnB>
+                    <a:lnTlToBr w="12700" cmpd="sng">
+                      <a:noFill/>
+                      <a:prstDash val="solid"/>
+                    </a:lnTlToBr>
+                    <a:lnBlToTr w="12700" cmpd="sng">
+                      <a:noFill/>
+                      <a:prstDash val="solid"/>
+                    </a:lnBlToTr>
+                    <a:noFill/>
+                  </a:tcPr>
+                </a:tc>
+                <a:tc>
+                  <a:txBody>
+                    <a:bodyPr/>
+                    <a:lstStyle/>
+                    <a:p>
+                      <a:pPr algn="ctr"/>
+                      <a:r>
+                        <a:rPr lang="en-US" sz="2000" dirty="0">
+                          <a:solidFill>
+                            <a:schemeClr val="tx1"/>
+                          </a:solidFill>
+                        </a:rPr>
+                        <a:t>EM</a:t>
+                      </a:r>
+                    </a:p>
+                  </a:txBody>
+                  <a:tcPr anchor="ctr">
+                    <a:lnL w="38100" cap="flat" cmpd="sng" algn="ctr">
+                      <a:solidFill>
+                        <a:schemeClr val="tx1"/>
+                      </a:solidFill>
+                      <a:prstDash val="solid"/>
+                      <a:round/>
+                      <a:headEnd type="none" w="med" len="med"/>
+                      <a:tailEnd type="none" w="med" len="med"/>
+                    </a:lnL>
+                    <a:lnR w="12700" cap="flat" cmpd="sng" algn="ctr">
+                      <a:noFill/>
+                      <a:prstDash val="solid"/>
+                      <a:round/>
+                      <a:headEnd type="none" w="med" len="med"/>
+                      <a:tailEnd type="none" w="med" len="med"/>
+                    </a:lnR>
+                    <a:lnT w="12700" cap="flat" cmpd="sng" algn="ctr">
+                      <a:noFill/>
+                      <a:prstDash val="solid"/>
+                      <a:round/>
+                      <a:headEnd type="none" w="med" len="med"/>
+                      <a:tailEnd type="none" w="med" len="med"/>
+                    </a:lnT>
+                    <a:lnB w="38100" cap="flat" cmpd="sng" algn="ctr">
+                      <a:solidFill>
+                        <a:schemeClr val="tx1"/>
+                      </a:solidFill>
+                      <a:prstDash val="solid"/>
+                      <a:round/>
+                      <a:headEnd type="none" w="med" len="med"/>
+                      <a:tailEnd type="none" w="med" len="med"/>
+                    </a:lnB>
+                    <a:lnTlToBr w="12700" cmpd="sng">
+                      <a:noFill/>
+                      <a:prstDash val="solid"/>
+                    </a:lnTlToBr>
+                    <a:lnBlToTr w="12700" cmpd="sng">
+                      <a:noFill/>
+                      <a:prstDash val="solid"/>
+                    </a:lnBlToTr>
+                    <a:noFill/>
+                  </a:tcPr>
+                </a:tc>
+                <a:extLst>
+                  <a:ext uri="{0D108BD9-81ED-4DB2-BD59-A6C34878D82A}">
+                    <a16:rowId xmlns:a16="http://schemas.microsoft.com/office/drawing/2014/main" val="10000"/>
+                  </a:ext>
+                </a:extLst>
+              </a:tr>
+              <a:tr h="1444752">
+                <a:tc>
+                  <a:txBody>
+                    <a:bodyPr/>
+                    <a:lstStyle/>
+                    <a:p>
+                      <a:pPr algn="ctr"/>
+                      <a:r>
+                        <a:rPr lang="en-US" sz="2000" dirty="0">
+                          <a:solidFill>
+                            <a:schemeClr val="tx1"/>
+                          </a:solidFill>
+                        </a:rPr>
+                        <a:t>Train</a:t>
+                      </a:r>
+                    </a:p>
+                  </a:txBody>
+                  <a:tcPr anchor="ctr">
+                    <a:lnL w="12700" cap="flat" cmpd="sng" algn="ctr">
+                      <a:noFill/>
+                      <a:prstDash val="solid"/>
+                      <a:round/>
+                      <a:headEnd type="none" w="med" len="med"/>
+                      <a:tailEnd type="none" w="med" len="med"/>
+                    </a:lnL>
+                    <a:lnR w="38100" cap="flat" cmpd="sng" algn="ctr">
+                      <a:solidFill>
+                        <a:schemeClr val="tx1"/>
+                      </a:solidFill>
+                      <a:prstDash val="solid"/>
+                      <a:round/>
+                      <a:headEnd type="none" w="med" len="med"/>
+                      <a:tailEnd type="none" w="med" len="med"/>
+                    </a:lnR>
+                    <a:lnT w="38100" cap="flat" cmpd="sng" algn="ctr">
+                      <a:solidFill>
+                        <a:schemeClr val="tx1"/>
+                      </a:solidFill>
+                      <a:prstDash val="solid"/>
+                      <a:round/>
+                      <a:headEnd type="none" w="med" len="med"/>
+                      <a:tailEnd type="none" w="med" len="med"/>
+                    </a:lnT>
+                    <a:lnB w="38100" cap="flat" cmpd="sng" algn="ctr">
+                      <a:solidFill>
+                        <a:schemeClr val="tx1"/>
+                      </a:solidFill>
+                      <a:prstDash val="solid"/>
+                      <a:round/>
+                      <a:headEnd type="none" w="med" len="med"/>
+                      <a:tailEnd type="none" w="med" len="med"/>
+                    </a:lnB>
+                    <a:lnTlToBr w="12700" cmpd="sng">
+                      <a:noFill/>
+                      <a:prstDash val="solid"/>
+                    </a:lnTlToBr>
+                    <a:lnBlToTr w="12700" cmpd="sng">
+                      <a:noFill/>
+                      <a:prstDash val="solid"/>
+                    </a:lnBlToTr>
+                    <a:noFill/>
+                  </a:tcPr>
+                </a:tc>
+                <a:tc>
+                  <a:txBody>
+                    <a:bodyPr/>
+                    <a:lstStyle/>
+                    <a:p>
+                      <a:pPr algn="ctr"/>
+                      <a:endParaRPr lang="en-US" sz="2000" dirty="0">
+                        <a:solidFill>
+                          <a:schemeClr val="tx1"/>
+                        </a:solidFill>
+                      </a:endParaRPr>
+                    </a:p>
+                  </a:txBody>
+                  <a:tcPr anchor="ctr">
+                    <a:lnL w="38100" cap="flat" cmpd="sng" algn="ctr">
+                      <a:solidFill>
+                        <a:schemeClr val="tx1"/>
+                      </a:solidFill>
+                      <a:prstDash val="solid"/>
+                      <a:round/>
+                      <a:headEnd type="none" w="med" len="med"/>
+                      <a:tailEnd type="none" w="med" len="med"/>
+                    </a:lnL>
+                    <a:lnR w="38100" cap="flat" cmpd="sng" algn="ctr">
+                      <a:solidFill>
+                        <a:schemeClr val="tx1"/>
+                      </a:solidFill>
+                      <a:prstDash val="solid"/>
+                      <a:round/>
+                      <a:headEnd type="none" w="med" len="med"/>
+                      <a:tailEnd type="none" w="med" len="med"/>
+                    </a:lnR>
+                    <a:lnT w="38100" cap="flat" cmpd="sng" algn="ctr">
+                      <a:solidFill>
+                        <a:schemeClr val="tx1"/>
+                      </a:solidFill>
+                      <a:prstDash val="solid"/>
+                      <a:round/>
+                      <a:headEnd type="none" w="med" len="med"/>
+                      <a:tailEnd type="none" w="med" len="med"/>
+                    </a:lnT>
+                    <a:lnB w="38100" cap="flat" cmpd="sng" algn="ctr">
+                      <a:solidFill>
+                        <a:schemeClr val="tx1"/>
+                      </a:solidFill>
+                      <a:prstDash val="solid"/>
+                      <a:round/>
+                      <a:headEnd type="none" w="med" len="med"/>
+                      <a:tailEnd type="none" w="med" len="med"/>
+                    </a:lnB>
+                    <a:lnTlToBr w="12700" cmpd="sng">
+                      <a:noFill/>
+                      <a:prstDash val="solid"/>
+                    </a:lnTlToBr>
+                    <a:lnBlToTr w="12700" cmpd="sng">
+                      <a:noFill/>
+                      <a:prstDash val="solid"/>
+                    </a:lnBlToTr>
+                    <a:noFill/>
+                  </a:tcPr>
+                </a:tc>
+                <a:tc>
+                  <a:txBody>
+                    <a:bodyPr/>
+                    <a:lstStyle/>
+                    <a:p>
+                      <a:pPr algn="ctr"/>
+                      <a:endParaRPr lang="en-US" sz="2000" dirty="0">
+                        <a:solidFill>
+                          <a:schemeClr val="tx1"/>
+                        </a:solidFill>
+                      </a:endParaRPr>
+                    </a:p>
+                  </a:txBody>
+                  <a:tcPr anchor="ctr">
+                    <a:lnL w="38100" cap="flat" cmpd="sng" algn="ctr">
+                      <a:solidFill>
+                        <a:schemeClr val="tx1"/>
+                      </a:solidFill>
+                      <a:prstDash val="solid"/>
+                      <a:round/>
+                      <a:headEnd type="none" w="med" len="med"/>
+                      <a:tailEnd type="none" w="med" len="med"/>
+                    </a:lnL>
+                    <a:lnR w="38100" cap="flat" cmpd="sng" algn="ctr">
+                      <a:solidFill>
+                        <a:schemeClr val="tx1"/>
+                      </a:solidFill>
+                      <a:prstDash val="solid"/>
+                      <a:round/>
+                      <a:headEnd type="none" w="med" len="med"/>
+                      <a:tailEnd type="none" w="med" len="med"/>
+                    </a:lnR>
+                    <a:lnT w="38100" cap="flat" cmpd="sng" algn="ctr">
+                      <a:solidFill>
+                        <a:schemeClr val="tx1"/>
+                      </a:solidFill>
+                      <a:prstDash val="solid"/>
+                      <a:round/>
+                      <a:headEnd type="none" w="med" len="med"/>
+                      <a:tailEnd type="none" w="med" len="med"/>
+                    </a:lnT>
+                    <a:lnB w="38100" cap="flat" cmpd="sng" algn="ctr">
+                      <a:solidFill>
+                        <a:schemeClr val="tx1"/>
+                      </a:solidFill>
+                      <a:prstDash val="solid"/>
+                      <a:round/>
+                      <a:headEnd type="none" w="med" len="med"/>
+                      <a:tailEnd type="none" w="med" len="med"/>
+                    </a:lnB>
+                    <a:lnTlToBr w="12700" cmpd="sng">
+                      <a:noFill/>
+                      <a:prstDash val="solid"/>
+                    </a:lnTlToBr>
+                    <a:lnBlToTr w="12700" cmpd="sng">
+                      <a:noFill/>
+                      <a:prstDash val="solid"/>
+                    </a:lnBlToTr>
+                    <a:noFill/>
+                  </a:tcPr>
+                </a:tc>
+                <a:tc>
+                  <a:txBody>
+                    <a:bodyPr/>
+                    <a:lstStyle/>
+                    <a:p>
+                      <a:pPr algn="ctr"/>
+                      <a:endParaRPr lang="en-US" sz="2000" dirty="0">
+                        <a:solidFill>
+                          <a:schemeClr val="tx1"/>
+                        </a:solidFill>
+                      </a:endParaRPr>
+                    </a:p>
+                  </a:txBody>
+                  <a:tcPr anchor="ctr">
+                    <a:lnL w="38100" cap="flat" cmpd="sng" algn="ctr">
+                      <a:solidFill>
+                        <a:schemeClr val="tx1"/>
+                      </a:solidFill>
+                      <a:prstDash val="solid"/>
+                      <a:round/>
+                      <a:headEnd type="none" w="med" len="med"/>
+                      <a:tailEnd type="none" w="med" len="med"/>
+                    </a:lnL>
+                    <a:lnR w="12700" cap="flat" cmpd="sng" algn="ctr">
+                      <a:noFill/>
+                      <a:prstDash val="solid"/>
+                      <a:round/>
+                      <a:headEnd type="none" w="med" len="med"/>
+                      <a:tailEnd type="none" w="med" len="med"/>
+                    </a:lnR>
+                    <a:lnT w="38100" cap="flat" cmpd="sng" algn="ctr">
+                      <a:solidFill>
+                        <a:schemeClr val="tx1"/>
+                      </a:solidFill>
+                      <a:prstDash val="solid"/>
+                      <a:round/>
+                      <a:headEnd type="none" w="med" len="med"/>
+                      <a:tailEnd type="none" w="med" len="med"/>
+                    </a:lnT>
+                    <a:lnB w="38100" cap="flat" cmpd="sng" algn="ctr">
+                      <a:solidFill>
+                        <a:schemeClr val="tx1"/>
+                      </a:solidFill>
+                      <a:prstDash val="solid"/>
+                      <a:round/>
+                      <a:headEnd type="none" w="med" len="med"/>
+                      <a:tailEnd type="none" w="med" len="med"/>
+                    </a:lnB>
+                    <a:lnTlToBr w="12700" cmpd="sng">
+                      <a:noFill/>
+                      <a:prstDash val="solid"/>
+                    </a:lnTlToBr>
+                    <a:lnBlToTr w="12700" cmpd="sng">
+                      <a:noFill/>
+                      <a:prstDash val="solid"/>
+                    </a:lnBlToTr>
+                    <a:noFill/>
+                  </a:tcPr>
+                </a:tc>
+                <a:extLst>
+                  <a:ext uri="{0D108BD9-81ED-4DB2-BD59-A6C34878D82A}">
+                    <a16:rowId xmlns:a16="http://schemas.microsoft.com/office/drawing/2014/main" val="10001"/>
+                  </a:ext>
+                </a:extLst>
+              </a:tr>
+              <a:tr h="1444752">
+                <a:tc>
+                  <a:txBody>
+                    <a:bodyPr/>
+                    <a:lstStyle/>
+                    <a:p>
+                      <a:pPr algn="ctr"/>
+                      <a:r>
+                        <a:rPr lang="en-US" sz="2000" dirty="0">
+                          <a:solidFill>
+                            <a:schemeClr val="tx1"/>
+                          </a:solidFill>
+                        </a:rPr>
+                        <a:t>Dev</a:t>
+                      </a:r>
+                    </a:p>
+                  </a:txBody>
+                  <a:tcPr anchor="ctr">
+                    <a:lnL w="38100" cap="flat" cmpd="sng" algn="ctr">
+                      <a:noFill/>
+                      <a:prstDash val="solid"/>
+                      <a:round/>
+                      <a:headEnd type="none" w="med" len="med"/>
+                      <a:tailEnd type="none" w="med" len="med"/>
+                    </a:lnL>
+                    <a:lnR w="38100" cap="flat" cmpd="sng" algn="ctr">
+                      <a:solidFill>
+                        <a:schemeClr val="tx1"/>
+                      </a:solidFill>
+                      <a:prstDash val="solid"/>
+                      <a:round/>
+                      <a:headEnd type="none" w="med" len="med"/>
+                      <a:tailEnd type="none" w="med" len="med"/>
+                    </a:lnR>
+                    <a:lnT w="38100" cap="flat" cmpd="sng" algn="ctr">
+                      <a:solidFill>
+                        <a:schemeClr val="tx1"/>
+                      </a:solidFill>
+                      <a:prstDash val="solid"/>
+                      <a:round/>
+                      <a:headEnd type="none" w="med" len="med"/>
+                      <a:tailEnd type="none" w="med" len="med"/>
+                    </a:lnT>
+                    <a:lnB w="38100" cap="flat" cmpd="sng" algn="ctr">
+                      <a:noFill/>
+                      <a:prstDash val="solid"/>
+                      <a:round/>
+                      <a:headEnd type="none" w="med" len="med"/>
+                      <a:tailEnd type="none" w="med" len="med"/>
+                    </a:lnB>
+                    <a:lnTlToBr w="12700" cmpd="sng">
+                      <a:noFill/>
+                      <a:prstDash val="solid"/>
+                    </a:lnTlToBr>
+                    <a:lnBlToTr w="12700" cmpd="sng">
+                      <a:noFill/>
+                      <a:prstDash val="solid"/>
+                    </a:lnBlToTr>
+                    <a:noFill/>
+                  </a:tcPr>
+                </a:tc>
+                <a:tc>
+                  <a:txBody>
+                    <a:bodyPr/>
+                    <a:lstStyle/>
+                    <a:p>
+                      <a:pPr algn="ctr"/>
+                      <a:endParaRPr lang="en-US" sz="2000" dirty="0">
+                        <a:solidFill>
+                          <a:schemeClr val="tx1"/>
+                        </a:solidFill>
+                      </a:endParaRPr>
+                    </a:p>
+                  </a:txBody>
+                  <a:tcPr anchor="ctr">
+                    <a:lnL w="38100" cap="flat" cmpd="sng" algn="ctr">
+                      <a:solidFill>
+                        <a:schemeClr val="tx1"/>
+                      </a:solidFill>
+                      <a:prstDash val="solid"/>
+                      <a:round/>
+                      <a:headEnd type="none" w="med" len="med"/>
+                      <a:tailEnd type="none" w="med" len="med"/>
+                    </a:lnL>
+                    <a:lnR w="38100" cap="flat" cmpd="sng" algn="ctr">
+                      <a:solidFill>
+                        <a:schemeClr val="tx1"/>
+                      </a:solidFill>
+                      <a:prstDash val="solid"/>
+                      <a:round/>
+                      <a:headEnd type="none" w="med" len="med"/>
+                      <a:tailEnd type="none" w="med" len="med"/>
+                    </a:lnR>
+                    <a:lnT w="38100" cap="flat" cmpd="sng" algn="ctr">
+                      <a:solidFill>
+                        <a:schemeClr val="tx1"/>
+                      </a:solidFill>
+                      <a:prstDash val="solid"/>
+                      <a:round/>
+                      <a:headEnd type="none" w="med" len="med"/>
+                      <a:tailEnd type="none" w="med" len="med"/>
+                    </a:lnT>
+                    <a:lnB w="38100" cap="flat" cmpd="sng" algn="ctr">
+                      <a:noFill/>
+                      <a:prstDash val="solid"/>
+                      <a:round/>
+                      <a:headEnd type="none" w="med" len="med"/>
+                      <a:tailEnd type="none" w="med" len="med"/>
+                    </a:lnB>
+                    <a:lnTlToBr w="12700" cmpd="sng">
+                      <a:noFill/>
+                      <a:prstDash val="solid"/>
+                    </a:lnTlToBr>
+                    <a:lnBlToTr w="12700" cmpd="sng">
+                      <a:noFill/>
+                      <a:prstDash val="solid"/>
+                    </a:lnBlToTr>
+                    <a:noFill/>
+                  </a:tcPr>
+                </a:tc>
+                <a:tc>
+                  <a:txBody>
+                    <a:bodyPr/>
+                    <a:lstStyle/>
+                    <a:p>
+                      <a:pPr algn="ctr"/>
+                      <a:endParaRPr lang="en-US" sz="2000" dirty="0">
+                        <a:solidFill>
+                          <a:schemeClr val="tx1"/>
+                        </a:solidFill>
+                      </a:endParaRPr>
+                    </a:p>
+                  </a:txBody>
+                  <a:tcPr anchor="ctr">
+                    <a:lnL w="38100" cap="flat" cmpd="sng" algn="ctr">
+                      <a:solidFill>
+                        <a:schemeClr val="tx1"/>
+                      </a:solidFill>
+                      <a:prstDash val="solid"/>
+                      <a:round/>
+                      <a:headEnd type="none" w="med" len="med"/>
+                      <a:tailEnd type="none" w="med" len="med"/>
+                    </a:lnL>
+                    <a:lnR w="38100" cap="flat" cmpd="sng" algn="ctr">
+                      <a:solidFill>
+                        <a:schemeClr val="tx1"/>
+                      </a:solidFill>
+                      <a:prstDash val="solid"/>
+                      <a:round/>
+                      <a:headEnd type="none" w="med" len="med"/>
+                      <a:tailEnd type="none" w="med" len="med"/>
+                    </a:lnR>
+                    <a:lnT w="38100" cap="flat" cmpd="sng" algn="ctr">
+                      <a:solidFill>
+                        <a:schemeClr val="tx1"/>
+                      </a:solidFill>
+                      <a:prstDash val="solid"/>
+                      <a:round/>
+                      <a:headEnd type="none" w="med" len="med"/>
+                      <a:tailEnd type="none" w="med" len="med"/>
+                    </a:lnT>
+                    <a:lnB w="38100" cap="flat" cmpd="sng" algn="ctr">
+                      <a:noFill/>
+                      <a:prstDash val="solid"/>
+                      <a:round/>
+                      <a:headEnd type="none" w="med" len="med"/>
+                      <a:tailEnd type="none" w="med" len="med"/>
+                    </a:lnB>
+                    <a:lnTlToBr w="12700" cmpd="sng">
+                      <a:noFill/>
+                      <a:prstDash val="solid"/>
+                    </a:lnTlToBr>
+                    <a:lnBlToTr w="12700" cmpd="sng">
+                      <a:noFill/>
+                      <a:prstDash val="solid"/>
+                    </a:lnBlToTr>
+                    <a:noFill/>
+                  </a:tcPr>
+                </a:tc>
+                <a:tc>
+                  <a:txBody>
+                    <a:bodyPr/>
+                    <a:lstStyle/>
+                    <a:p>
+                      <a:pPr algn="ctr"/>
+                      <a:endParaRPr lang="en-US" sz="2000" dirty="0">
+                        <a:solidFill>
+                          <a:schemeClr val="tx1"/>
+                        </a:solidFill>
+                      </a:endParaRPr>
+                    </a:p>
+                  </a:txBody>
+                  <a:tcPr anchor="ctr">
+                    <a:lnL w="38100" cap="flat" cmpd="sng" algn="ctr">
+                      <a:solidFill>
+                        <a:schemeClr val="tx1"/>
+                      </a:solidFill>
+                      <a:prstDash val="solid"/>
+                      <a:round/>
+                      <a:headEnd type="none" w="med" len="med"/>
+                      <a:tailEnd type="none" w="med" len="med"/>
+                    </a:lnL>
+                    <a:lnR w="12700" cap="flat" cmpd="sng" algn="ctr">
+                      <a:noFill/>
+                      <a:prstDash val="solid"/>
+                      <a:round/>
+                      <a:headEnd type="none" w="med" len="med"/>
+                      <a:tailEnd type="none" w="med" len="med"/>
+                    </a:lnR>
+                    <a:lnT w="38100" cap="flat" cmpd="sng" algn="ctr">
+                      <a:solidFill>
+                        <a:schemeClr val="tx1"/>
+                      </a:solidFill>
+                      <a:prstDash val="solid"/>
+                      <a:round/>
+                      <a:headEnd type="none" w="med" len="med"/>
+                      <a:tailEnd type="none" w="med" len="med"/>
+                    </a:lnT>
+                    <a:lnB w="38100" cap="flat" cmpd="sng" algn="ctr">
+                      <a:noFill/>
+                      <a:prstDash val="solid"/>
+                      <a:round/>
+                      <a:headEnd type="none" w="med" len="med"/>
+                      <a:tailEnd type="none" w="med" len="med"/>
+                    </a:lnB>
+                    <a:lnTlToBr w="12700" cmpd="sng">
+                      <a:noFill/>
+                      <a:prstDash val="solid"/>
+                    </a:lnTlToBr>
+                    <a:lnBlToTr w="12700" cmpd="sng">
+                      <a:noFill/>
+                      <a:prstDash val="solid"/>
+                    </a:lnBlToTr>
+                    <a:noFill/>
+                  </a:tcPr>
+                </a:tc>
+                <a:extLst>
+                  <a:ext uri="{0D108BD9-81ED-4DB2-BD59-A6C34878D82A}">
+                    <a16:rowId xmlns:a16="http://schemas.microsoft.com/office/drawing/2014/main" val="3287768936"/>
+                  </a:ext>
+                </a:extLst>
+              </a:tr>
+            </a:tbl>
+          </a:graphicData>
+        </a:graphic>
+      </p:graphicFrame>
       <p:sp>
         <p:nvSpPr>
           <p:cNvPr id="3074" name="Text Box 83"/>
@@ -4320,14 +4707,14 @@
           </a:ln>
           <a:extLst>
             <a:ext uri="{909E8E84-426E-40dd-AFC4-6F175D3DCCD1}">
-              <a14:hiddenFill xmlns:a14="http://schemas.microsoft.com/office/drawing/2010/main">
+              <a14:hiddenFill xmlns:a14="http://schemas.microsoft.com/office/drawing/2010/main" xmlns="">
                 <a:solidFill>
                   <a:srgbClr val="FFFFFF"/>
                 </a:solidFill>
               </a14:hiddenFill>
             </a:ext>
             <a:ext uri="{91240B29-F687-4f45-9708-019B960494DF}">
-              <a14:hiddenLine xmlns:a14="http://schemas.microsoft.com/office/drawing/2010/main" w="9525">
+              <a14:hiddenLine xmlns:a14="http://schemas.microsoft.com/office/drawing/2010/main" xmlns="" w="9525">
                 <a:solidFill>
                   <a:srgbClr val="000000"/>
                 </a:solidFill>
@@ -4450,8 +4837,8 @@
         </p:nvSpPr>
         <p:spPr bwMode="auto">
           <a:xfrm>
-            <a:off x="838199" y="2722681"/>
-            <a:ext cx="5029201" cy="492443"/>
+            <a:off x="838200" y="2722681"/>
+            <a:ext cx="6402920" cy="492443"/>
           </a:xfrm>
           <a:prstGeom prst="rect">
             <a:avLst/>
@@ -4464,7 +4851,7 @@
           </a:ln>
           <a:extLst>
             <a:ext uri="{91240B29-F687-4f45-9708-019B960494DF}">
-              <a14:hiddenLine xmlns:a14="http://schemas.microsoft.com/office/drawing/2010/main" w="9525">
+              <a14:hiddenLine xmlns:a14="http://schemas.microsoft.com/office/drawing/2010/main" xmlns="" w="9525">
                 <a:solidFill>
                   <a:srgbClr val="000000"/>
                 </a:solidFill>
@@ -4483,18 +4870,13 @@
           <a:p>
             <a:pPr algn="ctr"/>
             <a:r>
-              <a:rPr lang="en-US" sz="3200" b="1" dirty="0" smtClean="0">
+              <a:rPr lang="en-US" sz="3200" b="1" dirty="0">
                 <a:solidFill>
                   <a:srgbClr val="FFFFFF"/>
                 </a:solidFill>
               </a:rPr>
-              <a:t>Motivation</a:t>
-            </a:r>
-            <a:endParaRPr lang="en-US" sz="3200" b="1" dirty="0">
-              <a:solidFill>
-                <a:srgbClr val="FFFFFF"/>
-              </a:solidFill>
-            </a:endParaRPr>
+              <a:t>Abstract</a:t>
+            </a:r>
           </a:p>
         </p:txBody>
       </p:sp>
@@ -4520,14 +4902,14 @@
           </a:ln>
           <a:extLst>
             <a:ext uri="{909E8E84-426E-40dd-AFC4-6F175D3DCCD1}">
-              <a14:hiddenFill xmlns:a14="http://schemas.microsoft.com/office/drawing/2010/main">
+              <a14:hiddenFill xmlns:a14="http://schemas.microsoft.com/office/drawing/2010/main" xmlns="">
                 <a:solidFill>
                   <a:srgbClr val="FFFFFF"/>
                 </a:solidFill>
               </a14:hiddenFill>
             </a:ext>
             <a:ext uri="{91240B29-F687-4f45-9708-019B960494DF}">
-              <a14:hiddenLine xmlns:a14="http://schemas.microsoft.com/office/drawing/2010/main" w="9525">
+              <a14:hiddenLine xmlns:a14="http://schemas.microsoft.com/office/drawing/2010/main" xmlns="" w="9525">
                 <a:solidFill>
                   <a:srgbClr val="000000"/>
                 </a:solidFill>
@@ -4546,16 +4928,26 @@
           <a:p>
             <a:pPr algn="ctr" eaLnBrk="1" hangingPunct="1"/>
             <a:r>
-              <a:rPr lang="en-US" sz="4700" b="1" dirty="0" smtClean="0">
+              <a:rPr lang="en-US" sz="4700" b="1" dirty="0">
                 <a:latin typeface="Arial"/>
                 <a:cs typeface="Arial"/>
               </a:rPr>
-              <a:t>Fake News Through the Lens of Classification and Generation</a:t>
-            </a:r>
-            <a:endParaRPr lang="en-US" sz="4700" b="1" dirty="0">
-              <a:latin typeface="Arial"/>
-              <a:cs typeface="Arial"/>
-            </a:endParaRPr>
+              <a:t>Machine Comprehension Using the </a:t>
+            </a:r>
+            <a:r>
+              <a:rPr lang="en-US" sz="4700" b="1" dirty="0" err="1">
+                <a:latin typeface="Arial"/>
+                <a:cs typeface="Arial"/>
+              </a:rPr>
+              <a:t>SQuAD</a:t>
+            </a:r>
+            <a:r>
+              <a:rPr lang="en-US" sz="4700" b="1" dirty="0">
+                <a:latin typeface="Arial"/>
+                <a:cs typeface="Arial"/>
+              </a:rPr>
+              <a:t> Dataset</a:t>
+            </a:r>
           </a:p>
         </p:txBody>
       </p:sp>
@@ -4581,14 +4973,14 @@
           </a:ln>
           <a:extLst>
             <a:ext uri="{909E8E84-426E-40dd-AFC4-6F175D3DCCD1}">
-              <a14:hiddenFill xmlns:a14="http://schemas.microsoft.com/office/drawing/2010/main">
+              <a14:hiddenFill xmlns:a14="http://schemas.microsoft.com/office/drawing/2010/main" xmlns="">
                 <a:solidFill>
                   <a:srgbClr val="FFFFFF"/>
                 </a:solidFill>
               </a14:hiddenFill>
             </a:ext>
             <a:ext uri="{91240B29-F687-4f45-9708-019B960494DF}">
-              <a14:hiddenLine xmlns:a14="http://schemas.microsoft.com/office/drawing/2010/main" w="9525">
+              <a14:hiddenLine xmlns:a14="http://schemas.microsoft.com/office/drawing/2010/main" xmlns="" w="9525">
                 <a:solidFill>
                   <a:srgbClr val="000000"/>
                 </a:solidFill>
@@ -4611,11 +5003,11 @@
               </a:tabLst>
             </a:pPr>
             <a:r>
-              <a:rPr lang="en-US" sz="3600" dirty="0" smtClean="0">
+              <a:rPr lang="en-US" sz="3600" dirty="0">
                 <a:latin typeface="Arial"/>
                 <a:cs typeface="Arial"/>
               </a:rPr>
-              <a:t>Derek Tsui  |  Winston Wang | {dtsui,wwang13} @stanford.edu | CS 221, Autumn 2017</a:t>
+              <a:t>Michael Chung | Winston Wang | {mchung96, wwang13}@stanford.edu | CS 224N, Winter 2018</a:t>
             </a:r>
             <a:endParaRPr lang="en-US" sz="3600" baseline="30000" dirty="0">
               <a:latin typeface="Arial"/>
@@ -4644,7 +5036,7 @@
           <p:nvPr/>
         </p:nvPicPr>
         <p:blipFill>
-          <a:blip r:embed="rId4"/>
+          <a:blip r:embed="rId2"/>
           <a:stretch>
             <a:fillRect/>
           </a:stretch>
@@ -4668,7 +5060,7 @@
           <p:nvPr/>
         </p:nvPicPr>
         <p:blipFill>
-          <a:blip r:embed="rId5">
+          <a:blip r:embed="rId3">
             <a:extLst>
               <a:ext uri="{28A0092B-C50C-407E-A947-70E740481C1C}">
                 <a14:useLocalDpi xmlns:a14="http://schemas.microsoft.com/office/drawing/2010/main" val="0"/>
@@ -4691,98 +5083,16 @@
       </p:pic>
       <p:sp>
         <p:nvSpPr>
-          <p:cNvPr id="6" name="TextBox 5"/>
-          <p:cNvSpPr txBox="1"/>
-          <p:nvPr/>
-        </p:nvSpPr>
-        <p:spPr>
-          <a:xfrm>
-            <a:off x="838199" y="3276600"/>
-            <a:ext cx="5029201" cy="7478969"/>
-          </a:xfrm>
-          <a:prstGeom prst="rect">
-            <a:avLst/>
-          </a:prstGeom>
-          <a:noFill/>
-        </p:spPr>
-        <p:txBody>
-          <a:bodyPr wrap="square" rtlCol="0">
-            <a:spAutoFit/>
-          </a:bodyPr>
-          <a:lstStyle/>
-          <a:p>
-            <a:pPr algn="just"/>
-            <a:r>
-              <a:rPr lang="en-US" sz="2400" dirty="0" smtClean="0"/>
-              <a:t>Fake news is an increasingly serious problem that is too vast and burdensome to deal with manually. Our project is focused on two goals: </a:t>
-            </a:r>
-          </a:p>
-          <a:p>
-            <a:pPr algn="just"/>
-            <a:endParaRPr lang="en-US" sz="2400" dirty="0"/>
-          </a:p>
-          <a:p>
-            <a:pPr marL="457200" indent="-457200" algn="just">
-              <a:buAutoNum type="arabicParenR"/>
-            </a:pPr>
-            <a:r>
-              <a:rPr lang="en-US" sz="2400" dirty="0" smtClean="0"/>
-              <a:t>Classification to automatically detect “fake” news from reputable news, and</a:t>
-            </a:r>
-          </a:p>
-          <a:p>
-            <a:pPr marL="457200" indent="-457200" algn="just">
-              <a:buAutoNum type="arabicParenR"/>
-            </a:pPr>
-            <a:endParaRPr lang="en-US" sz="2400" dirty="0" smtClean="0"/>
-          </a:p>
-          <a:p>
-            <a:pPr marL="457200" indent="-457200" algn="just">
-              <a:buAutoNum type="arabicParenR"/>
-            </a:pPr>
-            <a:r>
-              <a:rPr lang="en-US" sz="2400" dirty="0" smtClean="0"/>
-              <a:t>Generation to</a:t>
-            </a:r>
-            <a:r>
-              <a:rPr lang="en-US" sz="2400" dirty="0"/>
-              <a:t> </a:t>
-            </a:r>
-            <a:r>
-              <a:rPr lang="en-US" sz="2400" dirty="0" smtClean="0"/>
-              <a:t>transform a piece of text into the style of fake news.</a:t>
-            </a:r>
-          </a:p>
-          <a:p>
-            <a:pPr algn="just"/>
-            <a:endParaRPr lang="en-US" sz="2400" dirty="0"/>
-          </a:p>
-          <a:p>
-            <a:pPr algn="just"/>
-            <a:r>
-              <a:rPr lang="en-US" sz="2400" dirty="0"/>
-              <a:t>P</a:t>
-            </a:r>
-            <a:r>
-              <a:rPr lang="en-US" sz="2400" dirty="0" smtClean="0"/>
-              <a:t>revious work on fake news detection has included features encoding metadata (e.g., publisher, headline).  We hypothesized that a model based on latent features of the text itself would have wider applications and extensibility.</a:t>
-            </a:r>
-            <a:endParaRPr lang="en-US" sz="2400" dirty="0"/>
-          </a:p>
-        </p:txBody>
-      </p:sp>
-      <p:sp>
-        <p:nvSpPr>
           <p:cNvPr id="15" name="Rectangle 583"/>
           <p:cNvSpPr>
-            <a:spLocks noChangeAspect="1" noChangeArrowheads="1"/>
+            <a:spLocks noChangeArrowheads="1"/>
           </p:cNvSpPr>
           <p:nvPr/>
         </p:nvSpPr>
         <p:spPr bwMode="auto">
           <a:xfrm>
-            <a:off x="838200" y="11125200"/>
-            <a:ext cx="5029201" cy="492443"/>
+            <a:off x="838199" y="13859177"/>
+            <a:ext cx="6400802" cy="493776"/>
           </a:xfrm>
           <a:prstGeom prst="rect">
             <a:avLst/>
@@ -4795,7 +5105,7 @@
           </a:ln>
           <a:extLst>
             <a:ext uri="{91240B29-F687-4f45-9708-019B960494DF}">
-              <a14:hiddenLine xmlns:a14="http://schemas.microsoft.com/office/drawing/2010/main" w="9525">
+              <a14:hiddenLine xmlns:a14="http://schemas.microsoft.com/office/drawing/2010/main" xmlns="" w="9525">
                 <a:solidFill>
                   <a:srgbClr val="000000"/>
                 </a:solidFill>
@@ -4814,18 +5124,13 @@
           <a:p>
             <a:pPr algn="ctr"/>
             <a:r>
-              <a:rPr lang="en-US" sz="3200" b="1" dirty="0" smtClean="0">
+              <a:rPr lang="en-US" sz="3200" b="1" dirty="0">
                 <a:solidFill>
                   <a:srgbClr val="FFFFFF"/>
                 </a:solidFill>
               </a:rPr>
               <a:t>Dataset</a:t>
             </a:r>
-            <a:endParaRPr lang="en-US" sz="3200" b="1" dirty="0">
-              <a:solidFill>
-                <a:srgbClr val="FFFFFF"/>
-              </a:solidFill>
-            </a:endParaRPr>
           </a:p>
         </p:txBody>
       </p:sp>
@@ -4833,14 +5138,14 @@
         <p:nvSpPr>
           <p:cNvPr id="19" name="Rectangle 583"/>
           <p:cNvSpPr>
-            <a:spLocks noChangeAspect="1" noChangeArrowheads="1"/>
+            <a:spLocks noChangeArrowheads="1"/>
           </p:cNvSpPr>
           <p:nvPr/>
         </p:nvSpPr>
         <p:spPr bwMode="auto">
           <a:xfrm>
-            <a:off x="6172200" y="2743200"/>
-            <a:ext cx="16924254" cy="501475"/>
+            <a:off x="7687683" y="2717136"/>
+            <a:ext cx="15240000" cy="493776"/>
           </a:xfrm>
           <a:prstGeom prst="rect">
             <a:avLst/>
@@ -4853,7 +5158,7 @@
           </a:ln>
           <a:extLst>
             <a:ext uri="{91240B29-F687-4f45-9708-019B960494DF}">
-              <a14:hiddenLine xmlns:a14="http://schemas.microsoft.com/office/drawing/2010/main" w="9525">
+              <a14:hiddenLine xmlns:a14="http://schemas.microsoft.com/office/drawing/2010/main" xmlns="" w="9525">
                 <a:solidFill>
                   <a:srgbClr val="000000"/>
                 </a:solidFill>
@@ -4872,228 +5177,13 @@
           <a:p>
             <a:pPr algn="ctr"/>
             <a:r>
-              <a:rPr lang="en-US" sz="3200" b="1" dirty="0" smtClean="0">
+              <a:rPr lang="en-US" sz="3200" b="1" dirty="0">
                 <a:solidFill>
                   <a:srgbClr val="FFFFFF"/>
                 </a:solidFill>
               </a:rPr>
               <a:t>Methodology</a:t>
             </a:r>
-            <a:endParaRPr lang="en-US" sz="3200" b="1" dirty="0">
-              <a:solidFill>
-                <a:srgbClr val="FFFFFF"/>
-              </a:solidFill>
-            </a:endParaRPr>
-          </a:p>
-        </p:txBody>
-      </p:sp>
-      <p:sp>
-        <p:nvSpPr>
-          <p:cNvPr id="20" name="TextBox 19"/>
-          <p:cNvSpPr txBox="1"/>
-          <p:nvPr/>
-        </p:nvSpPr>
-        <p:spPr>
-          <a:xfrm>
-            <a:off x="6172200" y="11717240"/>
-            <a:ext cx="8915401" cy="9694960"/>
-          </a:xfrm>
-          <a:prstGeom prst="rect">
-            <a:avLst/>
-          </a:prstGeom>
-          <a:noFill/>
-        </p:spPr>
-        <p:txBody>
-          <a:bodyPr wrap="square" rtlCol="0">
-            <a:spAutoFit/>
-          </a:bodyPr>
-          <a:lstStyle/>
-          <a:p>
-            <a:pPr algn="just"/>
-            <a:r>
-              <a:rPr lang="en-US" sz="2400" b="1" dirty="0" smtClean="0"/>
-              <a:t>Feature Sets</a:t>
-            </a:r>
-          </a:p>
-          <a:p>
-            <a:pPr marL="457200" indent="-457200" algn="just">
-              <a:buFont typeface="+mj-lt"/>
-              <a:buAutoNum type="arabicPeriod"/>
-            </a:pPr>
-            <a:r>
-              <a:rPr lang="en-US" sz="2400" dirty="0" smtClean="0"/>
-              <a:t>Bag of Words Model</a:t>
-            </a:r>
-            <a:br>
-              <a:rPr lang="en-US" sz="2400" dirty="0" smtClean="0"/>
-            </a:br>
-            <a:r>
-              <a:rPr lang="en-US" sz="2400" dirty="0" smtClean="0"/>
-              <a:t>Converts the text into a sparse array corresponding to the raw word frequencies within the text.</a:t>
-            </a:r>
-            <a:r>
-              <a:rPr lang="en-US" sz="2400" dirty="0"/>
-              <a:t> </a:t>
-            </a:r>
-            <a:r>
-              <a:rPr lang="en-US" sz="2400" dirty="0" smtClean="0"/>
-              <a:t> See Figure 1a.</a:t>
-            </a:r>
-            <a:br>
-              <a:rPr lang="en-US" sz="2400" dirty="0" smtClean="0"/>
-            </a:br>
-            <a:endParaRPr lang="en-US" sz="2400" dirty="0" smtClean="0"/>
-          </a:p>
-          <a:p>
-            <a:pPr marL="457200" indent="-457200" algn="just">
-              <a:buFont typeface="+mj-lt"/>
-              <a:buAutoNum type="arabicPeriod"/>
-            </a:pPr>
-            <a:r>
-              <a:rPr lang="en-US" sz="2400" dirty="0" smtClean="0"/>
-              <a:t>TF-IDF </a:t>
-            </a:r>
-            <a:r>
-              <a:rPr lang="en-US" sz="2400" dirty="0" err="1" smtClean="0"/>
-              <a:t>Vectorization</a:t>
-            </a:r>
-            <a:r>
-              <a:rPr lang="en-US" sz="2400" dirty="0" smtClean="0"/>
-              <a:t> Metric</a:t>
-            </a:r>
-            <a:br>
-              <a:rPr lang="en-US" sz="2400" dirty="0" smtClean="0"/>
-            </a:br>
-            <a:r>
-              <a:rPr lang="en-US" sz="2400" dirty="0" smtClean="0"/>
-              <a:t>Uses the common TF-IDF method to adjust raw word frequency to commonality across documents, correcting for word such as “the” and “a”.</a:t>
-            </a:r>
-            <a:br>
-              <a:rPr lang="en-US" sz="2400" dirty="0" smtClean="0"/>
-            </a:br>
-            <a:r>
-              <a:rPr lang="en-US" sz="2400" dirty="0" smtClean="0"/>
-              <a:t/>
-            </a:r>
-            <a:br>
-              <a:rPr lang="en-US" sz="2400" dirty="0" smtClean="0"/>
-            </a:br>
-            <a:r>
-              <a:rPr lang="en-US" sz="2400" dirty="0" smtClean="0"/>
-              <a:t/>
-            </a:r>
-            <a:br>
-              <a:rPr lang="en-US" sz="2400" dirty="0" smtClean="0"/>
-            </a:br>
-            <a:r>
-              <a:rPr lang="en-US" sz="2400" dirty="0" smtClean="0"/>
-              <a:t/>
-            </a:r>
-            <a:br>
-              <a:rPr lang="en-US" sz="2400" dirty="0" smtClean="0"/>
-            </a:br>
-            <a:r>
-              <a:rPr lang="en-US" sz="2400" dirty="0" smtClean="0"/>
-              <a:t/>
-            </a:r>
-            <a:br>
-              <a:rPr lang="en-US" sz="2400" dirty="0" smtClean="0"/>
-            </a:br>
-            <a:endParaRPr lang="en-US" sz="2400" dirty="0" smtClean="0"/>
-          </a:p>
-          <a:p>
-            <a:pPr marL="457200" indent="-457200" algn="just">
-              <a:buFont typeface="+mj-lt"/>
-              <a:buAutoNum type="arabicPeriod"/>
-            </a:pPr>
-            <a:r>
-              <a:rPr lang="en-US" sz="2400" dirty="0" smtClean="0"/>
-              <a:t>Domain-Specific Features</a:t>
-            </a:r>
-            <a:br>
-              <a:rPr lang="en-US" sz="2400" dirty="0" smtClean="0"/>
-            </a:br>
-            <a:r>
-              <a:rPr lang="en-US" sz="2400" dirty="0" smtClean="0"/>
-              <a:t>This is a set of manually engineered features that utilize domain knowledge in order to more accurately represent the text:</a:t>
-            </a:r>
-          </a:p>
-          <a:p>
-            <a:pPr marL="783732" lvl="1" indent="-457200" algn="just">
-              <a:buFont typeface="Arial"/>
-              <a:buChar char="•"/>
-            </a:pPr>
-            <a:r>
-              <a:rPr lang="en-US" sz="2400" dirty="0" smtClean="0"/>
-              <a:t>Contains special punctuation “?”, “!”</a:t>
-            </a:r>
-            <a:endParaRPr lang="en-US" sz="2400" dirty="0" smtClean="0"/>
-          </a:p>
-          <a:p>
-            <a:pPr marL="783732" lvl="1" indent="-457200" algn="just">
-              <a:buFont typeface="Arial"/>
-              <a:buChar char="•"/>
-            </a:pPr>
-            <a:r>
-              <a:rPr lang="en-US" sz="2400" dirty="0" smtClean="0"/>
-              <a:t>Mean, variance of sentence length</a:t>
-            </a:r>
-            <a:endParaRPr lang="en-US" sz="2400" dirty="0" smtClean="0"/>
-          </a:p>
-          <a:p>
-            <a:pPr marL="783732" lvl="1" indent="-457200" algn="just">
-              <a:buFont typeface="Arial"/>
-              <a:buChar char="•"/>
-            </a:pPr>
-            <a:r>
-              <a:rPr lang="en-US" sz="2400" dirty="0" smtClean="0"/>
-              <a:t>Vocabulary variation</a:t>
-            </a:r>
-            <a:r>
-              <a:rPr lang="en-US" sz="2400" dirty="0" smtClean="0"/>
-              <a:t/>
-            </a:r>
-            <a:br>
-              <a:rPr lang="en-US" sz="2400" dirty="0" smtClean="0"/>
-            </a:br>
-            <a:endParaRPr lang="en-US" sz="2400" dirty="0" smtClean="0"/>
-          </a:p>
-          <a:p>
-            <a:pPr marL="457200" indent="-457200" algn="just">
-              <a:buFont typeface="+mj-lt"/>
-              <a:buAutoNum type="arabicPeriod"/>
-            </a:pPr>
-            <a:r>
-              <a:rPr lang="en-US" sz="2400" dirty="0" err="1" smtClean="0"/>
-              <a:t>FastText</a:t>
-            </a:r>
-            <a:r>
-              <a:rPr lang="en-US" sz="2400" dirty="0" smtClean="0"/>
-              <a:t> Word Vectors</a:t>
-            </a:r>
-            <a:br>
-              <a:rPr lang="en-US" sz="2400" dirty="0" smtClean="0"/>
-            </a:br>
-            <a:r>
-              <a:rPr lang="en-US" sz="2400" dirty="0" smtClean="0"/>
-              <a:t>This model utilizes Facebook’s </a:t>
-            </a:r>
-            <a:r>
-              <a:rPr lang="en-US" sz="2400" dirty="0" err="1" smtClean="0"/>
-              <a:t>FastText</a:t>
-            </a:r>
-            <a:r>
-              <a:rPr lang="en-US" sz="2400" dirty="0" smtClean="0"/>
-              <a:t> model to </a:t>
-            </a:r>
-            <a:r>
-              <a:rPr lang="en-US" sz="2400" dirty="0" err="1" smtClean="0"/>
-              <a:t>vectorize</a:t>
-            </a:r>
-            <a:r>
-              <a:rPr lang="en-US" sz="2400" dirty="0" smtClean="0"/>
-              <a:t> words, and is pre-trained on the Wikipedia corpus to map words to vectors of size 300.  See Figure 1b.</a:t>
-            </a:r>
           </a:p>
         </p:txBody>
       </p:sp>
@@ -5107,8 +5197,8 @@
         </p:nvSpPr>
         <p:spPr bwMode="auto">
           <a:xfrm>
-            <a:off x="23374246" y="2743200"/>
-            <a:ext cx="8782154" cy="510149"/>
+            <a:off x="23374247" y="2717136"/>
+            <a:ext cx="8500295" cy="493776"/>
           </a:xfrm>
           <a:prstGeom prst="rect">
             <a:avLst/>
@@ -5121,7 +5211,7 @@
           </a:ln>
           <a:extLst>
             <a:ext uri="{91240B29-F687-4f45-9708-019B960494DF}">
-              <a14:hiddenLine xmlns:a14="http://schemas.microsoft.com/office/drawing/2010/main" w="9525">
+              <a14:hiddenLine xmlns:a14="http://schemas.microsoft.com/office/drawing/2010/main" xmlns="" w="9525">
                 <a:solidFill>
                   <a:srgbClr val="000000"/>
                 </a:solidFill>
@@ -5140,18 +5230,13 @@
           <a:p>
             <a:pPr algn="ctr"/>
             <a:r>
-              <a:rPr lang="en-US" sz="3200" b="1" dirty="0" smtClean="0">
+              <a:rPr lang="en-US" sz="3200" b="1" dirty="0">
                 <a:solidFill>
                   <a:srgbClr val="FFFFFF"/>
                 </a:solidFill>
               </a:rPr>
               <a:t>Results</a:t>
             </a:r>
-            <a:endParaRPr lang="en-US" sz="3200" b="1" dirty="0">
-              <a:solidFill>
-                <a:srgbClr val="FFFFFF"/>
-              </a:solidFill>
-            </a:endParaRPr>
           </a:p>
         </p:txBody>
       </p:sp>
@@ -5159,14 +5244,14 @@
         <p:nvSpPr>
           <p:cNvPr id="29" name="Rectangle 583"/>
           <p:cNvSpPr>
-            <a:spLocks noChangeAspect="1" noChangeArrowheads="1"/>
+            <a:spLocks noChangeArrowheads="1"/>
           </p:cNvSpPr>
           <p:nvPr/>
         </p:nvSpPr>
         <p:spPr bwMode="auto">
           <a:xfrm>
-            <a:off x="15621000" y="18059400"/>
-            <a:ext cx="16535400" cy="492443"/>
+            <a:off x="23374246" y="14630400"/>
+            <a:ext cx="8503920" cy="492443"/>
           </a:xfrm>
           <a:prstGeom prst="rect">
             <a:avLst/>
@@ -5179,7 +5264,7 @@
           </a:ln>
           <a:extLst>
             <a:ext uri="{91240B29-F687-4f45-9708-019B960494DF}">
-              <a14:hiddenLine xmlns:a14="http://schemas.microsoft.com/office/drawing/2010/main" w="9525">
+              <a14:hiddenLine xmlns:a14="http://schemas.microsoft.com/office/drawing/2010/main" xmlns="" w="9525">
                 <a:solidFill>
                   <a:srgbClr val="000000"/>
                 </a:solidFill>
@@ -5198,31 +5283,26 @@
           <a:p>
             <a:pPr algn="ctr"/>
             <a:r>
-              <a:rPr lang="en-US" sz="3200" b="1" dirty="0" smtClean="0">
+              <a:rPr lang="en-US" sz="3200" b="1" dirty="0">
                 <a:solidFill>
                   <a:srgbClr val="FFFFFF"/>
                 </a:solidFill>
               </a:rPr>
               <a:t>Discussion/Future Work</a:t>
             </a:r>
-            <a:endParaRPr lang="en-US" sz="3200" b="1" dirty="0">
-              <a:solidFill>
-                <a:srgbClr val="FFFFFF"/>
-              </a:solidFill>
-            </a:endParaRPr>
-          </a:p>
-        </p:txBody>
-      </p:sp>
-      <p:sp>
-        <p:nvSpPr>
-          <p:cNvPr id="26" name="TextBox 25"/>
+          </a:p>
+        </p:txBody>
+      </p:sp>
+      <p:sp>
+        <p:nvSpPr>
+          <p:cNvPr id="17" name="TextBox 16"/>
           <p:cNvSpPr txBox="1"/>
           <p:nvPr/>
         </p:nvSpPr>
         <p:spPr>
           <a:xfrm>
-            <a:off x="15621000" y="18745201"/>
-            <a:ext cx="16230600" cy="3046988"/>
+            <a:off x="838199" y="14448893"/>
+            <a:ext cx="6400802" cy="7109639"/>
           </a:xfrm>
           <a:prstGeom prst="rect">
             <a:avLst/>
@@ -5235,72 +5315,25 @@
           </a:bodyPr>
           <a:lstStyle/>
           <a:p>
-            <a:r>
-              <a:rPr lang="en-US" sz="2400" dirty="0" smtClean="0"/>
-              <a:t>Overall the results for classification are comparable to the results found in existing work.  One possible improvement on </a:t>
-            </a:r>
-            <a:r>
-              <a:rPr lang="en-US" sz="2400" dirty="0" smtClean="0"/>
-              <a:t>the current model would be to expand the training window of the CNN past the current limit of 1,000 words per document</a:t>
-            </a:r>
-            <a:r>
-              <a:rPr lang="en-US" sz="2400" dirty="0" smtClean="0"/>
-              <a:t>.  Additional improvements could come from further optimizing for CNN hyper-parameters, including convolution structure and a better regularization approach. </a:t>
-            </a:r>
-          </a:p>
-          <a:p>
-            <a:r>
-              <a:rPr lang="en-US" sz="2400" dirty="0" smtClean="0"/>
-              <a:t>Next, we found that the </a:t>
-            </a:r>
-            <a:r>
-              <a:rPr lang="en-US" sz="2400" dirty="0" err="1" smtClean="0"/>
-              <a:t>XGBoost</a:t>
-            </a:r>
-            <a:r>
-              <a:rPr lang="en-US" sz="2400" dirty="0" smtClean="0"/>
-              <a:t> model is not the ideal method for generation, since it optimizes only on local word frequency, so the generated article tends towards random high-scoring words.  In the future, we plan to change the generation model to the CNN model instead so that latent “fake” structure can be imputed onto the original text, and introduce an improved random sampling method of choosing replacement words.</a:t>
-            </a:r>
-            <a:endParaRPr lang="en-US" sz="2400" dirty="0"/>
-          </a:p>
-        </p:txBody>
-      </p:sp>
-      <p:sp>
-        <p:nvSpPr>
-          <p:cNvPr id="17" name="TextBox 16"/>
-          <p:cNvSpPr txBox="1"/>
-          <p:nvPr/>
-        </p:nvSpPr>
-        <p:spPr>
-          <a:xfrm>
-            <a:off x="838200" y="11658600"/>
-            <a:ext cx="5029201" cy="10064291"/>
-          </a:xfrm>
-          <a:prstGeom prst="rect">
-            <a:avLst/>
-          </a:prstGeom>
-          <a:noFill/>
-        </p:spPr>
-        <p:txBody>
-          <a:bodyPr wrap="square" rtlCol="0">
-            <a:spAutoFit/>
-          </a:bodyPr>
-          <a:lstStyle/>
-          <a:p>
             <a:pPr algn="just"/>
             <a:r>
-              <a:rPr lang="en-US" sz="2400" b="1" dirty="0" smtClean="0"/>
-              <a:t>Data</a:t>
-            </a:r>
-          </a:p>
-          <a:p>
-            <a:pPr marL="342900" indent="-342900" algn="just">
-              <a:buFont typeface="Arial"/>
-              <a:buChar char="•"/>
-            </a:pPr>
-            <a:r>
-              <a:rPr lang="en-US" sz="2400" dirty="0" smtClean="0"/>
-              <a:t>6,000 articles separated into two classes (fake and real) of roughly equal split, all from 2016.</a:t>
+              <a:rPr lang="en-US" sz="2400" b="1" dirty="0"/>
+              <a:t>Data:</a:t>
+            </a:r>
+          </a:p>
+          <a:p>
+            <a:pPr algn="just"/>
+            <a:r>
+              <a:rPr lang="en-US" sz="2400" dirty="0"/>
+              <a:t>The data used for this project is the Stanford Question Answering Dataset (</a:t>
+            </a:r>
+            <a:r>
+              <a:rPr lang="en-US" sz="2400" dirty="0" err="1"/>
+              <a:t>SQuAD</a:t>
+            </a:r>
+            <a:r>
+              <a:rPr lang="en-US" sz="2400" dirty="0"/>
+              <a:t>).  Each example in this dataset consists of three parts:  a context, a question, and an answer span.  The context is guaranteed to contain the answer to the associated question, and the goal of the question answering system is to predict the span of text in the context that answers the question.  The ground truth, i.e. the provided answer span, was created based off of humans.  </a:t>
             </a:r>
           </a:p>
           <a:p>
@@ -5308,154 +5341,22 @@
             <a:endParaRPr lang="en-US" sz="2400" dirty="0"/>
           </a:p>
           <a:p>
-            <a:pPr marL="342900" indent="-342900" algn="just">
-              <a:buFont typeface="Arial"/>
-              <a:buChar char="•"/>
-            </a:pPr>
-            <a:r>
-              <a:rPr lang="en-US" sz="2400" dirty="0" smtClean="0"/>
-              <a:t>Most frequent subset of a pre-trained English corpus containing 2.6 million words, each in the form of a 300-vector.</a:t>
-            </a:r>
-          </a:p>
-          <a:p>
-            <a:pPr marL="342900" indent="-342900" algn="just">
-              <a:buFont typeface="Arial"/>
-              <a:buChar char="•"/>
-            </a:pPr>
+            <a:pPr algn="just"/>
+            <a:r>
+              <a:rPr lang="en-US" sz="2400" b="1" dirty="0"/>
+              <a:t>Preprocessing</a:t>
+            </a:r>
             <a:endParaRPr lang="en-US" sz="2400" dirty="0"/>
           </a:p>
           <a:p>
-            <a:pPr marL="342900" indent="-342900" algn="just">
-              <a:buFont typeface="Arial"/>
-              <a:buChar char="•"/>
-            </a:pPr>
-            <a:r>
-              <a:rPr lang="en-US" sz="2400" dirty="0" smtClean="0"/>
-              <a:t>Training-testing split is 75/</a:t>
-            </a:r>
-            <a:r>
-              <a:rPr lang="en-US" sz="2400" dirty="0" smtClean="0"/>
-              <a:t>25.  Validation set of 15% was used to tune hyper-parameters.</a:t>
-            </a:r>
-            <a:endParaRPr lang="en-US" sz="2400" dirty="0" smtClean="0"/>
-          </a:p>
-          <a:p>
             <a:pPr algn="just"/>
-            <a:endParaRPr lang="en-US" sz="2400" dirty="0" smtClean="0"/>
-          </a:p>
-          <a:p>
-            <a:pPr algn="just"/>
-            <a:r>
-              <a:rPr lang="en-US" sz="2400" b="1" dirty="0" smtClean="0"/>
-              <a:t>Preprocessing</a:t>
-            </a:r>
-            <a:endParaRPr lang="en-US" sz="2400" dirty="0" smtClean="0"/>
-          </a:p>
-          <a:p>
-            <a:pPr algn="just"/>
-            <a:r>
-              <a:rPr lang="en-US" sz="2400" dirty="0" smtClean="0"/>
-              <a:t>Significant preprocessing was </a:t>
-            </a:r>
-            <a:r>
-              <a:rPr lang="en-US" sz="2400" dirty="0" smtClean="0"/>
-              <a:t>done</a:t>
-            </a:r>
-            <a:r>
-              <a:rPr lang="en-US" sz="2400" dirty="0" smtClean="0"/>
-              <a:t> before </a:t>
-            </a:r>
-            <a:r>
-              <a:rPr lang="en-US" sz="2400" dirty="0" err="1" smtClean="0"/>
-              <a:t>FastText</a:t>
-            </a:r>
-            <a:r>
-              <a:rPr lang="en-US" sz="2400" dirty="0" smtClean="0"/>
-              <a:t> </a:t>
-            </a:r>
-            <a:r>
-              <a:rPr lang="en-US" sz="2400" dirty="0" smtClean="0"/>
-              <a:t>could be </a:t>
-            </a:r>
-            <a:r>
-              <a:rPr lang="en-US" sz="2400" dirty="0" smtClean="0"/>
-              <a:t>performed correctly. Some </a:t>
-            </a:r>
-            <a:r>
-              <a:rPr lang="en-US" sz="2400" dirty="0" smtClean="0"/>
-              <a:t>manual </a:t>
-            </a:r>
-            <a:r>
-              <a:rPr lang="en-US" sz="2400" dirty="0" smtClean="0"/>
-              <a:t>changes</a:t>
-            </a:r>
-            <a:r>
-              <a:rPr lang="en-US" sz="2400" dirty="0" smtClean="0"/>
-              <a:t> </a:t>
-            </a:r>
-            <a:r>
-              <a:rPr lang="en-US" sz="2400" dirty="0" smtClean="0"/>
-              <a:t>include: </a:t>
-            </a:r>
-          </a:p>
-          <a:p>
-            <a:pPr marL="342900" indent="-342900" algn="just">
-              <a:buFont typeface="Arial"/>
-              <a:buChar char="•"/>
-            </a:pPr>
-            <a:r>
-              <a:rPr lang="en-US" sz="2400" dirty="0" smtClean="0"/>
-              <a:t>Removal of obscure ASCII characters, characters in other languages</a:t>
-            </a:r>
-            <a:endParaRPr lang="en-US" sz="2400" dirty="0" smtClean="0"/>
-          </a:p>
-          <a:p>
-            <a:pPr marL="342900" indent="-342900" algn="just">
-              <a:buFont typeface="Arial"/>
-              <a:buChar char="•"/>
-            </a:pPr>
-            <a:r>
-              <a:rPr lang="en-US" sz="2400" dirty="0" smtClean="0"/>
-              <a:t>Removal of punctuation and numbers</a:t>
-            </a:r>
-          </a:p>
-          <a:p>
-            <a:pPr marL="342900" indent="-342900" algn="just">
-              <a:buFont typeface="Arial"/>
-              <a:buChar char="•"/>
-            </a:pPr>
-            <a:r>
-              <a:rPr lang="en-US" sz="2400" dirty="0" smtClean="0"/>
-              <a:t>Removal of information within the body containing identifying metadata (publisher, author)</a:t>
-            </a:r>
-            <a:endParaRPr lang="en-US" sz="2400" dirty="0" smtClean="0"/>
-          </a:p>
-        </p:txBody>
-      </p:sp>
-      <p:pic>
-        <p:nvPicPr>
-          <p:cNvPr id="7" name="Picture 6"/>
-          <p:cNvPicPr>
-            <a:picLocks noChangeAspect="1"/>
-          </p:cNvPicPr>
-          <p:nvPr/>
-        </p:nvPicPr>
-        <p:blipFill>
-          <a:blip r:embed="rId6"/>
-          <a:stretch>
-            <a:fillRect/>
-          </a:stretch>
-        </p:blipFill>
-        <p:spPr>
-          <a:xfrm>
-            <a:off x="6858000" y="15301345"/>
-            <a:ext cx="7315201" cy="1386455"/>
-          </a:xfrm>
-          <a:prstGeom prst="rect">
-            <a:avLst/>
-          </a:prstGeom>
-        </p:spPr>
-      </p:pic>
+            <a:r>
+              <a:rPr lang="en-US" sz="2400" dirty="0"/>
+              <a:t>All words were split by whitespace and converted to lowercase.  In addition, all possible quotation marks were converted to a consistent quotation mark, in this case, double quotes.  </a:t>
+            </a:r>
+          </a:p>
+        </p:txBody>
+      </p:sp>
       <p:graphicFrame>
         <p:nvGraphicFramePr>
           <p:cNvPr id="31" name="Table 30"/>
@@ -5465,14 +5366,14 @@
           <p:nvPr>
             <p:extLst>
               <p:ext uri="{D42A27DB-BD31-4B8C-83A1-F6EECF244321}">
-                <p14:modId xmlns:p14="http://schemas.microsoft.com/office/powerpoint/2010/main" val="1432368616"/>
+                <p14:modId xmlns:p14="http://schemas.microsoft.com/office/powerpoint/2010/main" val="1020137413"/>
               </p:ext>
             </p:extLst>
           </p:nvPr>
         </p:nvGraphicFramePr>
         <p:xfrm>
-          <a:off x="23317200" y="4419600"/>
-          <a:ext cx="8839200" cy="4028050"/>
+          <a:off x="23374246" y="3411897"/>
+          <a:ext cx="8503920" cy="896815"/>
         </p:xfrm>
         <a:graphic>
           <a:graphicData uri="http://schemas.openxmlformats.org/drawingml/2006/table">
@@ -5481,12 +5382,27 @@
                 <a:tableStyleId>{5C22544A-7EE6-4342-B048-85BDC9FD1C3A}</a:tableStyleId>
               </a:tblPr>
               <a:tblGrid>
-                <a:gridCol w="1676400"/>
-                <a:gridCol w="2286000"/>
-                <a:gridCol w="1371600"/>
-                <a:gridCol w="1216480"/>
-                <a:gridCol w="1262742"/>
-                <a:gridCol w="1025978"/>
+                <a:gridCol w="4484610">
+                  <a:extLst>
+                    <a:ext uri="{9D8B030D-6E8A-4147-A177-3AD203B41FA5}">
+                      <a16:colId xmlns:a16="http://schemas.microsoft.com/office/drawing/2014/main" val="20000"/>
+                    </a:ext>
+                  </a:extLst>
+                </a:gridCol>
+                <a:gridCol w="2009655">
+                  <a:extLst>
+                    <a:ext uri="{9D8B030D-6E8A-4147-A177-3AD203B41FA5}">
+                      <a16:colId xmlns:a16="http://schemas.microsoft.com/office/drawing/2014/main" val="20001"/>
+                    </a:ext>
+                  </a:extLst>
+                </a:gridCol>
+                <a:gridCol w="2009655">
+                  <a:extLst>
+                    <a:ext uri="{9D8B030D-6E8A-4147-A177-3AD203B41FA5}">
+                      <a16:colId xmlns:a16="http://schemas.microsoft.com/office/drawing/2014/main" val="20002"/>
+                    </a:ext>
+                  </a:extLst>
+                </a:gridCol>
               </a:tblGrid>
               <a:tr h="398584">
                 <a:tc>
@@ -5496,18 +5412,13 @@
                     <a:p>
                       <a:pPr algn="ctr"/>
                       <a:r>
-                        <a:rPr lang="en-US" sz="2000" dirty="0" smtClean="0">
+                        <a:rPr lang="en-US" sz="2000" dirty="0">
                           <a:solidFill>
                             <a:schemeClr val="tx1"/>
                           </a:solidFill>
                         </a:rPr>
-                        <a:t>Method</a:t>
+                        <a:t>Parameters</a:t>
                       </a:r>
-                      <a:endParaRPr lang="en-US" sz="2000" dirty="0">
-                        <a:solidFill>
-                          <a:schemeClr val="tx1"/>
-                        </a:solidFill>
-                      </a:endParaRPr>
                     </a:p>
                   </a:txBody>
                   <a:tcPr anchor="ctr">
@@ -5557,18 +5468,13 @@
                     <a:p>
                       <a:pPr algn="ctr"/>
                       <a:r>
-                        <a:rPr lang="en-US" sz="2000" dirty="0" smtClean="0">
+                        <a:rPr lang="en-US" sz="2000" dirty="0">
                           <a:solidFill>
                             <a:schemeClr val="tx1"/>
                           </a:solidFill>
                         </a:rPr>
-                        <a:t>Features</a:t>
+                        <a:t>EM</a:t>
                       </a:r>
-                      <a:endParaRPr lang="en-US" sz="2000" dirty="0">
-                        <a:solidFill>
-                          <a:schemeClr val="tx1"/>
-                        </a:solidFill>
-                      </a:endParaRPr>
                     </a:p>
                   </a:txBody>
                   <a:tcPr anchor="ctr">
@@ -5618,13 +5524,68 @@
                     <a:p>
                       <a:pPr algn="ctr"/>
                       <a:r>
-                        <a:rPr lang="en-US" sz="2000" dirty="0" smtClean="0">
+                        <a:rPr lang="en-US" sz="2000" dirty="0">
                           <a:solidFill>
                             <a:schemeClr val="tx1"/>
                           </a:solidFill>
                         </a:rPr>
-                        <a:t>Accuracy</a:t>
+                        <a:t>F1</a:t>
                       </a:r>
+                    </a:p>
+                  </a:txBody>
+                  <a:tcPr anchor="ctr">
+                    <a:lnL w="12700" cap="flat" cmpd="sng" algn="ctr">
+                      <a:solidFill>
+                        <a:srgbClr val="000000"/>
+                      </a:solidFill>
+                      <a:prstDash val="solid"/>
+                      <a:round/>
+                      <a:headEnd type="none" w="med" len="med"/>
+                      <a:tailEnd type="none" w="med" len="med"/>
+                    </a:lnL>
+                    <a:lnR w="12700" cap="flat" cmpd="sng" algn="ctr">
+                      <a:solidFill>
+                        <a:srgbClr val="000000"/>
+                      </a:solidFill>
+                      <a:prstDash val="solid"/>
+                      <a:round/>
+                      <a:headEnd type="none" w="med" len="med"/>
+                      <a:tailEnd type="none" w="med" len="med"/>
+                    </a:lnR>
+                    <a:lnT w="12700" cap="flat" cmpd="sng" algn="ctr">
+                      <a:solidFill>
+                        <a:srgbClr val="000000"/>
+                      </a:solidFill>
+                      <a:prstDash val="solid"/>
+                      <a:round/>
+                      <a:headEnd type="none" w="med" len="med"/>
+                      <a:tailEnd type="none" w="med" len="med"/>
+                    </a:lnT>
+                    <a:lnB w="38100" cap="flat" cmpd="sng" algn="ctr">
+                      <a:solidFill>
+                        <a:srgbClr val="000000"/>
+                      </a:solidFill>
+                      <a:prstDash val="solid"/>
+                      <a:round/>
+                      <a:headEnd type="none" w="med" len="med"/>
+                      <a:tailEnd type="none" w="med" len="med"/>
+                    </a:lnB>
+                    <a:noFill/>
+                  </a:tcPr>
+                </a:tc>
+                <a:extLst>
+                  <a:ext uri="{0D108BD9-81ED-4DB2-BD59-A6C34878D82A}">
+                    <a16:rowId xmlns:a16="http://schemas.microsoft.com/office/drawing/2014/main" val="10000"/>
+                  </a:ext>
+                </a:extLst>
+              </a:tr>
+              <a:tr h="498231">
+                <a:tc>
+                  <a:txBody>
+                    <a:bodyPr/>
+                    <a:lstStyle/>
+                    <a:p>
+                      <a:pPr algn="ctr"/>
                       <a:endParaRPr lang="en-US" sz="2000" dirty="0">
                         <a:solidFill>
                           <a:schemeClr val="tx1"/>
@@ -5651,7 +5612,7 @@
                       <a:headEnd type="none" w="med" len="med"/>
                       <a:tailEnd type="none" w="med" len="med"/>
                     </a:lnR>
-                    <a:lnT w="12700" cap="flat" cmpd="sng" algn="ctr">
+                    <a:lnT w="38100" cap="flat" cmpd="sng" algn="ctr">
                       <a:solidFill>
                         <a:srgbClr val="000000"/>
                       </a:solidFill>
@@ -5660,7 +5621,7 @@
                       <a:headEnd type="none" w="med" len="med"/>
                       <a:tailEnd type="none" w="med" len="med"/>
                     </a:lnT>
-                    <a:lnB w="38100" cap="flat" cmpd="sng" algn="ctr">
+                    <a:lnB w="12700" cap="flat" cmpd="sng" algn="ctr">
                       <a:solidFill>
                         <a:srgbClr val="000000"/>
                       </a:solidFill>
@@ -5678,14 +5639,6 @@
                     <a:lstStyle/>
                     <a:p>
                       <a:pPr algn="ctr"/>
-                      <a:r>
-                        <a:rPr lang="en-US" sz="2000" dirty="0" smtClean="0">
-                          <a:solidFill>
-                            <a:schemeClr val="tx1"/>
-                          </a:solidFill>
-                        </a:rPr>
-                        <a:t>F1</a:t>
-                      </a:r>
                       <a:endParaRPr lang="en-US" sz="2000" dirty="0">
                         <a:solidFill>
                           <a:schemeClr val="tx1"/>
@@ -5712,7 +5665,7 @@
                       <a:headEnd type="none" w="med" len="med"/>
                       <a:tailEnd type="none" w="med" len="med"/>
                     </a:lnR>
-                    <a:lnT w="12700" cap="flat" cmpd="sng" algn="ctr">
+                    <a:lnT w="38100" cap="flat" cmpd="sng" algn="ctr">
                       <a:solidFill>
                         <a:srgbClr val="000000"/>
                       </a:solidFill>
@@ -5721,7 +5674,7 @@
                       <a:headEnd type="none" w="med" len="med"/>
                       <a:tailEnd type="none" w="med" len="med"/>
                     </a:lnT>
-                    <a:lnB w="38100" cap="flat" cmpd="sng" algn="ctr">
+                    <a:lnB w="12700" cap="flat" cmpd="sng" algn="ctr">
                       <a:solidFill>
                         <a:srgbClr val="000000"/>
                       </a:solidFill>
@@ -5739,75 +5692,6 @@
                     <a:lstStyle/>
                     <a:p>
                       <a:pPr algn="ctr"/>
-                      <a:r>
-                        <a:rPr lang="en-US" sz="1600" dirty="0" smtClean="0">
-                          <a:solidFill>
-                            <a:schemeClr val="tx1"/>
-                          </a:solidFill>
-                        </a:rPr>
-                        <a:t>Precision</a:t>
-                      </a:r>
-                      <a:endParaRPr lang="en-US" sz="1600" dirty="0">
-                        <a:solidFill>
-                          <a:schemeClr val="tx1"/>
-                        </a:solidFill>
-                      </a:endParaRPr>
-                    </a:p>
-                  </a:txBody>
-                  <a:tcPr anchor="ctr">
-                    <a:lnL w="12700" cap="flat" cmpd="sng" algn="ctr">
-                      <a:solidFill>
-                        <a:srgbClr val="000000"/>
-                      </a:solidFill>
-                      <a:prstDash val="solid"/>
-                      <a:round/>
-                      <a:headEnd type="none" w="med" len="med"/>
-                      <a:tailEnd type="none" w="med" len="med"/>
-                    </a:lnL>
-                    <a:lnR w="12700" cap="flat" cmpd="sng" algn="ctr">
-                      <a:solidFill>
-                        <a:srgbClr val="000000"/>
-                      </a:solidFill>
-                      <a:prstDash val="solid"/>
-                      <a:round/>
-                      <a:headEnd type="none" w="med" len="med"/>
-                      <a:tailEnd type="none" w="med" len="med"/>
-                    </a:lnR>
-                    <a:lnT w="12700" cap="flat" cmpd="sng" algn="ctr">
-                      <a:solidFill>
-                        <a:srgbClr val="000000"/>
-                      </a:solidFill>
-                      <a:prstDash val="solid"/>
-                      <a:round/>
-                      <a:headEnd type="none" w="med" len="med"/>
-                      <a:tailEnd type="none" w="med" len="med"/>
-                    </a:lnT>
-                    <a:lnB w="38100" cap="flat" cmpd="sng" algn="ctr">
-                      <a:solidFill>
-                        <a:srgbClr val="000000"/>
-                      </a:solidFill>
-                      <a:prstDash val="solid"/>
-                      <a:round/>
-                      <a:headEnd type="none" w="med" len="med"/>
-                      <a:tailEnd type="none" w="med" len="med"/>
-                    </a:lnB>
-                    <a:noFill/>
-                  </a:tcPr>
-                </a:tc>
-                <a:tc>
-                  <a:txBody>
-                    <a:bodyPr/>
-                    <a:lstStyle/>
-                    <a:p>
-                      <a:pPr algn="ctr"/>
-                      <a:r>
-                        <a:rPr lang="en-US" sz="2000" dirty="0" smtClean="0">
-                          <a:solidFill>
-                            <a:schemeClr val="tx1"/>
-                          </a:solidFill>
-                        </a:rPr>
-                        <a:t>Recall</a:t>
-                      </a:r>
                       <a:endParaRPr lang="en-US" sz="2000" dirty="0">
                         <a:solidFill>
                           <a:schemeClr val="tx1"/>
@@ -5834,69 +5718,6 @@
                       <a:headEnd type="none" w="med" len="med"/>
                       <a:tailEnd type="none" w="med" len="med"/>
                     </a:lnR>
-                    <a:lnT w="12700" cap="flat" cmpd="sng" algn="ctr">
-                      <a:solidFill>
-                        <a:srgbClr val="000000"/>
-                      </a:solidFill>
-                      <a:prstDash val="solid"/>
-                      <a:round/>
-                      <a:headEnd type="none" w="med" len="med"/>
-                      <a:tailEnd type="none" w="med" len="med"/>
-                    </a:lnT>
-                    <a:lnB w="38100" cap="flat" cmpd="sng" algn="ctr">
-                      <a:solidFill>
-                        <a:srgbClr val="000000"/>
-                      </a:solidFill>
-                      <a:prstDash val="solid"/>
-                      <a:round/>
-                      <a:headEnd type="none" w="med" len="med"/>
-                      <a:tailEnd type="none" w="med" len="med"/>
-                    </a:lnB>
-                    <a:noFill/>
-                  </a:tcPr>
-                </a:tc>
-              </a:tr>
-              <a:tr h="498231">
-                <a:tc>
-                  <a:txBody>
-                    <a:bodyPr/>
-                    <a:lstStyle/>
-                    <a:p>
-                      <a:pPr algn="ctr"/>
-                      <a:r>
-                        <a:rPr lang="en-US" sz="2000" dirty="0" smtClean="0">
-                          <a:solidFill>
-                            <a:schemeClr val="tx1"/>
-                          </a:solidFill>
-                        </a:rPr>
-                        <a:t>Naïve Bayes</a:t>
-                      </a:r>
-                      <a:endParaRPr lang="en-US" sz="2000" dirty="0">
-                        <a:solidFill>
-                          <a:schemeClr val="tx1"/>
-                        </a:solidFill>
-                      </a:endParaRPr>
-                    </a:p>
-                  </a:txBody>
-                  <a:tcPr anchor="ctr">
-                    <a:lnL w="12700" cap="flat" cmpd="sng" algn="ctr">
-                      <a:solidFill>
-                        <a:srgbClr val="000000"/>
-                      </a:solidFill>
-                      <a:prstDash val="solid"/>
-                      <a:round/>
-                      <a:headEnd type="none" w="med" len="med"/>
-                      <a:tailEnd type="none" w="med" len="med"/>
-                    </a:lnL>
-                    <a:lnR w="12700" cap="flat" cmpd="sng" algn="ctr">
-                      <a:solidFill>
-                        <a:srgbClr val="000000"/>
-                      </a:solidFill>
-                      <a:prstDash val="solid"/>
-                      <a:round/>
-                      <a:headEnd type="none" w="med" len="med"/>
-                      <a:tailEnd type="none" w="med" len="med"/>
-                    </a:lnR>
                     <a:lnT w="38100" cap="flat" cmpd="sng" algn="ctr">
                       <a:solidFill>
                         <a:srgbClr val="000000"/>
@@ -5918,2538 +5739,11 @@
                     <a:noFill/>
                   </a:tcPr>
                 </a:tc>
-                <a:tc>
-                  <a:txBody>
-                    <a:bodyPr/>
-                    <a:lstStyle/>
-                    <a:p>
-                      <a:pPr algn="ctr"/>
-                      <a:r>
-                        <a:rPr lang="en-US" sz="2000" dirty="0" smtClean="0">
-                          <a:solidFill>
-                            <a:schemeClr val="tx1"/>
-                          </a:solidFill>
-                        </a:rPr>
-                        <a:t>Bag</a:t>
-                      </a:r>
-                      <a:r>
-                        <a:rPr lang="en-US" sz="2000" baseline="0" dirty="0" smtClean="0">
-                          <a:solidFill>
-                            <a:schemeClr val="tx1"/>
-                          </a:solidFill>
-                        </a:rPr>
-                        <a:t> of Words</a:t>
-                      </a:r>
-                      <a:endParaRPr lang="en-US" sz="2000" dirty="0">
-                        <a:solidFill>
-                          <a:schemeClr val="tx1"/>
-                        </a:solidFill>
-                      </a:endParaRPr>
-                    </a:p>
-                  </a:txBody>
-                  <a:tcPr anchor="ctr">
-                    <a:lnL w="12700" cap="flat" cmpd="sng" algn="ctr">
-                      <a:solidFill>
-                        <a:srgbClr val="000000"/>
-                      </a:solidFill>
-                      <a:prstDash val="solid"/>
-                      <a:round/>
-                      <a:headEnd type="none" w="med" len="med"/>
-                      <a:tailEnd type="none" w="med" len="med"/>
-                    </a:lnL>
-                    <a:lnR w="12700" cap="flat" cmpd="sng" algn="ctr">
-                      <a:solidFill>
-                        <a:srgbClr val="000000"/>
-                      </a:solidFill>
-                      <a:prstDash val="solid"/>
-                      <a:round/>
-                      <a:headEnd type="none" w="med" len="med"/>
-                      <a:tailEnd type="none" w="med" len="med"/>
-                    </a:lnR>
-                    <a:lnT w="38100" cap="flat" cmpd="sng" algn="ctr">
-                      <a:solidFill>
-                        <a:srgbClr val="000000"/>
-                      </a:solidFill>
-                      <a:prstDash val="solid"/>
-                      <a:round/>
-                      <a:headEnd type="none" w="med" len="med"/>
-                      <a:tailEnd type="none" w="med" len="med"/>
-                    </a:lnT>
-                    <a:lnB w="12700" cap="flat" cmpd="sng" algn="ctr">
-                      <a:solidFill>
-                        <a:srgbClr val="000000"/>
-                      </a:solidFill>
-                      <a:prstDash val="solid"/>
-                      <a:round/>
-                      <a:headEnd type="none" w="med" len="med"/>
-                      <a:tailEnd type="none" w="med" len="med"/>
-                    </a:lnB>
-                    <a:noFill/>
-                  </a:tcPr>
-                </a:tc>
-                <a:tc>
-                  <a:txBody>
-                    <a:bodyPr/>
-                    <a:lstStyle/>
-                    <a:p>
-                      <a:pPr algn="ctr"/>
-                      <a:r>
-                        <a:rPr lang="en-US" sz="2000" dirty="0" smtClean="0">
-                          <a:solidFill>
-                            <a:schemeClr val="tx1"/>
-                          </a:solidFill>
-                        </a:rPr>
-                        <a:t>0.8358</a:t>
-                      </a:r>
-                      <a:endParaRPr lang="en-US" sz="2000" dirty="0">
-                        <a:solidFill>
-                          <a:schemeClr val="tx1"/>
-                        </a:solidFill>
-                      </a:endParaRPr>
-                    </a:p>
-                  </a:txBody>
-                  <a:tcPr anchor="ctr">
-                    <a:lnL w="12700" cap="flat" cmpd="sng" algn="ctr">
-                      <a:solidFill>
-                        <a:srgbClr val="000000"/>
-                      </a:solidFill>
-                      <a:prstDash val="solid"/>
-                      <a:round/>
-                      <a:headEnd type="none" w="med" len="med"/>
-                      <a:tailEnd type="none" w="med" len="med"/>
-                    </a:lnL>
-                    <a:lnR w="12700" cap="flat" cmpd="sng" algn="ctr">
-                      <a:solidFill>
-                        <a:srgbClr val="000000"/>
-                      </a:solidFill>
-                      <a:prstDash val="solid"/>
-                      <a:round/>
-                      <a:headEnd type="none" w="med" len="med"/>
-                      <a:tailEnd type="none" w="med" len="med"/>
-                    </a:lnR>
-                    <a:lnT w="38100" cap="flat" cmpd="sng" algn="ctr">
-                      <a:solidFill>
-                        <a:srgbClr val="000000"/>
-                      </a:solidFill>
-                      <a:prstDash val="solid"/>
-                      <a:round/>
-                      <a:headEnd type="none" w="med" len="med"/>
-                      <a:tailEnd type="none" w="med" len="med"/>
-                    </a:lnT>
-                    <a:lnB w="12700" cap="flat" cmpd="sng" algn="ctr">
-                      <a:solidFill>
-                        <a:srgbClr val="000000"/>
-                      </a:solidFill>
-                      <a:prstDash val="solid"/>
-                      <a:round/>
-                      <a:headEnd type="none" w="med" len="med"/>
-                      <a:tailEnd type="none" w="med" len="med"/>
-                    </a:lnB>
-                    <a:noFill/>
-                  </a:tcPr>
-                </a:tc>
-                <a:tc>
-                  <a:txBody>
-                    <a:bodyPr/>
-                    <a:lstStyle/>
-                    <a:p>
-                      <a:pPr algn="ctr"/>
-                      <a:r>
-                        <a:rPr lang="en-US" sz="2000" dirty="0" smtClean="0">
-                          <a:solidFill>
-                            <a:schemeClr val="tx1"/>
-                          </a:solidFill>
-                        </a:rPr>
-                        <a:t>0.8220</a:t>
-                      </a:r>
-                      <a:endParaRPr lang="en-US" sz="2000" dirty="0">
-                        <a:solidFill>
-                          <a:schemeClr val="tx1"/>
-                        </a:solidFill>
-                      </a:endParaRPr>
-                    </a:p>
-                  </a:txBody>
-                  <a:tcPr anchor="ctr">
-                    <a:lnL w="12700" cap="flat" cmpd="sng" algn="ctr">
-                      <a:solidFill>
-                        <a:srgbClr val="000000"/>
-                      </a:solidFill>
-                      <a:prstDash val="solid"/>
-                      <a:round/>
-                      <a:headEnd type="none" w="med" len="med"/>
-                      <a:tailEnd type="none" w="med" len="med"/>
-                    </a:lnL>
-                    <a:lnR w="12700" cap="flat" cmpd="sng" algn="ctr">
-                      <a:solidFill>
-                        <a:srgbClr val="000000"/>
-                      </a:solidFill>
-                      <a:prstDash val="solid"/>
-                      <a:round/>
-                      <a:headEnd type="none" w="med" len="med"/>
-                      <a:tailEnd type="none" w="med" len="med"/>
-                    </a:lnR>
-                    <a:lnT w="38100" cap="flat" cmpd="sng" algn="ctr">
-                      <a:solidFill>
-                        <a:srgbClr val="000000"/>
-                      </a:solidFill>
-                      <a:prstDash val="solid"/>
-                      <a:round/>
-                      <a:headEnd type="none" w="med" len="med"/>
-                      <a:tailEnd type="none" w="med" len="med"/>
-                    </a:lnT>
-                    <a:lnB w="12700" cap="flat" cmpd="sng" algn="ctr">
-                      <a:solidFill>
-                        <a:srgbClr val="000000"/>
-                      </a:solidFill>
-                      <a:prstDash val="solid"/>
-                      <a:round/>
-                      <a:headEnd type="none" w="med" len="med"/>
-                      <a:tailEnd type="none" w="med" len="med"/>
-                    </a:lnB>
-                    <a:noFill/>
-                  </a:tcPr>
-                </a:tc>
-                <a:tc>
-                  <a:txBody>
-                    <a:bodyPr/>
-                    <a:lstStyle/>
-                    <a:p>
-                      <a:pPr algn="ctr"/>
-                      <a:r>
-                        <a:rPr lang="en-US" sz="2000" dirty="0" smtClean="0">
-                          <a:solidFill>
-                            <a:schemeClr val="tx1"/>
-                          </a:solidFill>
-                        </a:rPr>
-                        <a:t>0.9238</a:t>
-                      </a:r>
-                      <a:endParaRPr lang="en-US" sz="2000" dirty="0">
-                        <a:solidFill>
-                          <a:schemeClr val="tx1"/>
-                        </a:solidFill>
-                      </a:endParaRPr>
-                    </a:p>
-                  </a:txBody>
-                  <a:tcPr anchor="ctr">
-                    <a:lnL w="12700" cap="flat" cmpd="sng" algn="ctr">
-                      <a:solidFill>
-                        <a:srgbClr val="000000"/>
-                      </a:solidFill>
-                      <a:prstDash val="solid"/>
-                      <a:round/>
-                      <a:headEnd type="none" w="med" len="med"/>
-                      <a:tailEnd type="none" w="med" len="med"/>
-                    </a:lnL>
-                    <a:lnR w="12700" cap="flat" cmpd="sng" algn="ctr">
-                      <a:solidFill>
-                        <a:srgbClr val="000000"/>
-                      </a:solidFill>
-                      <a:prstDash val="solid"/>
-                      <a:round/>
-                      <a:headEnd type="none" w="med" len="med"/>
-                      <a:tailEnd type="none" w="med" len="med"/>
-                    </a:lnR>
-                    <a:lnT w="38100" cap="flat" cmpd="sng" algn="ctr">
-                      <a:solidFill>
-                        <a:srgbClr val="000000"/>
-                      </a:solidFill>
-                      <a:prstDash val="solid"/>
-                      <a:round/>
-                      <a:headEnd type="none" w="med" len="med"/>
-                      <a:tailEnd type="none" w="med" len="med"/>
-                    </a:lnT>
-                    <a:lnB w="12700" cap="flat" cmpd="sng" algn="ctr">
-                      <a:solidFill>
-                        <a:srgbClr val="000000"/>
-                      </a:solidFill>
-                      <a:prstDash val="solid"/>
-                      <a:round/>
-                      <a:headEnd type="none" w="med" len="med"/>
-                      <a:tailEnd type="none" w="med" len="med"/>
-                    </a:lnB>
-                    <a:noFill/>
-                  </a:tcPr>
-                </a:tc>
-                <a:tc>
-                  <a:txBody>
-                    <a:bodyPr/>
-                    <a:lstStyle/>
-                    <a:p>
-                      <a:pPr algn="ctr"/>
-                      <a:r>
-                        <a:rPr lang="en-US" sz="2000" dirty="0" smtClean="0">
-                          <a:solidFill>
-                            <a:schemeClr val="tx1"/>
-                          </a:solidFill>
-                        </a:rPr>
-                        <a:t>0.7405</a:t>
-                      </a:r>
-                    </a:p>
-                  </a:txBody>
-                  <a:tcPr anchor="ctr">
-                    <a:lnL w="12700" cap="flat" cmpd="sng" algn="ctr">
-                      <a:solidFill>
-                        <a:srgbClr val="000000"/>
-                      </a:solidFill>
-                      <a:prstDash val="solid"/>
-                      <a:round/>
-                      <a:headEnd type="none" w="med" len="med"/>
-                      <a:tailEnd type="none" w="med" len="med"/>
-                    </a:lnL>
-                    <a:lnR w="12700" cap="flat" cmpd="sng" algn="ctr">
-                      <a:solidFill>
-                        <a:srgbClr val="000000"/>
-                      </a:solidFill>
-                      <a:prstDash val="solid"/>
-                      <a:round/>
-                      <a:headEnd type="none" w="med" len="med"/>
-                      <a:tailEnd type="none" w="med" len="med"/>
-                    </a:lnR>
-                    <a:lnT w="38100" cap="flat" cmpd="sng" algn="ctr">
-                      <a:solidFill>
-                        <a:srgbClr val="000000"/>
-                      </a:solidFill>
-                      <a:prstDash val="solid"/>
-                      <a:round/>
-                      <a:headEnd type="none" w="med" len="med"/>
-                      <a:tailEnd type="none" w="med" len="med"/>
-                    </a:lnT>
-                    <a:lnB w="12700" cap="flat" cmpd="sng" algn="ctr">
-                      <a:solidFill>
-                        <a:srgbClr val="000000"/>
-                      </a:solidFill>
-                      <a:prstDash val="solid"/>
-                      <a:round/>
-                      <a:headEnd type="none" w="med" len="med"/>
-                      <a:tailEnd type="none" w="med" len="med"/>
-                    </a:lnB>
-                    <a:noFill/>
-                  </a:tcPr>
-                </a:tc>
-              </a:tr>
-              <a:tr h="498231">
-                <a:tc>
-                  <a:txBody>
-                    <a:bodyPr/>
-                    <a:lstStyle/>
-                    <a:p>
-                      <a:pPr algn="ctr"/>
-                      <a:r>
-                        <a:rPr lang="en-US" sz="2000" dirty="0" smtClean="0">
-                          <a:solidFill>
-                            <a:schemeClr val="tx1"/>
-                          </a:solidFill>
-                        </a:rPr>
-                        <a:t>Naïve Bayes</a:t>
-                      </a:r>
-                      <a:endParaRPr lang="en-US" sz="2000" dirty="0">
-                        <a:solidFill>
-                          <a:schemeClr val="tx1"/>
-                        </a:solidFill>
-                      </a:endParaRPr>
-                    </a:p>
-                  </a:txBody>
-                  <a:tcPr anchor="ctr">
-                    <a:lnL w="12700" cap="flat" cmpd="sng" algn="ctr">
-                      <a:solidFill>
-                        <a:srgbClr val="000000"/>
-                      </a:solidFill>
-                      <a:prstDash val="solid"/>
-                      <a:round/>
-                      <a:headEnd type="none" w="med" len="med"/>
-                      <a:tailEnd type="none" w="med" len="med"/>
-                    </a:lnL>
-                    <a:lnR w="12700" cap="flat" cmpd="sng" algn="ctr">
-                      <a:solidFill>
-                        <a:srgbClr val="000000"/>
-                      </a:solidFill>
-                      <a:prstDash val="solid"/>
-                      <a:round/>
-                      <a:headEnd type="none" w="med" len="med"/>
-                      <a:tailEnd type="none" w="med" len="med"/>
-                    </a:lnR>
-                    <a:lnT w="12700" cap="flat" cmpd="sng" algn="ctr">
-                      <a:solidFill>
-                        <a:srgbClr val="000000"/>
-                      </a:solidFill>
-                      <a:prstDash val="solid"/>
-                      <a:round/>
-                      <a:headEnd type="none" w="med" len="med"/>
-                      <a:tailEnd type="none" w="med" len="med"/>
-                    </a:lnT>
-                    <a:lnB w="12700" cap="flat" cmpd="sng" algn="ctr">
-                      <a:solidFill>
-                        <a:srgbClr val="000000"/>
-                      </a:solidFill>
-                      <a:prstDash val="solid"/>
-                      <a:round/>
-                      <a:headEnd type="none" w="med" len="med"/>
-                      <a:tailEnd type="none" w="med" len="med"/>
-                    </a:lnB>
-                    <a:noFill/>
-                  </a:tcPr>
-                </a:tc>
-                <a:tc>
-                  <a:txBody>
-                    <a:bodyPr/>
-                    <a:lstStyle/>
-                    <a:p>
-                      <a:pPr algn="ctr"/>
-                      <a:r>
-                        <a:rPr lang="en-US" sz="2000" dirty="0" smtClean="0">
-                          <a:solidFill>
-                            <a:schemeClr val="tx1"/>
-                          </a:solidFill>
-                        </a:rPr>
-                        <a:t>TF-IDF</a:t>
-                      </a:r>
-                      <a:endParaRPr lang="en-US" sz="2000" dirty="0">
-                        <a:solidFill>
-                          <a:schemeClr val="tx1"/>
-                        </a:solidFill>
-                      </a:endParaRPr>
-                    </a:p>
-                  </a:txBody>
-                  <a:tcPr anchor="ctr">
-                    <a:lnL w="12700" cap="flat" cmpd="sng" algn="ctr">
-                      <a:solidFill>
-                        <a:srgbClr val="000000"/>
-                      </a:solidFill>
-                      <a:prstDash val="solid"/>
-                      <a:round/>
-                      <a:headEnd type="none" w="med" len="med"/>
-                      <a:tailEnd type="none" w="med" len="med"/>
-                    </a:lnL>
-                    <a:lnR w="12700" cap="flat" cmpd="sng" algn="ctr">
-                      <a:solidFill>
-                        <a:srgbClr val="000000"/>
-                      </a:solidFill>
-                      <a:prstDash val="solid"/>
-                      <a:round/>
-                      <a:headEnd type="none" w="med" len="med"/>
-                      <a:tailEnd type="none" w="med" len="med"/>
-                    </a:lnR>
-                    <a:lnT w="12700" cap="flat" cmpd="sng" algn="ctr">
-                      <a:solidFill>
-                        <a:srgbClr val="000000"/>
-                      </a:solidFill>
-                      <a:prstDash val="solid"/>
-                      <a:round/>
-                      <a:headEnd type="none" w="med" len="med"/>
-                      <a:tailEnd type="none" w="med" len="med"/>
-                    </a:lnT>
-                    <a:lnB w="12700" cap="flat" cmpd="sng" algn="ctr">
-                      <a:solidFill>
-                        <a:srgbClr val="000000"/>
-                      </a:solidFill>
-                      <a:prstDash val="solid"/>
-                      <a:round/>
-                      <a:headEnd type="none" w="med" len="med"/>
-                      <a:tailEnd type="none" w="med" len="med"/>
-                    </a:lnB>
-                    <a:noFill/>
-                  </a:tcPr>
-                </a:tc>
-                <a:tc>
-                  <a:txBody>
-                    <a:bodyPr/>
-                    <a:lstStyle/>
-                    <a:p>
-                      <a:pPr algn="ctr"/>
-                      <a:r>
-                        <a:rPr lang="en-US" sz="2000" dirty="0" smtClean="0">
-                          <a:solidFill>
-                            <a:schemeClr val="tx1"/>
-                          </a:solidFill>
-                        </a:rPr>
-                        <a:t>0.8899</a:t>
-                      </a:r>
-                      <a:endParaRPr lang="en-US" sz="2000" dirty="0">
-                        <a:solidFill>
-                          <a:schemeClr val="tx1"/>
-                        </a:solidFill>
-                      </a:endParaRPr>
-                    </a:p>
-                  </a:txBody>
-                  <a:tcPr anchor="ctr">
-                    <a:lnL w="12700" cap="flat" cmpd="sng" algn="ctr">
-                      <a:solidFill>
-                        <a:srgbClr val="000000"/>
-                      </a:solidFill>
-                      <a:prstDash val="solid"/>
-                      <a:round/>
-                      <a:headEnd type="none" w="med" len="med"/>
-                      <a:tailEnd type="none" w="med" len="med"/>
-                    </a:lnL>
-                    <a:lnR w="12700" cap="flat" cmpd="sng" algn="ctr">
-                      <a:solidFill>
-                        <a:srgbClr val="000000"/>
-                      </a:solidFill>
-                      <a:prstDash val="solid"/>
-                      <a:round/>
-                      <a:headEnd type="none" w="med" len="med"/>
-                      <a:tailEnd type="none" w="med" len="med"/>
-                    </a:lnR>
-                    <a:lnT w="12700" cap="flat" cmpd="sng" algn="ctr">
-                      <a:solidFill>
-                        <a:srgbClr val="000000"/>
-                      </a:solidFill>
-                      <a:prstDash val="solid"/>
-                      <a:round/>
-                      <a:headEnd type="none" w="med" len="med"/>
-                      <a:tailEnd type="none" w="med" len="med"/>
-                    </a:lnT>
-                    <a:lnB w="12700" cap="flat" cmpd="sng" algn="ctr">
-                      <a:solidFill>
-                        <a:srgbClr val="000000"/>
-                      </a:solidFill>
-                      <a:prstDash val="solid"/>
-                      <a:round/>
-                      <a:headEnd type="none" w="med" len="med"/>
-                      <a:tailEnd type="none" w="med" len="med"/>
-                    </a:lnB>
-                    <a:noFill/>
-                  </a:tcPr>
-                </a:tc>
-                <a:tc>
-                  <a:txBody>
-                    <a:bodyPr/>
-                    <a:lstStyle/>
-                    <a:p>
-                      <a:pPr algn="ctr"/>
-                      <a:r>
-                        <a:rPr lang="en-US" sz="2000" dirty="0" smtClean="0">
-                          <a:solidFill>
-                            <a:schemeClr val="tx1"/>
-                          </a:solidFill>
-                        </a:rPr>
-                        <a:t>0.8899</a:t>
-                      </a:r>
-                      <a:endParaRPr lang="en-US" sz="2000" dirty="0">
-                        <a:solidFill>
-                          <a:schemeClr val="tx1"/>
-                        </a:solidFill>
-                      </a:endParaRPr>
-                    </a:p>
-                  </a:txBody>
-                  <a:tcPr anchor="ctr">
-                    <a:lnL w="12700" cap="flat" cmpd="sng" algn="ctr">
-                      <a:solidFill>
-                        <a:srgbClr val="000000"/>
-                      </a:solidFill>
-                      <a:prstDash val="solid"/>
-                      <a:round/>
-                      <a:headEnd type="none" w="med" len="med"/>
-                      <a:tailEnd type="none" w="med" len="med"/>
-                    </a:lnL>
-                    <a:lnR w="12700" cap="flat" cmpd="sng" algn="ctr">
-                      <a:solidFill>
-                        <a:srgbClr val="000000"/>
-                      </a:solidFill>
-                      <a:prstDash val="solid"/>
-                      <a:round/>
-                      <a:headEnd type="none" w="med" len="med"/>
-                      <a:tailEnd type="none" w="med" len="med"/>
-                    </a:lnR>
-                    <a:lnT w="12700" cap="flat" cmpd="sng" algn="ctr">
-                      <a:solidFill>
-                        <a:srgbClr val="000000"/>
-                      </a:solidFill>
-                      <a:prstDash val="solid"/>
-                      <a:round/>
-                      <a:headEnd type="none" w="med" len="med"/>
-                      <a:tailEnd type="none" w="med" len="med"/>
-                    </a:lnT>
-                    <a:lnB w="12700" cap="flat" cmpd="sng" algn="ctr">
-                      <a:solidFill>
-                        <a:srgbClr val="000000"/>
-                      </a:solidFill>
-                      <a:prstDash val="solid"/>
-                      <a:round/>
-                      <a:headEnd type="none" w="med" len="med"/>
-                      <a:tailEnd type="none" w="med" len="med"/>
-                    </a:lnB>
-                    <a:noFill/>
-                  </a:tcPr>
-                </a:tc>
-                <a:tc>
-                  <a:txBody>
-                    <a:bodyPr/>
-                    <a:lstStyle/>
-                    <a:p>
-                      <a:pPr algn="ctr"/>
-                      <a:r>
-                        <a:rPr lang="en-US" sz="2000" dirty="0" smtClean="0">
-                          <a:solidFill>
-                            <a:schemeClr val="tx1"/>
-                          </a:solidFill>
-                        </a:rPr>
-                        <a:t>0.9119</a:t>
-                      </a:r>
-                      <a:endParaRPr lang="en-US" sz="2000" dirty="0">
-                        <a:solidFill>
-                          <a:schemeClr val="tx1"/>
-                        </a:solidFill>
-                      </a:endParaRPr>
-                    </a:p>
-                  </a:txBody>
-                  <a:tcPr anchor="ctr">
-                    <a:lnL w="12700" cap="flat" cmpd="sng" algn="ctr">
-                      <a:solidFill>
-                        <a:srgbClr val="000000"/>
-                      </a:solidFill>
-                      <a:prstDash val="solid"/>
-                      <a:round/>
-                      <a:headEnd type="none" w="med" len="med"/>
-                      <a:tailEnd type="none" w="med" len="med"/>
-                    </a:lnL>
-                    <a:lnR w="12700" cap="flat" cmpd="sng" algn="ctr">
-                      <a:solidFill>
-                        <a:srgbClr val="000000"/>
-                      </a:solidFill>
-                      <a:prstDash val="solid"/>
-                      <a:round/>
-                      <a:headEnd type="none" w="med" len="med"/>
-                      <a:tailEnd type="none" w="med" len="med"/>
-                    </a:lnR>
-                    <a:lnT w="12700" cap="flat" cmpd="sng" algn="ctr">
-                      <a:solidFill>
-                        <a:srgbClr val="000000"/>
-                      </a:solidFill>
-                      <a:prstDash val="solid"/>
-                      <a:round/>
-                      <a:headEnd type="none" w="med" len="med"/>
-                      <a:tailEnd type="none" w="med" len="med"/>
-                    </a:lnT>
-                    <a:lnB w="12700" cap="flat" cmpd="sng" algn="ctr">
-                      <a:solidFill>
-                        <a:srgbClr val="000000"/>
-                      </a:solidFill>
-                      <a:prstDash val="solid"/>
-                      <a:round/>
-                      <a:headEnd type="none" w="med" len="med"/>
-                      <a:tailEnd type="none" w="med" len="med"/>
-                    </a:lnB>
-                    <a:noFill/>
-                  </a:tcPr>
-                </a:tc>
-                <a:tc>
-                  <a:txBody>
-                    <a:bodyPr/>
-                    <a:lstStyle/>
-                    <a:p>
-                      <a:pPr algn="ctr"/>
-                      <a:r>
-                        <a:rPr lang="en-US" sz="2000" dirty="0" smtClean="0">
-                          <a:solidFill>
-                            <a:schemeClr val="tx1"/>
-                          </a:solidFill>
-                        </a:rPr>
-                        <a:t>0.8690</a:t>
-                      </a:r>
-                      <a:endParaRPr lang="en-US" sz="2000" dirty="0">
-                        <a:solidFill>
-                          <a:schemeClr val="tx1"/>
-                        </a:solidFill>
-                      </a:endParaRPr>
-                    </a:p>
-                  </a:txBody>
-                  <a:tcPr anchor="ctr">
-                    <a:lnL w="12700" cap="flat" cmpd="sng" algn="ctr">
-                      <a:solidFill>
-                        <a:srgbClr val="000000"/>
-                      </a:solidFill>
-                      <a:prstDash val="solid"/>
-                      <a:round/>
-                      <a:headEnd type="none" w="med" len="med"/>
-                      <a:tailEnd type="none" w="med" len="med"/>
-                    </a:lnL>
-                    <a:lnR w="12700" cap="flat" cmpd="sng" algn="ctr">
-                      <a:solidFill>
-                        <a:srgbClr val="000000"/>
-                      </a:solidFill>
-                      <a:prstDash val="solid"/>
-                      <a:round/>
-                      <a:headEnd type="none" w="med" len="med"/>
-                      <a:tailEnd type="none" w="med" len="med"/>
-                    </a:lnR>
-                    <a:lnT w="12700" cap="flat" cmpd="sng" algn="ctr">
-                      <a:solidFill>
-                        <a:srgbClr val="000000"/>
-                      </a:solidFill>
-                      <a:prstDash val="solid"/>
-                      <a:round/>
-                      <a:headEnd type="none" w="med" len="med"/>
-                      <a:tailEnd type="none" w="med" len="med"/>
-                    </a:lnT>
-                    <a:lnB w="12700" cap="flat" cmpd="sng" algn="ctr">
-                      <a:solidFill>
-                        <a:srgbClr val="000000"/>
-                      </a:solidFill>
-                      <a:prstDash val="solid"/>
-                      <a:round/>
-                      <a:headEnd type="none" w="med" len="med"/>
-                      <a:tailEnd type="none" w="med" len="med"/>
-                    </a:lnB>
-                    <a:noFill/>
-                  </a:tcPr>
-                </a:tc>
-              </a:tr>
-              <a:tr h="498231">
-                <a:tc>
-                  <a:txBody>
-                    <a:bodyPr/>
-                    <a:lstStyle/>
-                    <a:p>
-                      <a:pPr algn="ctr"/>
-                      <a:r>
-                        <a:rPr lang="en-US" sz="2000" dirty="0" err="1" smtClean="0">
-                          <a:solidFill>
-                            <a:schemeClr val="tx1"/>
-                          </a:solidFill>
-                        </a:rPr>
-                        <a:t>XGBoost</a:t>
-                      </a:r>
-                      <a:endParaRPr lang="en-US" sz="2000" dirty="0">
-                        <a:solidFill>
-                          <a:schemeClr val="tx1"/>
-                        </a:solidFill>
-                      </a:endParaRPr>
-                    </a:p>
-                  </a:txBody>
-                  <a:tcPr anchor="ctr">
-                    <a:lnL w="12700" cap="flat" cmpd="sng" algn="ctr">
-                      <a:solidFill>
-                        <a:srgbClr val="000000"/>
-                      </a:solidFill>
-                      <a:prstDash val="solid"/>
-                      <a:round/>
-                      <a:headEnd type="none" w="med" len="med"/>
-                      <a:tailEnd type="none" w="med" len="med"/>
-                    </a:lnL>
-                    <a:lnR w="12700" cap="flat" cmpd="sng" algn="ctr">
-                      <a:solidFill>
-                        <a:srgbClr val="000000"/>
-                      </a:solidFill>
-                      <a:prstDash val="solid"/>
-                      <a:round/>
-                      <a:headEnd type="none" w="med" len="med"/>
-                      <a:tailEnd type="none" w="med" len="med"/>
-                    </a:lnR>
-                    <a:lnT w="12700" cap="flat" cmpd="sng" algn="ctr">
-                      <a:solidFill>
-                        <a:srgbClr val="000000"/>
-                      </a:solidFill>
-                      <a:prstDash val="solid"/>
-                      <a:round/>
-                      <a:headEnd type="none" w="med" len="med"/>
-                      <a:tailEnd type="none" w="med" len="med"/>
-                    </a:lnT>
-                    <a:lnB w="12700" cap="flat" cmpd="sng" algn="ctr">
-                      <a:solidFill>
-                        <a:srgbClr val="000000"/>
-                      </a:solidFill>
-                      <a:prstDash val="solid"/>
-                      <a:round/>
-                      <a:headEnd type="none" w="med" len="med"/>
-                      <a:tailEnd type="none" w="med" len="med"/>
-                    </a:lnB>
-                    <a:noFill/>
-                  </a:tcPr>
-                </a:tc>
-                <a:tc>
-                  <a:txBody>
-                    <a:bodyPr/>
-                    <a:lstStyle/>
-                    <a:p>
-                      <a:pPr algn="ctr"/>
-                      <a:r>
-                        <a:rPr lang="en-US" sz="2000" dirty="0" smtClean="0">
-                          <a:solidFill>
-                            <a:schemeClr val="tx1"/>
-                          </a:solidFill>
-                        </a:rPr>
-                        <a:t>Bag of Words</a:t>
-                      </a:r>
-                      <a:endParaRPr lang="en-US" sz="2000" dirty="0">
-                        <a:solidFill>
-                          <a:schemeClr val="tx1"/>
-                        </a:solidFill>
-                      </a:endParaRPr>
-                    </a:p>
-                  </a:txBody>
-                  <a:tcPr anchor="ctr">
-                    <a:lnL w="12700" cap="flat" cmpd="sng" algn="ctr">
-                      <a:solidFill>
-                        <a:srgbClr val="000000"/>
-                      </a:solidFill>
-                      <a:prstDash val="solid"/>
-                      <a:round/>
-                      <a:headEnd type="none" w="med" len="med"/>
-                      <a:tailEnd type="none" w="med" len="med"/>
-                    </a:lnL>
-                    <a:lnR w="12700" cap="flat" cmpd="sng" algn="ctr">
-                      <a:solidFill>
-                        <a:srgbClr val="000000"/>
-                      </a:solidFill>
-                      <a:prstDash val="solid"/>
-                      <a:round/>
-                      <a:headEnd type="none" w="med" len="med"/>
-                      <a:tailEnd type="none" w="med" len="med"/>
-                    </a:lnR>
-                    <a:lnT w="12700" cap="flat" cmpd="sng" algn="ctr">
-                      <a:solidFill>
-                        <a:srgbClr val="000000"/>
-                      </a:solidFill>
-                      <a:prstDash val="solid"/>
-                      <a:round/>
-                      <a:headEnd type="none" w="med" len="med"/>
-                      <a:tailEnd type="none" w="med" len="med"/>
-                    </a:lnT>
-                    <a:lnB w="12700" cap="flat" cmpd="sng" algn="ctr">
-                      <a:solidFill>
-                        <a:srgbClr val="000000"/>
-                      </a:solidFill>
-                      <a:prstDash val="solid"/>
-                      <a:round/>
-                      <a:headEnd type="none" w="med" len="med"/>
-                      <a:tailEnd type="none" w="med" len="med"/>
-                    </a:lnB>
-                    <a:noFill/>
-                  </a:tcPr>
-                </a:tc>
-                <a:tc>
-                  <a:txBody>
-                    <a:bodyPr/>
-                    <a:lstStyle/>
-                    <a:p>
-                      <a:pPr algn="ctr"/>
-                      <a:r>
-                        <a:rPr lang="en-US" sz="2000" dirty="0" smtClean="0">
-                          <a:solidFill>
-                            <a:schemeClr val="tx1"/>
-                          </a:solidFill>
-                        </a:rPr>
-                        <a:t>0.9003</a:t>
-                      </a:r>
-                      <a:endParaRPr lang="en-US" sz="2000" dirty="0">
-                        <a:solidFill>
-                          <a:schemeClr val="tx1"/>
-                        </a:solidFill>
-                      </a:endParaRPr>
-                    </a:p>
-                  </a:txBody>
-                  <a:tcPr anchor="ctr">
-                    <a:lnL w="12700" cap="flat" cmpd="sng" algn="ctr">
-                      <a:solidFill>
-                        <a:srgbClr val="000000"/>
-                      </a:solidFill>
-                      <a:prstDash val="solid"/>
-                      <a:round/>
-                      <a:headEnd type="none" w="med" len="med"/>
-                      <a:tailEnd type="none" w="med" len="med"/>
-                    </a:lnL>
-                    <a:lnR w="12700" cap="flat" cmpd="sng" algn="ctr">
-                      <a:solidFill>
-                        <a:srgbClr val="000000"/>
-                      </a:solidFill>
-                      <a:prstDash val="solid"/>
-                      <a:round/>
-                      <a:headEnd type="none" w="med" len="med"/>
-                      <a:tailEnd type="none" w="med" len="med"/>
-                    </a:lnR>
-                    <a:lnT w="12700" cap="flat" cmpd="sng" algn="ctr">
-                      <a:solidFill>
-                        <a:srgbClr val="000000"/>
-                      </a:solidFill>
-                      <a:prstDash val="solid"/>
-                      <a:round/>
-                      <a:headEnd type="none" w="med" len="med"/>
-                      <a:tailEnd type="none" w="med" len="med"/>
-                    </a:lnT>
-                    <a:lnB w="12700" cap="flat" cmpd="sng" algn="ctr">
-                      <a:solidFill>
-                        <a:srgbClr val="000000"/>
-                      </a:solidFill>
-                      <a:prstDash val="solid"/>
-                      <a:round/>
-                      <a:headEnd type="none" w="med" len="med"/>
-                      <a:tailEnd type="none" w="med" len="med"/>
-                    </a:lnB>
-                    <a:noFill/>
-                  </a:tcPr>
-                </a:tc>
-                <a:tc>
-                  <a:txBody>
-                    <a:bodyPr/>
-                    <a:lstStyle/>
-                    <a:p>
-                      <a:pPr algn="ctr"/>
-                      <a:r>
-                        <a:rPr lang="en-US" sz="2000" dirty="0" smtClean="0">
-                          <a:solidFill>
-                            <a:schemeClr val="tx1"/>
-                          </a:solidFill>
-                        </a:rPr>
-                        <a:t>0.9040</a:t>
-                      </a:r>
-                      <a:endParaRPr lang="en-US" sz="2000" dirty="0">
-                        <a:solidFill>
-                          <a:schemeClr val="tx1"/>
-                        </a:solidFill>
-                      </a:endParaRPr>
-                    </a:p>
-                  </a:txBody>
-                  <a:tcPr anchor="ctr">
-                    <a:lnL w="12700" cap="flat" cmpd="sng" algn="ctr">
-                      <a:solidFill>
-                        <a:srgbClr val="000000"/>
-                      </a:solidFill>
-                      <a:prstDash val="solid"/>
-                      <a:round/>
-                      <a:headEnd type="none" w="med" len="med"/>
-                      <a:tailEnd type="none" w="med" len="med"/>
-                    </a:lnL>
-                    <a:lnR w="12700" cap="flat" cmpd="sng" algn="ctr">
-                      <a:solidFill>
-                        <a:srgbClr val="000000"/>
-                      </a:solidFill>
-                      <a:prstDash val="solid"/>
-                      <a:round/>
-                      <a:headEnd type="none" w="med" len="med"/>
-                      <a:tailEnd type="none" w="med" len="med"/>
-                    </a:lnR>
-                    <a:lnT w="12700" cap="flat" cmpd="sng" algn="ctr">
-                      <a:solidFill>
-                        <a:srgbClr val="000000"/>
-                      </a:solidFill>
-                      <a:prstDash val="solid"/>
-                      <a:round/>
-                      <a:headEnd type="none" w="med" len="med"/>
-                      <a:tailEnd type="none" w="med" len="med"/>
-                    </a:lnT>
-                    <a:lnB w="12700" cap="flat" cmpd="sng" algn="ctr">
-                      <a:solidFill>
-                        <a:srgbClr val="000000"/>
-                      </a:solidFill>
-                      <a:prstDash val="solid"/>
-                      <a:round/>
-                      <a:headEnd type="none" w="med" len="med"/>
-                      <a:tailEnd type="none" w="med" len="med"/>
-                    </a:lnB>
-                    <a:noFill/>
-                  </a:tcPr>
-                </a:tc>
-                <a:tc>
-                  <a:txBody>
-                    <a:bodyPr/>
-                    <a:lstStyle/>
-                    <a:p>
-                      <a:pPr algn="ctr"/>
-                      <a:r>
-                        <a:rPr lang="en-US" sz="2000" dirty="0" smtClean="0">
-                          <a:solidFill>
-                            <a:schemeClr val="tx1"/>
-                          </a:solidFill>
-                        </a:rPr>
-                        <a:t>0.8922</a:t>
-                      </a:r>
-                      <a:endParaRPr lang="en-US" sz="2000" dirty="0">
-                        <a:solidFill>
-                          <a:schemeClr val="tx1"/>
-                        </a:solidFill>
-                      </a:endParaRPr>
-                    </a:p>
-                  </a:txBody>
-                  <a:tcPr anchor="ctr">
-                    <a:lnL w="12700" cap="flat" cmpd="sng" algn="ctr">
-                      <a:solidFill>
-                        <a:srgbClr val="000000"/>
-                      </a:solidFill>
-                      <a:prstDash val="solid"/>
-                      <a:round/>
-                      <a:headEnd type="none" w="med" len="med"/>
-                      <a:tailEnd type="none" w="med" len="med"/>
-                    </a:lnL>
-                    <a:lnR w="12700" cap="flat" cmpd="sng" algn="ctr">
-                      <a:solidFill>
-                        <a:srgbClr val="000000"/>
-                      </a:solidFill>
-                      <a:prstDash val="solid"/>
-                      <a:round/>
-                      <a:headEnd type="none" w="med" len="med"/>
-                      <a:tailEnd type="none" w="med" len="med"/>
-                    </a:lnR>
-                    <a:lnT w="12700" cap="flat" cmpd="sng" algn="ctr">
-                      <a:solidFill>
-                        <a:srgbClr val="000000"/>
-                      </a:solidFill>
-                      <a:prstDash val="solid"/>
-                      <a:round/>
-                      <a:headEnd type="none" w="med" len="med"/>
-                      <a:tailEnd type="none" w="med" len="med"/>
-                    </a:lnT>
-                    <a:lnB w="12700" cap="flat" cmpd="sng" algn="ctr">
-                      <a:solidFill>
-                        <a:srgbClr val="000000"/>
-                      </a:solidFill>
-                      <a:prstDash val="solid"/>
-                      <a:round/>
-                      <a:headEnd type="none" w="med" len="med"/>
-                      <a:tailEnd type="none" w="med" len="med"/>
-                    </a:lnB>
-                    <a:noFill/>
-                  </a:tcPr>
-                </a:tc>
-                <a:tc>
-                  <a:txBody>
-                    <a:bodyPr/>
-                    <a:lstStyle/>
-                    <a:p>
-                      <a:pPr algn="ctr"/>
-                      <a:r>
-                        <a:rPr lang="en-US" sz="2000" dirty="0" smtClean="0">
-                          <a:solidFill>
-                            <a:schemeClr val="tx1"/>
-                          </a:solidFill>
-                        </a:rPr>
-                        <a:t>0.9160</a:t>
-                      </a:r>
-                      <a:endParaRPr lang="en-US" sz="2000" dirty="0">
-                        <a:solidFill>
-                          <a:schemeClr val="tx1"/>
-                        </a:solidFill>
-                      </a:endParaRPr>
-                    </a:p>
-                  </a:txBody>
-                  <a:tcPr anchor="ctr">
-                    <a:lnL w="12700" cap="flat" cmpd="sng" algn="ctr">
-                      <a:solidFill>
-                        <a:srgbClr val="000000"/>
-                      </a:solidFill>
-                      <a:prstDash val="solid"/>
-                      <a:round/>
-                      <a:headEnd type="none" w="med" len="med"/>
-                      <a:tailEnd type="none" w="med" len="med"/>
-                    </a:lnL>
-                    <a:lnR w="12700" cap="flat" cmpd="sng" algn="ctr">
-                      <a:solidFill>
-                        <a:srgbClr val="000000"/>
-                      </a:solidFill>
-                      <a:prstDash val="solid"/>
-                      <a:round/>
-                      <a:headEnd type="none" w="med" len="med"/>
-                      <a:tailEnd type="none" w="med" len="med"/>
-                    </a:lnR>
-                    <a:lnT w="12700" cap="flat" cmpd="sng" algn="ctr">
-                      <a:solidFill>
-                        <a:srgbClr val="000000"/>
-                      </a:solidFill>
-                      <a:prstDash val="solid"/>
-                      <a:round/>
-                      <a:headEnd type="none" w="med" len="med"/>
-                      <a:tailEnd type="none" w="med" len="med"/>
-                    </a:lnT>
-                    <a:lnB w="12700" cap="flat" cmpd="sng" algn="ctr">
-                      <a:solidFill>
-                        <a:srgbClr val="000000"/>
-                      </a:solidFill>
-                      <a:prstDash val="solid"/>
-                      <a:round/>
-                      <a:headEnd type="none" w="med" len="med"/>
-                      <a:tailEnd type="none" w="med" len="med"/>
-                    </a:lnB>
-                    <a:noFill/>
-                  </a:tcPr>
-                </a:tc>
-              </a:tr>
-              <a:tr h="498231">
-                <a:tc>
-                  <a:txBody>
-                    <a:bodyPr/>
-                    <a:lstStyle/>
-                    <a:p>
-                      <a:pPr algn="ctr"/>
-                      <a:r>
-                        <a:rPr lang="en-US" sz="2000" dirty="0" err="1" smtClean="0">
-                          <a:solidFill>
-                            <a:schemeClr val="tx1"/>
-                          </a:solidFill>
-                        </a:rPr>
-                        <a:t>XGBoost</a:t>
-                      </a:r>
-                      <a:endParaRPr lang="en-US" sz="2000" dirty="0">
-                        <a:solidFill>
-                          <a:schemeClr val="tx1"/>
-                        </a:solidFill>
-                      </a:endParaRPr>
-                    </a:p>
-                  </a:txBody>
-                  <a:tcPr anchor="ctr">
-                    <a:lnL w="12700" cap="flat" cmpd="sng" algn="ctr">
-                      <a:solidFill>
-                        <a:srgbClr val="000000"/>
-                      </a:solidFill>
-                      <a:prstDash val="solid"/>
-                      <a:round/>
-                      <a:headEnd type="none" w="med" len="med"/>
-                      <a:tailEnd type="none" w="med" len="med"/>
-                    </a:lnL>
-                    <a:lnR w="12700" cap="flat" cmpd="sng" algn="ctr">
-                      <a:solidFill>
-                        <a:srgbClr val="000000"/>
-                      </a:solidFill>
-                      <a:prstDash val="solid"/>
-                      <a:round/>
-                      <a:headEnd type="none" w="med" len="med"/>
-                      <a:tailEnd type="none" w="med" len="med"/>
-                    </a:lnR>
-                    <a:lnT w="12700" cap="flat" cmpd="sng" algn="ctr">
-                      <a:solidFill>
-                        <a:srgbClr val="000000"/>
-                      </a:solidFill>
-                      <a:prstDash val="solid"/>
-                      <a:round/>
-                      <a:headEnd type="none" w="med" len="med"/>
-                      <a:tailEnd type="none" w="med" len="med"/>
-                    </a:lnT>
-                    <a:lnB w="12700" cap="flat" cmpd="sng" algn="ctr">
-                      <a:solidFill>
-                        <a:srgbClr val="000000"/>
-                      </a:solidFill>
-                      <a:prstDash val="solid"/>
-                      <a:round/>
-                      <a:headEnd type="none" w="med" len="med"/>
-                      <a:tailEnd type="none" w="med" len="med"/>
-                    </a:lnB>
-                    <a:noFill/>
-                  </a:tcPr>
-                </a:tc>
-                <a:tc>
-                  <a:txBody>
-                    <a:bodyPr/>
-                    <a:lstStyle/>
-                    <a:p>
-                      <a:pPr algn="ctr"/>
-                      <a:r>
-                        <a:rPr lang="en-US" sz="2000" dirty="0" smtClean="0">
-                          <a:solidFill>
-                            <a:schemeClr val="tx1"/>
-                          </a:solidFill>
-                        </a:rPr>
-                        <a:t>TF-IDF*</a:t>
-                      </a:r>
-                      <a:endParaRPr lang="en-US" sz="2000" dirty="0">
-                        <a:solidFill>
-                          <a:schemeClr val="tx1"/>
-                        </a:solidFill>
-                      </a:endParaRPr>
-                    </a:p>
-                  </a:txBody>
-                  <a:tcPr anchor="ctr">
-                    <a:lnL w="12700" cap="flat" cmpd="sng" algn="ctr">
-                      <a:solidFill>
-                        <a:srgbClr val="000000"/>
-                      </a:solidFill>
-                      <a:prstDash val="solid"/>
-                      <a:round/>
-                      <a:headEnd type="none" w="med" len="med"/>
-                      <a:tailEnd type="none" w="med" len="med"/>
-                    </a:lnL>
-                    <a:lnR w="12700" cap="flat" cmpd="sng" algn="ctr">
-                      <a:solidFill>
-                        <a:srgbClr val="000000"/>
-                      </a:solidFill>
-                      <a:prstDash val="solid"/>
-                      <a:round/>
-                      <a:headEnd type="none" w="med" len="med"/>
-                      <a:tailEnd type="none" w="med" len="med"/>
-                    </a:lnR>
-                    <a:lnT w="12700" cap="flat" cmpd="sng" algn="ctr">
-                      <a:solidFill>
-                        <a:srgbClr val="000000"/>
-                      </a:solidFill>
-                      <a:prstDash val="solid"/>
-                      <a:round/>
-                      <a:headEnd type="none" w="med" len="med"/>
-                      <a:tailEnd type="none" w="med" len="med"/>
-                    </a:lnT>
-                    <a:lnB w="12700" cap="flat" cmpd="sng" algn="ctr">
-                      <a:solidFill>
-                        <a:srgbClr val="000000"/>
-                      </a:solidFill>
-                      <a:prstDash val="solid"/>
-                      <a:round/>
-                      <a:headEnd type="none" w="med" len="med"/>
-                      <a:tailEnd type="none" w="med" len="med"/>
-                    </a:lnB>
-                    <a:noFill/>
-                  </a:tcPr>
-                </a:tc>
-                <a:tc>
-                  <a:txBody>
-                    <a:bodyPr/>
-                    <a:lstStyle/>
-                    <a:p>
-                      <a:pPr algn="ctr"/>
-                      <a:r>
-                        <a:rPr lang="en-US" sz="2000" dirty="0" smtClean="0">
-                          <a:solidFill>
-                            <a:schemeClr val="tx1"/>
-                          </a:solidFill>
-                        </a:rPr>
-                        <a:t>0.8834</a:t>
-                      </a:r>
-                      <a:endParaRPr lang="en-US" sz="2000" dirty="0">
-                        <a:solidFill>
-                          <a:schemeClr val="tx1"/>
-                        </a:solidFill>
-                      </a:endParaRPr>
-                    </a:p>
-                  </a:txBody>
-                  <a:tcPr anchor="ctr">
-                    <a:lnL w="12700" cap="flat" cmpd="sng" algn="ctr">
-                      <a:solidFill>
-                        <a:srgbClr val="000000"/>
-                      </a:solidFill>
-                      <a:prstDash val="solid"/>
-                      <a:round/>
-                      <a:headEnd type="none" w="med" len="med"/>
-                      <a:tailEnd type="none" w="med" len="med"/>
-                    </a:lnL>
-                    <a:lnR w="12700" cap="flat" cmpd="sng" algn="ctr">
-                      <a:solidFill>
-                        <a:srgbClr val="000000"/>
-                      </a:solidFill>
-                      <a:prstDash val="solid"/>
-                      <a:round/>
-                      <a:headEnd type="none" w="med" len="med"/>
-                      <a:tailEnd type="none" w="med" len="med"/>
-                    </a:lnR>
-                    <a:lnT w="12700" cap="flat" cmpd="sng" algn="ctr">
-                      <a:solidFill>
-                        <a:srgbClr val="000000"/>
-                      </a:solidFill>
-                      <a:prstDash val="solid"/>
-                      <a:round/>
-                      <a:headEnd type="none" w="med" len="med"/>
-                      <a:tailEnd type="none" w="med" len="med"/>
-                    </a:lnT>
-                    <a:lnB w="12700" cap="flat" cmpd="sng" algn="ctr">
-                      <a:solidFill>
-                        <a:srgbClr val="000000"/>
-                      </a:solidFill>
-                      <a:prstDash val="solid"/>
-                      <a:round/>
-                      <a:headEnd type="none" w="med" len="med"/>
-                      <a:tailEnd type="none" w="med" len="med"/>
-                    </a:lnB>
-                    <a:noFill/>
-                  </a:tcPr>
-                </a:tc>
-                <a:tc>
-                  <a:txBody>
-                    <a:bodyPr/>
-                    <a:lstStyle/>
-                    <a:p>
-                      <a:pPr algn="ctr"/>
-                      <a:r>
-                        <a:rPr lang="en-US" sz="2000" dirty="0" smtClean="0">
-                          <a:solidFill>
-                            <a:schemeClr val="tx1"/>
-                          </a:solidFill>
-                        </a:rPr>
-                        <a:t>0.8875</a:t>
-                      </a:r>
-                      <a:endParaRPr lang="en-US" sz="2000" dirty="0">
-                        <a:solidFill>
-                          <a:schemeClr val="tx1"/>
-                        </a:solidFill>
-                      </a:endParaRPr>
-                    </a:p>
-                  </a:txBody>
-                  <a:tcPr anchor="ctr">
-                    <a:lnL w="12700" cap="flat" cmpd="sng" algn="ctr">
-                      <a:solidFill>
-                        <a:srgbClr val="000000"/>
-                      </a:solidFill>
-                      <a:prstDash val="solid"/>
-                      <a:round/>
-                      <a:headEnd type="none" w="med" len="med"/>
-                      <a:tailEnd type="none" w="med" len="med"/>
-                    </a:lnL>
-                    <a:lnR w="12700" cap="flat" cmpd="sng" algn="ctr">
-                      <a:solidFill>
-                        <a:srgbClr val="000000"/>
-                      </a:solidFill>
-                      <a:prstDash val="solid"/>
-                      <a:round/>
-                      <a:headEnd type="none" w="med" len="med"/>
-                      <a:tailEnd type="none" w="med" len="med"/>
-                    </a:lnR>
-                    <a:lnT w="12700" cap="flat" cmpd="sng" algn="ctr">
-                      <a:solidFill>
-                        <a:srgbClr val="000000"/>
-                      </a:solidFill>
-                      <a:prstDash val="solid"/>
-                      <a:round/>
-                      <a:headEnd type="none" w="med" len="med"/>
-                      <a:tailEnd type="none" w="med" len="med"/>
-                    </a:lnT>
-                    <a:lnB w="12700" cap="flat" cmpd="sng" algn="ctr">
-                      <a:solidFill>
-                        <a:srgbClr val="000000"/>
-                      </a:solidFill>
-                      <a:prstDash val="solid"/>
-                      <a:round/>
-                      <a:headEnd type="none" w="med" len="med"/>
-                      <a:tailEnd type="none" w="med" len="med"/>
-                    </a:lnB>
-                    <a:noFill/>
-                  </a:tcPr>
-                </a:tc>
-                <a:tc>
-                  <a:txBody>
-                    <a:bodyPr/>
-                    <a:lstStyle/>
-                    <a:p>
-                      <a:pPr algn="ctr"/>
-                      <a:r>
-                        <a:rPr lang="en-US" sz="2000" dirty="0" smtClean="0">
-                          <a:solidFill>
-                            <a:schemeClr val="tx1"/>
-                          </a:solidFill>
-                        </a:rPr>
-                        <a:t>0.8770</a:t>
-                      </a:r>
-                      <a:endParaRPr lang="en-US" sz="2000" dirty="0">
-                        <a:solidFill>
-                          <a:schemeClr val="tx1"/>
-                        </a:solidFill>
-                      </a:endParaRPr>
-                    </a:p>
-                  </a:txBody>
-                  <a:tcPr anchor="ctr">
-                    <a:lnL w="12700" cap="flat" cmpd="sng" algn="ctr">
-                      <a:solidFill>
-                        <a:srgbClr val="000000"/>
-                      </a:solidFill>
-                      <a:prstDash val="solid"/>
-                      <a:round/>
-                      <a:headEnd type="none" w="med" len="med"/>
-                      <a:tailEnd type="none" w="med" len="med"/>
-                    </a:lnL>
-                    <a:lnR w="12700" cap="flat" cmpd="sng" algn="ctr">
-                      <a:solidFill>
-                        <a:srgbClr val="000000"/>
-                      </a:solidFill>
-                      <a:prstDash val="solid"/>
-                      <a:round/>
-                      <a:headEnd type="none" w="med" len="med"/>
-                      <a:tailEnd type="none" w="med" len="med"/>
-                    </a:lnR>
-                    <a:lnT w="12700" cap="flat" cmpd="sng" algn="ctr">
-                      <a:solidFill>
-                        <a:srgbClr val="000000"/>
-                      </a:solidFill>
-                      <a:prstDash val="solid"/>
-                      <a:round/>
-                      <a:headEnd type="none" w="med" len="med"/>
-                      <a:tailEnd type="none" w="med" len="med"/>
-                    </a:lnT>
-                    <a:lnB w="12700" cap="flat" cmpd="sng" algn="ctr">
-                      <a:solidFill>
-                        <a:srgbClr val="000000"/>
-                      </a:solidFill>
-                      <a:prstDash val="solid"/>
-                      <a:round/>
-                      <a:headEnd type="none" w="med" len="med"/>
-                      <a:tailEnd type="none" w="med" len="med"/>
-                    </a:lnB>
-                    <a:noFill/>
-                  </a:tcPr>
-                </a:tc>
-                <a:tc>
-                  <a:txBody>
-                    <a:bodyPr/>
-                    <a:lstStyle/>
-                    <a:p>
-                      <a:pPr algn="ctr"/>
-                      <a:r>
-                        <a:rPr lang="en-US" sz="2000" dirty="0" smtClean="0">
-                          <a:solidFill>
-                            <a:schemeClr val="tx1"/>
-                          </a:solidFill>
-                        </a:rPr>
-                        <a:t>0.8982</a:t>
-                      </a:r>
-                      <a:endParaRPr lang="en-US" sz="2000" dirty="0">
-                        <a:solidFill>
-                          <a:schemeClr val="tx1"/>
-                        </a:solidFill>
-                      </a:endParaRPr>
-                    </a:p>
-                  </a:txBody>
-                  <a:tcPr anchor="ctr">
-                    <a:lnL w="12700" cap="flat" cmpd="sng" algn="ctr">
-                      <a:solidFill>
-                        <a:srgbClr val="000000"/>
-                      </a:solidFill>
-                      <a:prstDash val="solid"/>
-                      <a:round/>
-                      <a:headEnd type="none" w="med" len="med"/>
-                      <a:tailEnd type="none" w="med" len="med"/>
-                    </a:lnL>
-                    <a:lnR w="12700" cap="flat" cmpd="sng" algn="ctr">
-                      <a:solidFill>
-                        <a:srgbClr val="000000"/>
-                      </a:solidFill>
-                      <a:prstDash val="solid"/>
-                      <a:round/>
-                      <a:headEnd type="none" w="med" len="med"/>
-                      <a:tailEnd type="none" w="med" len="med"/>
-                    </a:lnR>
-                    <a:lnT w="12700" cap="flat" cmpd="sng" algn="ctr">
-                      <a:solidFill>
-                        <a:srgbClr val="000000"/>
-                      </a:solidFill>
-                      <a:prstDash val="solid"/>
-                      <a:round/>
-                      <a:headEnd type="none" w="med" len="med"/>
-                      <a:tailEnd type="none" w="med" len="med"/>
-                    </a:lnT>
-                    <a:lnB w="12700" cap="flat" cmpd="sng" algn="ctr">
-                      <a:solidFill>
-                        <a:srgbClr val="000000"/>
-                      </a:solidFill>
-                      <a:prstDash val="solid"/>
-                      <a:round/>
-                      <a:headEnd type="none" w="med" len="med"/>
-                      <a:tailEnd type="none" w="med" len="med"/>
-                    </a:lnB>
-                    <a:noFill/>
-                  </a:tcPr>
-                </a:tc>
-              </a:tr>
-              <a:tr h="498231">
-                <a:tc>
-                  <a:txBody>
-                    <a:bodyPr/>
-                    <a:lstStyle/>
-                    <a:p>
-                      <a:pPr algn="ctr"/>
-                      <a:r>
-                        <a:rPr lang="en-US" sz="2000" dirty="0" err="1" smtClean="0">
-                          <a:solidFill>
-                            <a:schemeClr val="tx1"/>
-                          </a:solidFill>
-                        </a:rPr>
-                        <a:t>XGBoost</a:t>
-                      </a:r>
-                      <a:endParaRPr lang="en-US" sz="2000" dirty="0">
-                        <a:solidFill>
-                          <a:schemeClr val="tx1"/>
-                        </a:solidFill>
-                      </a:endParaRPr>
-                    </a:p>
-                  </a:txBody>
-                  <a:tcPr anchor="ctr">
-                    <a:lnL w="12700" cap="flat" cmpd="sng" algn="ctr">
-                      <a:solidFill>
-                        <a:srgbClr val="000000"/>
-                      </a:solidFill>
-                      <a:prstDash val="solid"/>
-                      <a:round/>
-                      <a:headEnd type="none" w="med" len="med"/>
-                      <a:tailEnd type="none" w="med" len="med"/>
-                    </a:lnL>
-                    <a:lnR w="12700" cap="flat" cmpd="sng" algn="ctr">
-                      <a:solidFill>
-                        <a:srgbClr val="000000"/>
-                      </a:solidFill>
-                      <a:prstDash val="solid"/>
-                      <a:round/>
-                      <a:headEnd type="none" w="med" len="med"/>
-                      <a:tailEnd type="none" w="med" len="med"/>
-                    </a:lnR>
-                    <a:lnT w="12700" cap="flat" cmpd="sng" algn="ctr">
-                      <a:solidFill>
-                        <a:srgbClr val="000000"/>
-                      </a:solidFill>
-                      <a:prstDash val="solid"/>
-                      <a:round/>
-                      <a:headEnd type="none" w="med" len="med"/>
-                      <a:tailEnd type="none" w="med" len="med"/>
-                    </a:lnT>
-                    <a:lnB w="12700" cap="flat" cmpd="sng" algn="ctr">
-                      <a:solidFill>
-                        <a:srgbClr val="000000"/>
-                      </a:solidFill>
-                      <a:prstDash val="solid"/>
-                      <a:round/>
-                      <a:headEnd type="none" w="med" len="med"/>
-                      <a:tailEnd type="none" w="med" len="med"/>
-                    </a:lnB>
-                    <a:noFill/>
-                  </a:tcPr>
-                </a:tc>
-                <a:tc>
-                  <a:txBody>
-                    <a:bodyPr/>
-                    <a:lstStyle/>
-                    <a:p>
-                      <a:pPr algn="ctr"/>
-                      <a:r>
-                        <a:rPr lang="en-US" sz="1800" dirty="0" smtClean="0">
-                          <a:solidFill>
-                            <a:schemeClr val="tx1"/>
-                          </a:solidFill>
-                        </a:rPr>
-                        <a:t>TF-IDF*+Custom</a:t>
-                      </a:r>
-                      <a:endParaRPr lang="en-US" sz="1800" dirty="0">
-                        <a:solidFill>
-                          <a:schemeClr val="tx1"/>
-                        </a:solidFill>
-                      </a:endParaRPr>
-                    </a:p>
-                  </a:txBody>
-                  <a:tcPr anchor="ctr">
-                    <a:lnL w="12700" cap="flat" cmpd="sng" algn="ctr">
-                      <a:solidFill>
-                        <a:srgbClr val="000000"/>
-                      </a:solidFill>
-                      <a:prstDash val="solid"/>
-                      <a:round/>
-                      <a:headEnd type="none" w="med" len="med"/>
-                      <a:tailEnd type="none" w="med" len="med"/>
-                    </a:lnL>
-                    <a:lnR w="12700" cap="flat" cmpd="sng" algn="ctr">
-                      <a:solidFill>
-                        <a:srgbClr val="000000"/>
-                      </a:solidFill>
-                      <a:prstDash val="solid"/>
-                      <a:round/>
-                      <a:headEnd type="none" w="med" len="med"/>
-                      <a:tailEnd type="none" w="med" len="med"/>
-                    </a:lnR>
-                    <a:lnT w="12700" cap="flat" cmpd="sng" algn="ctr">
-                      <a:solidFill>
-                        <a:srgbClr val="000000"/>
-                      </a:solidFill>
-                      <a:prstDash val="solid"/>
-                      <a:round/>
-                      <a:headEnd type="none" w="med" len="med"/>
-                      <a:tailEnd type="none" w="med" len="med"/>
-                    </a:lnT>
-                    <a:lnB w="12700" cap="flat" cmpd="sng" algn="ctr">
-                      <a:solidFill>
-                        <a:srgbClr val="000000"/>
-                      </a:solidFill>
-                      <a:prstDash val="solid"/>
-                      <a:round/>
-                      <a:headEnd type="none" w="med" len="med"/>
-                      <a:tailEnd type="none" w="med" len="med"/>
-                    </a:lnB>
-                    <a:noFill/>
-                  </a:tcPr>
-                </a:tc>
-                <a:tc>
-                  <a:txBody>
-                    <a:bodyPr/>
-                    <a:lstStyle/>
-                    <a:p>
-                      <a:pPr algn="ctr"/>
-                      <a:r>
-                        <a:rPr lang="en-US" sz="2000" dirty="0" smtClean="0">
-                          <a:solidFill>
-                            <a:schemeClr val="tx1"/>
-                          </a:solidFill>
-                        </a:rPr>
-                        <a:t>0.9010</a:t>
-                      </a:r>
-                      <a:endParaRPr lang="en-US" sz="2000" dirty="0">
-                        <a:solidFill>
-                          <a:schemeClr val="tx1"/>
-                        </a:solidFill>
-                      </a:endParaRPr>
-                    </a:p>
-                  </a:txBody>
-                  <a:tcPr anchor="ctr">
-                    <a:lnL w="12700" cap="flat" cmpd="sng" algn="ctr">
-                      <a:solidFill>
-                        <a:srgbClr val="000000"/>
-                      </a:solidFill>
-                      <a:prstDash val="solid"/>
-                      <a:round/>
-                      <a:headEnd type="none" w="med" len="med"/>
-                      <a:tailEnd type="none" w="med" len="med"/>
-                    </a:lnL>
-                    <a:lnR w="12700" cap="flat" cmpd="sng" algn="ctr">
-                      <a:solidFill>
-                        <a:srgbClr val="000000"/>
-                      </a:solidFill>
-                      <a:prstDash val="solid"/>
-                      <a:round/>
-                      <a:headEnd type="none" w="med" len="med"/>
-                      <a:tailEnd type="none" w="med" len="med"/>
-                    </a:lnR>
-                    <a:lnT w="12700" cap="flat" cmpd="sng" algn="ctr">
-                      <a:solidFill>
-                        <a:srgbClr val="000000"/>
-                      </a:solidFill>
-                      <a:prstDash val="solid"/>
-                      <a:round/>
-                      <a:headEnd type="none" w="med" len="med"/>
-                      <a:tailEnd type="none" w="med" len="med"/>
-                    </a:lnT>
-                    <a:lnB w="12700" cap="flat" cmpd="sng" algn="ctr">
-                      <a:solidFill>
-                        <a:srgbClr val="000000"/>
-                      </a:solidFill>
-                      <a:prstDash val="solid"/>
-                      <a:round/>
-                      <a:headEnd type="none" w="med" len="med"/>
-                      <a:tailEnd type="none" w="med" len="med"/>
-                    </a:lnB>
-                    <a:noFill/>
-                  </a:tcPr>
-                </a:tc>
-                <a:tc>
-                  <a:txBody>
-                    <a:bodyPr/>
-                    <a:lstStyle/>
-                    <a:p>
-                      <a:pPr algn="ctr"/>
-                      <a:r>
-                        <a:rPr lang="en-US" sz="2000" dirty="0" smtClean="0">
-                          <a:solidFill>
-                            <a:schemeClr val="tx1"/>
-                          </a:solidFill>
-                        </a:rPr>
-                        <a:t>0.9043</a:t>
-                      </a:r>
-                      <a:endParaRPr lang="en-US" sz="2000" dirty="0">
-                        <a:solidFill>
-                          <a:schemeClr val="tx1"/>
-                        </a:solidFill>
-                      </a:endParaRPr>
-                    </a:p>
-                  </a:txBody>
-                  <a:tcPr anchor="ctr">
-                    <a:lnL w="12700" cap="flat" cmpd="sng" algn="ctr">
-                      <a:solidFill>
-                        <a:srgbClr val="000000"/>
-                      </a:solidFill>
-                      <a:prstDash val="solid"/>
-                      <a:round/>
-                      <a:headEnd type="none" w="med" len="med"/>
-                      <a:tailEnd type="none" w="med" len="med"/>
-                    </a:lnL>
-                    <a:lnR w="12700" cap="flat" cmpd="sng" algn="ctr">
-                      <a:solidFill>
-                        <a:srgbClr val="000000"/>
-                      </a:solidFill>
-                      <a:prstDash val="solid"/>
-                      <a:round/>
-                      <a:headEnd type="none" w="med" len="med"/>
-                      <a:tailEnd type="none" w="med" len="med"/>
-                    </a:lnR>
-                    <a:lnT w="12700" cap="flat" cmpd="sng" algn="ctr">
-                      <a:solidFill>
-                        <a:srgbClr val="000000"/>
-                      </a:solidFill>
-                      <a:prstDash val="solid"/>
-                      <a:round/>
-                      <a:headEnd type="none" w="med" len="med"/>
-                      <a:tailEnd type="none" w="med" len="med"/>
-                    </a:lnT>
-                    <a:lnB w="12700" cap="flat" cmpd="sng" algn="ctr">
-                      <a:solidFill>
-                        <a:srgbClr val="000000"/>
-                      </a:solidFill>
-                      <a:prstDash val="solid"/>
-                      <a:round/>
-                      <a:headEnd type="none" w="med" len="med"/>
-                      <a:tailEnd type="none" w="med" len="med"/>
-                    </a:lnB>
-                    <a:noFill/>
-                  </a:tcPr>
-                </a:tc>
-                <a:tc>
-                  <a:txBody>
-                    <a:bodyPr/>
-                    <a:lstStyle/>
-                    <a:p>
-                      <a:pPr algn="ctr"/>
-                      <a:r>
-                        <a:rPr lang="en-US" sz="2000" dirty="0" smtClean="0">
-                          <a:solidFill>
-                            <a:schemeClr val="tx1"/>
-                          </a:solidFill>
-                        </a:rPr>
-                        <a:t>0.8952</a:t>
-                      </a:r>
-                      <a:endParaRPr lang="en-US" sz="2000" dirty="0">
-                        <a:solidFill>
-                          <a:schemeClr val="tx1"/>
-                        </a:solidFill>
-                      </a:endParaRPr>
-                    </a:p>
-                  </a:txBody>
-                  <a:tcPr anchor="ctr">
-                    <a:lnL w="12700" cap="flat" cmpd="sng" algn="ctr">
-                      <a:solidFill>
-                        <a:srgbClr val="000000"/>
-                      </a:solidFill>
-                      <a:prstDash val="solid"/>
-                      <a:round/>
-                      <a:headEnd type="none" w="med" len="med"/>
-                      <a:tailEnd type="none" w="med" len="med"/>
-                    </a:lnL>
-                    <a:lnR w="12700" cap="flat" cmpd="sng" algn="ctr">
-                      <a:solidFill>
-                        <a:srgbClr val="000000"/>
-                      </a:solidFill>
-                      <a:prstDash val="solid"/>
-                      <a:round/>
-                      <a:headEnd type="none" w="med" len="med"/>
-                      <a:tailEnd type="none" w="med" len="med"/>
-                    </a:lnR>
-                    <a:lnT w="12700" cap="flat" cmpd="sng" algn="ctr">
-                      <a:solidFill>
-                        <a:srgbClr val="000000"/>
-                      </a:solidFill>
-                      <a:prstDash val="solid"/>
-                      <a:round/>
-                      <a:headEnd type="none" w="med" len="med"/>
-                      <a:tailEnd type="none" w="med" len="med"/>
-                    </a:lnT>
-                    <a:lnB w="12700" cap="flat" cmpd="sng" algn="ctr">
-                      <a:solidFill>
-                        <a:srgbClr val="000000"/>
-                      </a:solidFill>
-                      <a:prstDash val="solid"/>
-                      <a:round/>
-                      <a:headEnd type="none" w="med" len="med"/>
-                      <a:tailEnd type="none" w="med" len="med"/>
-                    </a:lnB>
-                    <a:noFill/>
-                  </a:tcPr>
-                </a:tc>
-                <a:tc>
-                  <a:txBody>
-                    <a:bodyPr/>
-                    <a:lstStyle/>
-                    <a:p>
-                      <a:pPr algn="ctr"/>
-                      <a:r>
-                        <a:rPr lang="en-US" sz="2000" dirty="0" smtClean="0">
-                          <a:solidFill>
-                            <a:schemeClr val="tx1"/>
-                          </a:solidFill>
-                        </a:rPr>
-                        <a:t>0.9135</a:t>
-                      </a:r>
-                      <a:endParaRPr lang="en-US" sz="2000" dirty="0">
-                        <a:solidFill>
-                          <a:schemeClr val="tx1"/>
-                        </a:solidFill>
-                      </a:endParaRPr>
-                    </a:p>
-                  </a:txBody>
-                  <a:tcPr anchor="ctr">
-                    <a:lnL w="12700" cap="flat" cmpd="sng" algn="ctr">
-                      <a:solidFill>
-                        <a:srgbClr val="000000"/>
-                      </a:solidFill>
-                      <a:prstDash val="solid"/>
-                      <a:round/>
-                      <a:headEnd type="none" w="med" len="med"/>
-                      <a:tailEnd type="none" w="med" len="med"/>
-                    </a:lnL>
-                    <a:lnR w="12700" cap="flat" cmpd="sng" algn="ctr">
-                      <a:solidFill>
-                        <a:srgbClr val="000000"/>
-                      </a:solidFill>
-                      <a:prstDash val="solid"/>
-                      <a:round/>
-                      <a:headEnd type="none" w="med" len="med"/>
-                      <a:tailEnd type="none" w="med" len="med"/>
-                    </a:lnR>
-                    <a:lnT w="12700" cap="flat" cmpd="sng" algn="ctr">
-                      <a:solidFill>
-                        <a:srgbClr val="000000"/>
-                      </a:solidFill>
-                      <a:prstDash val="solid"/>
-                      <a:round/>
-                      <a:headEnd type="none" w="med" len="med"/>
-                      <a:tailEnd type="none" w="med" len="med"/>
-                    </a:lnT>
-                    <a:lnB w="12700" cap="flat" cmpd="sng" algn="ctr">
-                      <a:solidFill>
-                        <a:srgbClr val="000000"/>
-                      </a:solidFill>
-                      <a:prstDash val="solid"/>
-                      <a:round/>
-                      <a:headEnd type="none" w="med" len="med"/>
-                      <a:tailEnd type="none" w="med" len="med"/>
-                    </a:lnB>
-                    <a:noFill/>
-                  </a:tcPr>
-                </a:tc>
-              </a:tr>
-              <a:tr h="498231">
-                <a:tc>
-                  <a:txBody>
-                    <a:bodyPr/>
-                    <a:lstStyle/>
-                    <a:p>
-                      <a:pPr algn="ctr"/>
-                      <a:r>
-                        <a:rPr lang="en-US" sz="2000" dirty="0" err="1" smtClean="0">
-                          <a:solidFill>
-                            <a:schemeClr val="tx1"/>
-                          </a:solidFill>
-                        </a:rPr>
-                        <a:t>XGBoost</a:t>
-                      </a:r>
-                      <a:endParaRPr lang="en-US" sz="2000" dirty="0">
-                        <a:solidFill>
-                          <a:schemeClr val="tx1"/>
-                        </a:solidFill>
-                      </a:endParaRPr>
-                    </a:p>
-                  </a:txBody>
-                  <a:tcPr anchor="ctr">
-                    <a:lnL w="12700" cap="flat" cmpd="sng" algn="ctr">
-                      <a:solidFill>
-                        <a:srgbClr val="000000"/>
-                      </a:solidFill>
-                      <a:prstDash val="solid"/>
-                      <a:round/>
-                      <a:headEnd type="none" w="med" len="med"/>
-                      <a:tailEnd type="none" w="med" len="med"/>
-                    </a:lnL>
-                    <a:lnR w="12700" cap="flat" cmpd="sng" algn="ctr">
-                      <a:solidFill>
-                        <a:srgbClr val="000000"/>
-                      </a:solidFill>
-                      <a:prstDash val="solid"/>
-                      <a:round/>
-                      <a:headEnd type="none" w="med" len="med"/>
-                      <a:tailEnd type="none" w="med" len="med"/>
-                    </a:lnR>
-                    <a:lnT w="12700" cap="flat" cmpd="sng" algn="ctr">
-                      <a:solidFill>
-                        <a:srgbClr val="000000"/>
-                      </a:solidFill>
-                      <a:prstDash val="solid"/>
-                      <a:round/>
-                      <a:headEnd type="none" w="med" len="med"/>
-                      <a:tailEnd type="none" w="med" len="med"/>
-                    </a:lnT>
-                    <a:lnB w="12700" cap="flat" cmpd="sng" algn="ctr">
-                      <a:solidFill>
-                        <a:srgbClr val="000000"/>
-                      </a:solidFill>
-                      <a:prstDash val="solid"/>
-                      <a:round/>
-                      <a:headEnd type="none" w="med" len="med"/>
-                      <a:tailEnd type="none" w="med" len="med"/>
-                    </a:lnB>
-                    <a:noFill/>
-                  </a:tcPr>
-                </a:tc>
-                <a:tc>
-                  <a:txBody>
-                    <a:bodyPr/>
-                    <a:lstStyle/>
-                    <a:p>
-                      <a:pPr algn="ctr"/>
-                      <a:r>
-                        <a:rPr lang="en-US" sz="1800" dirty="0" smtClean="0">
-                          <a:solidFill>
-                            <a:schemeClr val="tx1"/>
-                          </a:solidFill>
-                        </a:rPr>
-                        <a:t>TF-IDF*+</a:t>
-                      </a:r>
-                      <a:r>
-                        <a:rPr lang="en-US" sz="1800" dirty="0" err="1" smtClean="0">
-                          <a:solidFill>
-                            <a:schemeClr val="tx1"/>
-                          </a:solidFill>
-                        </a:rPr>
-                        <a:t>Custom+FastText</a:t>
-                      </a:r>
-                      <a:endParaRPr lang="en-US" sz="1800" dirty="0">
-                        <a:solidFill>
-                          <a:schemeClr val="tx1"/>
-                        </a:solidFill>
-                      </a:endParaRPr>
-                    </a:p>
-                  </a:txBody>
-                  <a:tcPr anchor="ctr">
-                    <a:lnL w="12700" cap="flat" cmpd="sng" algn="ctr">
-                      <a:solidFill>
-                        <a:srgbClr val="000000"/>
-                      </a:solidFill>
-                      <a:prstDash val="solid"/>
-                      <a:round/>
-                      <a:headEnd type="none" w="med" len="med"/>
-                      <a:tailEnd type="none" w="med" len="med"/>
-                    </a:lnL>
-                    <a:lnR w="12700" cap="flat" cmpd="sng" algn="ctr">
-                      <a:solidFill>
-                        <a:srgbClr val="000000"/>
-                      </a:solidFill>
-                      <a:prstDash val="solid"/>
-                      <a:round/>
-                      <a:headEnd type="none" w="med" len="med"/>
-                      <a:tailEnd type="none" w="med" len="med"/>
-                    </a:lnR>
-                    <a:lnT w="12700" cap="flat" cmpd="sng" algn="ctr">
-                      <a:solidFill>
-                        <a:srgbClr val="000000"/>
-                      </a:solidFill>
-                      <a:prstDash val="solid"/>
-                      <a:round/>
-                      <a:headEnd type="none" w="med" len="med"/>
-                      <a:tailEnd type="none" w="med" len="med"/>
-                    </a:lnT>
-                    <a:lnB w="12700" cap="flat" cmpd="sng" algn="ctr">
-                      <a:solidFill>
-                        <a:srgbClr val="000000"/>
-                      </a:solidFill>
-                      <a:prstDash val="solid"/>
-                      <a:round/>
-                      <a:headEnd type="none" w="med" len="med"/>
-                      <a:tailEnd type="none" w="med" len="med"/>
-                    </a:lnB>
-                    <a:noFill/>
-                  </a:tcPr>
-                </a:tc>
-                <a:tc>
-                  <a:txBody>
-                    <a:bodyPr/>
-                    <a:lstStyle/>
-                    <a:p>
-                      <a:pPr algn="ctr"/>
-                      <a:r>
-                        <a:rPr lang="en-US" sz="2000" dirty="0" smtClean="0">
-                          <a:solidFill>
-                            <a:schemeClr val="tx1"/>
-                          </a:solidFill>
-                        </a:rPr>
-                        <a:t>0.9062</a:t>
-                      </a:r>
-                      <a:endParaRPr lang="en-US" sz="2000" dirty="0">
-                        <a:solidFill>
-                          <a:schemeClr val="tx1"/>
-                        </a:solidFill>
-                      </a:endParaRPr>
-                    </a:p>
-                  </a:txBody>
-                  <a:tcPr anchor="ctr">
-                    <a:lnL w="12700" cap="flat" cmpd="sng" algn="ctr">
-                      <a:solidFill>
-                        <a:srgbClr val="000000"/>
-                      </a:solidFill>
-                      <a:prstDash val="solid"/>
-                      <a:round/>
-                      <a:headEnd type="none" w="med" len="med"/>
-                      <a:tailEnd type="none" w="med" len="med"/>
-                    </a:lnL>
-                    <a:lnR w="12700" cap="flat" cmpd="sng" algn="ctr">
-                      <a:solidFill>
-                        <a:srgbClr val="000000"/>
-                      </a:solidFill>
-                      <a:prstDash val="solid"/>
-                      <a:round/>
-                      <a:headEnd type="none" w="med" len="med"/>
-                      <a:tailEnd type="none" w="med" len="med"/>
-                    </a:lnR>
-                    <a:lnT w="12700" cap="flat" cmpd="sng" algn="ctr">
-                      <a:solidFill>
-                        <a:srgbClr val="000000"/>
-                      </a:solidFill>
-                      <a:prstDash val="solid"/>
-                      <a:round/>
-                      <a:headEnd type="none" w="med" len="med"/>
-                      <a:tailEnd type="none" w="med" len="med"/>
-                    </a:lnT>
-                    <a:lnB w="12700" cap="flat" cmpd="sng" algn="ctr">
-                      <a:solidFill>
-                        <a:srgbClr val="000000"/>
-                      </a:solidFill>
-                      <a:prstDash val="solid"/>
-                      <a:round/>
-                      <a:headEnd type="none" w="med" len="med"/>
-                      <a:tailEnd type="none" w="med" len="med"/>
-                    </a:lnB>
-                    <a:noFill/>
-                  </a:tcPr>
-                </a:tc>
-                <a:tc>
-                  <a:txBody>
-                    <a:bodyPr/>
-                    <a:lstStyle/>
-                    <a:p>
-                      <a:pPr algn="ctr"/>
-                      <a:r>
-                        <a:rPr lang="en-US" sz="2000" dirty="0" smtClean="0">
-                          <a:solidFill>
-                            <a:schemeClr val="tx1"/>
-                          </a:solidFill>
-                        </a:rPr>
-                        <a:t>0.9085</a:t>
-                      </a:r>
-                      <a:endParaRPr lang="en-US" sz="2000" dirty="0">
-                        <a:solidFill>
-                          <a:schemeClr val="tx1"/>
-                        </a:solidFill>
-                      </a:endParaRPr>
-                    </a:p>
-                  </a:txBody>
-                  <a:tcPr anchor="ctr">
-                    <a:lnL w="12700" cap="flat" cmpd="sng" algn="ctr">
-                      <a:solidFill>
-                        <a:srgbClr val="000000"/>
-                      </a:solidFill>
-                      <a:prstDash val="solid"/>
-                      <a:round/>
-                      <a:headEnd type="none" w="med" len="med"/>
-                      <a:tailEnd type="none" w="med" len="med"/>
-                    </a:lnL>
-                    <a:lnR w="12700" cap="flat" cmpd="sng" algn="ctr">
-                      <a:solidFill>
-                        <a:srgbClr val="000000"/>
-                      </a:solidFill>
-                      <a:prstDash val="solid"/>
-                      <a:round/>
-                      <a:headEnd type="none" w="med" len="med"/>
-                      <a:tailEnd type="none" w="med" len="med"/>
-                    </a:lnR>
-                    <a:lnT w="12700" cap="flat" cmpd="sng" algn="ctr">
-                      <a:solidFill>
-                        <a:srgbClr val="000000"/>
-                      </a:solidFill>
-                      <a:prstDash val="solid"/>
-                      <a:round/>
-                      <a:headEnd type="none" w="med" len="med"/>
-                      <a:tailEnd type="none" w="med" len="med"/>
-                    </a:lnT>
-                    <a:lnB w="12700" cap="flat" cmpd="sng" algn="ctr">
-                      <a:solidFill>
-                        <a:srgbClr val="000000"/>
-                      </a:solidFill>
-                      <a:prstDash val="solid"/>
-                      <a:round/>
-                      <a:headEnd type="none" w="med" len="med"/>
-                      <a:tailEnd type="none" w="med" len="med"/>
-                    </a:lnB>
-                    <a:noFill/>
-                  </a:tcPr>
-                </a:tc>
-                <a:tc>
-                  <a:txBody>
-                    <a:bodyPr/>
-                    <a:lstStyle/>
-                    <a:p>
-                      <a:pPr algn="ctr"/>
-                      <a:r>
-                        <a:rPr lang="en-US" sz="2000" dirty="0" smtClean="0">
-                          <a:solidFill>
-                            <a:schemeClr val="tx1"/>
-                          </a:solidFill>
-                        </a:rPr>
-                        <a:t>0.9074</a:t>
-                      </a:r>
-                      <a:endParaRPr lang="en-US" sz="2000" dirty="0">
-                        <a:solidFill>
-                          <a:schemeClr val="tx1"/>
-                        </a:solidFill>
-                      </a:endParaRPr>
-                    </a:p>
-                  </a:txBody>
-                  <a:tcPr anchor="ctr">
-                    <a:lnL w="12700" cap="flat" cmpd="sng" algn="ctr">
-                      <a:solidFill>
-                        <a:srgbClr val="000000"/>
-                      </a:solidFill>
-                      <a:prstDash val="solid"/>
-                      <a:round/>
-                      <a:headEnd type="none" w="med" len="med"/>
-                      <a:tailEnd type="none" w="med" len="med"/>
-                    </a:lnL>
-                    <a:lnR w="12700" cap="flat" cmpd="sng" algn="ctr">
-                      <a:solidFill>
-                        <a:srgbClr val="000000"/>
-                      </a:solidFill>
-                      <a:prstDash val="solid"/>
-                      <a:round/>
-                      <a:headEnd type="none" w="med" len="med"/>
-                      <a:tailEnd type="none" w="med" len="med"/>
-                    </a:lnR>
-                    <a:lnT w="12700" cap="flat" cmpd="sng" algn="ctr">
-                      <a:solidFill>
-                        <a:srgbClr val="000000"/>
-                      </a:solidFill>
-                      <a:prstDash val="solid"/>
-                      <a:round/>
-                      <a:headEnd type="none" w="med" len="med"/>
-                      <a:tailEnd type="none" w="med" len="med"/>
-                    </a:lnT>
-                    <a:lnB w="12700" cap="flat" cmpd="sng" algn="ctr">
-                      <a:solidFill>
-                        <a:srgbClr val="000000"/>
-                      </a:solidFill>
-                      <a:prstDash val="solid"/>
-                      <a:round/>
-                      <a:headEnd type="none" w="med" len="med"/>
-                      <a:tailEnd type="none" w="med" len="med"/>
-                    </a:lnB>
-                    <a:noFill/>
-                  </a:tcPr>
-                </a:tc>
-                <a:tc>
-                  <a:txBody>
-                    <a:bodyPr/>
-                    <a:lstStyle/>
-                    <a:p>
-                      <a:pPr algn="ctr"/>
-                      <a:r>
-                        <a:rPr lang="en-US" sz="2000" dirty="0" smtClean="0">
-                          <a:solidFill>
-                            <a:schemeClr val="tx1"/>
-                          </a:solidFill>
-                        </a:rPr>
-                        <a:t>0.9097</a:t>
-                      </a:r>
-                      <a:endParaRPr lang="en-US" sz="2000" dirty="0">
-                        <a:solidFill>
-                          <a:schemeClr val="tx1"/>
-                        </a:solidFill>
-                      </a:endParaRPr>
-                    </a:p>
-                  </a:txBody>
-                  <a:tcPr anchor="ctr">
-                    <a:lnL w="12700" cap="flat" cmpd="sng" algn="ctr">
-                      <a:solidFill>
-                        <a:srgbClr val="000000"/>
-                      </a:solidFill>
-                      <a:prstDash val="solid"/>
-                      <a:round/>
-                      <a:headEnd type="none" w="med" len="med"/>
-                      <a:tailEnd type="none" w="med" len="med"/>
-                    </a:lnL>
-                    <a:lnR w="12700" cap="flat" cmpd="sng" algn="ctr">
-                      <a:solidFill>
-                        <a:srgbClr val="000000"/>
-                      </a:solidFill>
-                      <a:prstDash val="solid"/>
-                      <a:round/>
-                      <a:headEnd type="none" w="med" len="med"/>
-                      <a:tailEnd type="none" w="med" len="med"/>
-                    </a:lnR>
-                    <a:lnT w="12700" cap="flat" cmpd="sng" algn="ctr">
-                      <a:solidFill>
-                        <a:srgbClr val="000000"/>
-                      </a:solidFill>
-                      <a:prstDash val="solid"/>
-                      <a:round/>
-                      <a:headEnd type="none" w="med" len="med"/>
-                      <a:tailEnd type="none" w="med" len="med"/>
-                    </a:lnT>
-                    <a:lnB w="12700" cap="flat" cmpd="sng" algn="ctr">
-                      <a:solidFill>
-                        <a:srgbClr val="000000"/>
-                      </a:solidFill>
-                      <a:prstDash val="solid"/>
-                      <a:round/>
-                      <a:headEnd type="none" w="med" len="med"/>
-                      <a:tailEnd type="none" w="med" len="med"/>
-                    </a:lnB>
-                    <a:noFill/>
-                  </a:tcPr>
-                </a:tc>
-              </a:tr>
-              <a:tr h="498231">
-                <a:tc>
-                  <a:txBody>
-                    <a:bodyPr/>
-                    <a:lstStyle/>
-                    <a:p>
-                      <a:pPr algn="ctr"/>
-                      <a:r>
-                        <a:rPr lang="en-US" sz="2000" dirty="0" smtClean="0">
-                          <a:solidFill>
-                            <a:schemeClr val="tx1"/>
-                          </a:solidFill>
-                        </a:rPr>
-                        <a:t>CNN</a:t>
-                      </a:r>
-                      <a:endParaRPr lang="en-US" sz="2000" dirty="0">
-                        <a:solidFill>
-                          <a:schemeClr val="tx1"/>
-                        </a:solidFill>
-                      </a:endParaRPr>
-                    </a:p>
-                  </a:txBody>
-                  <a:tcPr anchor="ctr">
-                    <a:lnL w="12700" cap="flat" cmpd="sng" algn="ctr">
-                      <a:solidFill>
-                        <a:srgbClr val="000000"/>
-                      </a:solidFill>
-                      <a:prstDash val="solid"/>
-                      <a:round/>
-                      <a:headEnd type="none" w="med" len="med"/>
-                      <a:tailEnd type="none" w="med" len="med"/>
-                    </a:lnL>
-                    <a:lnR w="12700" cap="flat" cmpd="sng" algn="ctr">
-                      <a:solidFill>
-                        <a:srgbClr val="000000"/>
-                      </a:solidFill>
-                      <a:prstDash val="solid"/>
-                      <a:round/>
-                      <a:headEnd type="none" w="med" len="med"/>
-                      <a:tailEnd type="none" w="med" len="med"/>
-                    </a:lnR>
-                    <a:lnT w="12700" cap="flat" cmpd="sng" algn="ctr">
-                      <a:solidFill>
-                        <a:srgbClr val="000000"/>
-                      </a:solidFill>
-                      <a:prstDash val="solid"/>
-                      <a:round/>
-                      <a:headEnd type="none" w="med" len="med"/>
-                      <a:tailEnd type="none" w="med" len="med"/>
-                    </a:lnT>
-                    <a:lnB w="12700" cap="flat" cmpd="sng" algn="ctr">
-                      <a:solidFill>
-                        <a:srgbClr val="000000"/>
-                      </a:solidFill>
-                      <a:prstDash val="solid"/>
-                      <a:round/>
-                      <a:headEnd type="none" w="med" len="med"/>
-                      <a:tailEnd type="none" w="med" len="med"/>
-                    </a:lnB>
-                    <a:noFill/>
-                  </a:tcPr>
-                </a:tc>
-                <a:tc>
-                  <a:txBody>
-                    <a:bodyPr/>
-                    <a:lstStyle/>
-                    <a:p>
-                      <a:pPr algn="ctr"/>
-                      <a:r>
-                        <a:rPr lang="en-US" sz="1800" dirty="0" err="1" smtClean="0">
-                          <a:solidFill>
-                            <a:schemeClr val="tx1"/>
-                          </a:solidFill>
-                        </a:rPr>
-                        <a:t>FastText</a:t>
-                      </a:r>
-                      <a:r>
-                        <a:rPr lang="en-US" sz="1800" dirty="0" smtClean="0">
-                          <a:solidFill>
-                            <a:schemeClr val="tx1"/>
-                          </a:solidFill>
-                        </a:rPr>
-                        <a:t> (1K words)</a:t>
-                      </a:r>
-                      <a:endParaRPr lang="en-US" sz="1800" dirty="0">
-                        <a:solidFill>
-                          <a:schemeClr val="tx1"/>
-                        </a:solidFill>
-                      </a:endParaRPr>
-                    </a:p>
-                  </a:txBody>
-                  <a:tcPr anchor="ctr">
-                    <a:lnL w="12700" cap="flat" cmpd="sng" algn="ctr">
-                      <a:solidFill>
-                        <a:srgbClr val="000000"/>
-                      </a:solidFill>
-                      <a:prstDash val="solid"/>
-                      <a:round/>
-                      <a:headEnd type="none" w="med" len="med"/>
-                      <a:tailEnd type="none" w="med" len="med"/>
-                    </a:lnL>
-                    <a:lnR w="12700" cap="flat" cmpd="sng" algn="ctr">
-                      <a:solidFill>
-                        <a:srgbClr val="000000"/>
-                      </a:solidFill>
-                      <a:prstDash val="solid"/>
-                      <a:round/>
-                      <a:headEnd type="none" w="med" len="med"/>
-                      <a:tailEnd type="none" w="med" len="med"/>
-                    </a:lnR>
-                    <a:lnT w="12700" cap="flat" cmpd="sng" algn="ctr">
-                      <a:solidFill>
-                        <a:srgbClr val="000000"/>
-                      </a:solidFill>
-                      <a:prstDash val="solid"/>
-                      <a:round/>
-                      <a:headEnd type="none" w="med" len="med"/>
-                      <a:tailEnd type="none" w="med" len="med"/>
-                    </a:lnT>
-                    <a:lnB w="12700" cap="flat" cmpd="sng" algn="ctr">
-                      <a:solidFill>
-                        <a:srgbClr val="000000"/>
-                      </a:solidFill>
-                      <a:prstDash val="solid"/>
-                      <a:round/>
-                      <a:headEnd type="none" w="med" len="med"/>
-                      <a:tailEnd type="none" w="med" len="med"/>
-                    </a:lnB>
-                    <a:noFill/>
-                  </a:tcPr>
-                </a:tc>
-                <a:tc>
-                  <a:txBody>
-                    <a:bodyPr/>
-                    <a:lstStyle/>
-                    <a:p>
-                      <a:pPr algn="ctr"/>
-                      <a:r>
-                        <a:rPr lang="en-US" sz="2000" dirty="0" smtClean="0">
-                          <a:solidFill>
-                            <a:schemeClr val="tx1"/>
-                          </a:solidFill>
-                        </a:rPr>
-                        <a:t>0.9270</a:t>
-                      </a:r>
-                      <a:endParaRPr lang="en-US" sz="2000" dirty="0">
-                        <a:solidFill>
-                          <a:schemeClr val="tx1"/>
-                        </a:solidFill>
-                      </a:endParaRPr>
-                    </a:p>
-                  </a:txBody>
-                  <a:tcPr anchor="ctr">
-                    <a:lnL w="12700" cap="flat" cmpd="sng" algn="ctr">
-                      <a:solidFill>
-                        <a:srgbClr val="000000"/>
-                      </a:solidFill>
-                      <a:prstDash val="solid"/>
-                      <a:round/>
-                      <a:headEnd type="none" w="med" len="med"/>
-                      <a:tailEnd type="none" w="med" len="med"/>
-                    </a:lnL>
-                    <a:lnR w="12700" cap="flat" cmpd="sng" algn="ctr">
-                      <a:solidFill>
-                        <a:srgbClr val="000000"/>
-                      </a:solidFill>
-                      <a:prstDash val="solid"/>
-                      <a:round/>
-                      <a:headEnd type="none" w="med" len="med"/>
-                      <a:tailEnd type="none" w="med" len="med"/>
-                    </a:lnR>
-                    <a:lnT w="12700" cap="flat" cmpd="sng" algn="ctr">
-                      <a:solidFill>
-                        <a:srgbClr val="000000"/>
-                      </a:solidFill>
-                      <a:prstDash val="solid"/>
-                      <a:round/>
-                      <a:headEnd type="none" w="med" len="med"/>
-                      <a:tailEnd type="none" w="med" len="med"/>
-                    </a:lnT>
-                    <a:lnB w="12700" cap="flat" cmpd="sng" algn="ctr">
-                      <a:solidFill>
-                        <a:srgbClr val="000000"/>
-                      </a:solidFill>
-                      <a:prstDash val="solid"/>
-                      <a:round/>
-                      <a:headEnd type="none" w="med" len="med"/>
-                      <a:tailEnd type="none" w="med" len="med"/>
-                    </a:lnB>
-                    <a:noFill/>
-                  </a:tcPr>
-                </a:tc>
-                <a:tc>
-                  <a:txBody>
-                    <a:bodyPr/>
-                    <a:lstStyle/>
-                    <a:p>
-                      <a:pPr algn="ctr"/>
-                      <a:r>
-                        <a:rPr lang="en-US" sz="2000" dirty="0" smtClean="0">
-                          <a:solidFill>
-                            <a:schemeClr val="tx1"/>
-                          </a:solidFill>
-                        </a:rPr>
-                        <a:t>0.9279</a:t>
-                      </a:r>
-                      <a:endParaRPr lang="en-US" sz="2000" dirty="0">
-                        <a:solidFill>
-                          <a:schemeClr val="tx1"/>
-                        </a:solidFill>
-                      </a:endParaRPr>
-                    </a:p>
-                  </a:txBody>
-                  <a:tcPr anchor="ctr">
-                    <a:lnL w="12700" cap="flat" cmpd="sng" algn="ctr">
-                      <a:solidFill>
-                        <a:srgbClr val="000000"/>
-                      </a:solidFill>
-                      <a:prstDash val="solid"/>
-                      <a:round/>
-                      <a:headEnd type="none" w="med" len="med"/>
-                      <a:tailEnd type="none" w="med" len="med"/>
-                    </a:lnL>
-                    <a:lnR w="12700" cap="flat" cmpd="sng" algn="ctr">
-                      <a:solidFill>
-                        <a:srgbClr val="000000"/>
-                      </a:solidFill>
-                      <a:prstDash val="solid"/>
-                      <a:round/>
-                      <a:headEnd type="none" w="med" len="med"/>
-                      <a:tailEnd type="none" w="med" len="med"/>
-                    </a:lnR>
-                    <a:lnT w="12700" cap="flat" cmpd="sng" algn="ctr">
-                      <a:solidFill>
-                        <a:srgbClr val="000000"/>
-                      </a:solidFill>
-                      <a:prstDash val="solid"/>
-                      <a:round/>
-                      <a:headEnd type="none" w="med" len="med"/>
-                      <a:tailEnd type="none" w="med" len="med"/>
-                    </a:lnT>
-                    <a:lnB w="12700" cap="flat" cmpd="sng" algn="ctr">
-                      <a:solidFill>
-                        <a:srgbClr val="000000"/>
-                      </a:solidFill>
-                      <a:prstDash val="solid"/>
-                      <a:round/>
-                      <a:headEnd type="none" w="med" len="med"/>
-                      <a:tailEnd type="none" w="med" len="med"/>
-                    </a:lnB>
-                    <a:noFill/>
-                  </a:tcPr>
-                </a:tc>
-                <a:tc>
-                  <a:txBody>
-                    <a:bodyPr/>
-                    <a:lstStyle/>
-                    <a:p>
-                      <a:pPr algn="ctr"/>
-                      <a:r>
-                        <a:rPr lang="en-US" sz="2000" dirty="0" smtClean="0">
-                          <a:solidFill>
-                            <a:schemeClr val="tx1"/>
-                          </a:solidFill>
-                        </a:rPr>
-                        <a:t>0.9388</a:t>
-                      </a:r>
-                      <a:endParaRPr lang="en-US" sz="2000" dirty="0">
-                        <a:solidFill>
-                          <a:schemeClr val="tx1"/>
-                        </a:solidFill>
-                      </a:endParaRPr>
-                    </a:p>
-                  </a:txBody>
-                  <a:tcPr anchor="ctr">
-                    <a:lnL w="12700" cap="flat" cmpd="sng" algn="ctr">
-                      <a:solidFill>
-                        <a:srgbClr val="000000"/>
-                      </a:solidFill>
-                      <a:prstDash val="solid"/>
-                      <a:round/>
-                      <a:headEnd type="none" w="med" len="med"/>
-                      <a:tailEnd type="none" w="med" len="med"/>
-                    </a:lnL>
-                    <a:lnR w="12700" cap="flat" cmpd="sng" algn="ctr">
-                      <a:solidFill>
-                        <a:srgbClr val="000000"/>
-                      </a:solidFill>
-                      <a:prstDash val="solid"/>
-                      <a:round/>
-                      <a:headEnd type="none" w="med" len="med"/>
-                      <a:tailEnd type="none" w="med" len="med"/>
-                    </a:lnR>
-                    <a:lnT w="12700" cap="flat" cmpd="sng" algn="ctr">
-                      <a:solidFill>
-                        <a:srgbClr val="000000"/>
-                      </a:solidFill>
-                      <a:prstDash val="solid"/>
-                      <a:round/>
-                      <a:headEnd type="none" w="med" len="med"/>
-                      <a:tailEnd type="none" w="med" len="med"/>
-                    </a:lnT>
-                    <a:lnB w="12700" cap="flat" cmpd="sng" algn="ctr">
-                      <a:solidFill>
-                        <a:srgbClr val="000000"/>
-                      </a:solidFill>
-                      <a:prstDash val="solid"/>
-                      <a:round/>
-                      <a:headEnd type="none" w="med" len="med"/>
-                      <a:tailEnd type="none" w="med" len="med"/>
-                    </a:lnB>
-                    <a:noFill/>
-                  </a:tcPr>
-                </a:tc>
-                <a:tc>
-                  <a:txBody>
-                    <a:bodyPr/>
-                    <a:lstStyle/>
-                    <a:p>
-                      <a:pPr algn="ctr"/>
-                      <a:r>
-                        <a:rPr lang="en-US" sz="2000" dirty="0" smtClean="0">
-                          <a:solidFill>
-                            <a:schemeClr val="tx1"/>
-                          </a:solidFill>
-                        </a:rPr>
-                        <a:t>0.9173</a:t>
-                      </a:r>
-                      <a:endParaRPr lang="en-US" sz="2000" dirty="0">
-                        <a:solidFill>
-                          <a:schemeClr val="tx1"/>
-                        </a:solidFill>
-                      </a:endParaRPr>
-                    </a:p>
-                  </a:txBody>
-                  <a:tcPr anchor="ctr">
-                    <a:lnL w="12700" cap="flat" cmpd="sng" algn="ctr">
-                      <a:solidFill>
-                        <a:srgbClr val="000000"/>
-                      </a:solidFill>
-                      <a:prstDash val="solid"/>
-                      <a:round/>
-                      <a:headEnd type="none" w="med" len="med"/>
-                      <a:tailEnd type="none" w="med" len="med"/>
-                    </a:lnL>
-                    <a:lnR w="12700" cap="flat" cmpd="sng" algn="ctr">
-                      <a:solidFill>
-                        <a:srgbClr val="000000"/>
-                      </a:solidFill>
-                      <a:prstDash val="solid"/>
-                      <a:round/>
-                      <a:headEnd type="none" w="med" len="med"/>
-                      <a:tailEnd type="none" w="med" len="med"/>
-                    </a:lnR>
-                    <a:lnT w="12700" cap="flat" cmpd="sng" algn="ctr">
-                      <a:solidFill>
-                        <a:srgbClr val="000000"/>
-                      </a:solidFill>
-                      <a:prstDash val="solid"/>
-                      <a:round/>
-                      <a:headEnd type="none" w="med" len="med"/>
-                      <a:tailEnd type="none" w="med" len="med"/>
-                    </a:lnT>
-                    <a:lnB w="12700" cap="flat" cmpd="sng" algn="ctr">
-                      <a:solidFill>
-                        <a:srgbClr val="000000"/>
-                      </a:solidFill>
-                      <a:prstDash val="solid"/>
-                      <a:round/>
-                      <a:headEnd type="none" w="med" len="med"/>
-                      <a:tailEnd type="none" w="med" len="med"/>
-                    </a:lnB>
-                    <a:noFill/>
-                  </a:tcPr>
-                </a:tc>
+                <a:extLst>
+                  <a:ext uri="{0D108BD9-81ED-4DB2-BD59-A6C34878D82A}">
+                    <a16:rowId xmlns:a16="http://schemas.microsoft.com/office/drawing/2014/main" val="10001"/>
+                  </a:ext>
+                </a:extLst>
               </a:tr>
             </a:tbl>
           </a:graphicData>
@@ -8457,14 +5751,20 @@
       </p:graphicFrame>
       <p:sp>
         <p:nvSpPr>
-          <p:cNvPr id="3072" name="TextBox 3071"/>
+          <p:cNvPr id="45" name="TextBox 44">
+            <a:extLst>
+              <a:ext uri="{FF2B5EF4-FFF2-40B4-BE49-F238E27FC236}">
+                <a16:creationId xmlns:a16="http://schemas.microsoft.com/office/drawing/2014/main" id="{5C311803-C313-5447-8D43-CE4D90BB5422}"/>
+              </a:ext>
+            </a:extLst>
+          </p:cNvPr>
           <p:cNvSpPr txBox="1"/>
           <p:nvPr/>
         </p:nvSpPr>
         <p:spPr>
           <a:xfrm>
-            <a:off x="17297400" y="8382000"/>
-            <a:ext cx="5715000" cy="2585323"/>
+            <a:off x="838199" y="3308383"/>
+            <a:ext cx="6400801" cy="3046988"/>
           </a:xfrm>
           <a:prstGeom prst="rect">
             <a:avLst/>
@@ -8477,96 +5777,105 @@
           </a:bodyPr>
           <a:lstStyle/>
           <a:p>
-            <a:r>
-              <a:rPr lang="en-US" b="1" dirty="0" smtClean="0"/>
-              <a:t>Figure 1.  </a:t>
-            </a:r>
-            <a:endParaRPr lang="en-US" b="1" dirty="0" smtClean="0"/>
-          </a:p>
-          <a:p>
-            <a:r>
-              <a:rPr lang="en-US" b="1" dirty="0" smtClean="0"/>
-              <a:t>(a)  </a:t>
-            </a:r>
-            <a:r>
-              <a:rPr lang="en-US" dirty="0" smtClean="0"/>
-              <a:t>Graphical </a:t>
-            </a:r>
-            <a:r>
-              <a:rPr lang="en-US" dirty="0" smtClean="0"/>
-              <a:t>representation of how the Bag of Words model represents a text.  </a:t>
-            </a:r>
-            <a:endParaRPr lang="en-US" dirty="0" smtClean="0"/>
-          </a:p>
-          <a:p>
-            <a:r>
-              <a:rPr lang="en-US" b="1" dirty="0" smtClean="0"/>
-              <a:t>(b)</a:t>
-            </a:r>
-            <a:r>
-              <a:rPr lang="en-US" dirty="0" smtClean="0"/>
-              <a:t>  Graphical </a:t>
-            </a:r>
-            <a:r>
-              <a:rPr lang="en-US" dirty="0" smtClean="0"/>
-              <a:t>representation of how </a:t>
-            </a:r>
-            <a:r>
-              <a:rPr lang="en-US" dirty="0" err="1" smtClean="0"/>
-              <a:t>FastText</a:t>
-            </a:r>
-            <a:r>
-              <a:rPr lang="en-US" dirty="0"/>
-              <a:t> </a:t>
-            </a:r>
-            <a:r>
-              <a:rPr lang="en-US" dirty="0" smtClean="0"/>
-              <a:t>word vectors are generated.  </a:t>
-            </a:r>
-            <a:endParaRPr lang="en-US" dirty="0" smtClean="0"/>
-          </a:p>
-          <a:p>
-            <a:r>
-              <a:rPr lang="en-US" b="1" dirty="0" smtClean="0"/>
-              <a:t>(</a:t>
-            </a:r>
-            <a:r>
-              <a:rPr lang="en-US" b="1" dirty="0" smtClean="0"/>
-              <a:t>c) </a:t>
-            </a:r>
-            <a:r>
-              <a:rPr lang="en-US" dirty="0" smtClean="0"/>
-              <a:t>Graphical representation of the convolutional neural network used.  </a:t>
-            </a:r>
-            <a:endParaRPr lang="en-US" dirty="0" smtClean="0"/>
-          </a:p>
-          <a:p>
-            <a:r>
-              <a:rPr lang="en-US" b="1" dirty="0" smtClean="0"/>
-              <a:t>(</a:t>
-            </a:r>
-            <a:r>
-              <a:rPr lang="en-US" b="1" dirty="0" smtClean="0"/>
-              <a:t>d)</a:t>
-            </a:r>
-            <a:r>
-              <a:rPr lang="en-US" dirty="0" smtClean="0"/>
-              <a:t>  Flowchart describing how a text is iteratively mutated to become more “fake”</a:t>
-            </a:r>
-            <a:endParaRPr lang="en-US" b="1" dirty="0"/>
-          </a:p>
-        </p:txBody>
-      </p:sp>
-      <p:sp>
-        <p:nvSpPr>
-          <p:cNvPr id="3073" name="TextBox 3072"/>
+            <a:pPr algn="just"/>
+            <a:r>
+              <a:rPr lang="en-US" sz="2400" dirty="0"/>
+              <a:t>For the final project for CS 224N: Natural Language Processing with Deep Learning, we implemented a machine comprehension model that utilizes a character-level CNN, </a:t>
+            </a:r>
+            <a:r>
+              <a:rPr lang="en-US" sz="2400" dirty="0" err="1"/>
+              <a:t>BiDirectional</a:t>
+            </a:r>
+            <a:r>
+              <a:rPr lang="en-US" sz="2400" dirty="0"/>
+              <a:t> Attention Flow (</a:t>
+            </a:r>
+            <a:r>
+              <a:rPr lang="en-US" sz="2400" dirty="0" err="1"/>
+              <a:t>BiDAF</a:t>
+            </a:r>
+            <a:r>
+              <a:rPr lang="en-US" sz="2400" dirty="0"/>
+              <a:t>), and a modeling layer. We achieved a maximum F1 score of ??? and an EM score of ??? on the test set.</a:t>
+            </a:r>
+          </a:p>
+        </p:txBody>
+      </p:sp>
+      <p:sp>
+        <p:nvSpPr>
+          <p:cNvPr id="50" name="Rectangle 583">
+            <a:extLst>
+              <a:ext uri="{FF2B5EF4-FFF2-40B4-BE49-F238E27FC236}">
+                <a16:creationId xmlns:a16="http://schemas.microsoft.com/office/drawing/2014/main" id="{DBFA93A6-DC3D-FB4C-B772-88B8F8848121}"/>
+              </a:ext>
+            </a:extLst>
+          </p:cNvPr>
+          <p:cNvSpPr>
+            <a:spLocks noChangeAspect="1" noChangeArrowheads="1"/>
+          </p:cNvSpPr>
+          <p:nvPr/>
+        </p:nvSpPr>
+        <p:spPr bwMode="auto">
+          <a:xfrm>
+            <a:off x="838199" y="6442929"/>
+            <a:ext cx="6402920" cy="492443"/>
+          </a:xfrm>
+          <a:prstGeom prst="rect">
+            <a:avLst/>
+          </a:prstGeom>
+          <a:solidFill>
+            <a:srgbClr val="8B1336"/>
+          </a:solidFill>
+          <a:ln>
+            <a:noFill/>
+          </a:ln>
+          <a:extLst>
+            <a:ext uri="{91240B29-F687-4f45-9708-019B960494DF}">
+              <a14:hiddenLine xmlns:a14="http://schemas.microsoft.com/office/drawing/2010/main" xmlns="" w="9525">
+                <a:solidFill>
+                  <a:srgbClr val="000000"/>
+                </a:solidFill>
+                <a:miter lim="800000"/>
+                <a:headEnd/>
+                <a:tailEnd/>
+              </a14:hiddenLine>
+            </a:ext>
+          </a:extLst>
+        </p:spPr>
+        <p:txBody>
+          <a:bodyPr wrap="square" lIns="0" tIns="0" rIns="0" bIns="0">
+            <a:spAutoFit/>
+          </a:bodyPr>
+          <a:lstStyle/>
+          <a:p>
+            <a:pPr algn="ctr"/>
+            <a:r>
+              <a:rPr lang="en-US" sz="3200" b="1" dirty="0">
+                <a:solidFill>
+                  <a:srgbClr val="FFFFFF"/>
+                </a:solidFill>
+              </a:rPr>
+              <a:t>Motivation</a:t>
+            </a:r>
+          </a:p>
+        </p:txBody>
+      </p:sp>
+      <p:sp>
+        <p:nvSpPr>
+          <p:cNvPr id="51" name="TextBox 50">
+            <a:extLst>
+              <a:ext uri="{FF2B5EF4-FFF2-40B4-BE49-F238E27FC236}">
+                <a16:creationId xmlns:a16="http://schemas.microsoft.com/office/drawing/2014/main" id="{5CE92598-7855-C841-A270-3FCDD80B2AE8}"/>
+              </a:ext>
+            </a:extLst>
+          </p:cNvPr>
           <p:cNvSpPr txBox="1"/>
           <p:nvPr/>
         </p:nvSpPr>
         <p:spPr>
           <a:xfrm>
-            <a:off x="6248400" y="3200400"/>
-            <a:ext cx="398629" cy="553998"/>
+            <a:off x="838199" y="7022930"/>
+            <a:ext cx="6400801" cy="6740307"/>
           </a:xfrm>
           <a:prstGeom prst="rect">
             <a:avLst/>
@@ -8574,112 +5883,308 @@
           <a:noFill/>
         </p:spPr>
         <p:txBody>
-          <a:bodyPr wrap="none" rtlCol="0">
+          <a:bodyPr wrap="square" rtlCol="0">
             <a:spAutoFit/>
           </a:bodyPr>
           <a:lstStyle/>
           <a:p>
-            <a:r>
-              <a:rPr lang="en-US" sz="3000" b="1" dirty="0" smtClean="0"/>
-              <a:t>a</a:t>
-            </a:r>
-            <a:endParaRPr lang="en-US" sz="3000" b="1" dirty="0"/>
-          </a:p>
-        </p:txBody>
-      </p:sp>
-      <p:sp>
-        <p:nvSpPr>
-          <p:cNvPr id="38" name="TextBox 37"/>
-          <p:cNvSpPr txBox="1"/>
-          <p:nvPr/>
-        </p:nvSpPr>
-        <p:spPr>
-          <a:xfrm>
-            <a:off x="18135600" y="3276600"/>
-            <a:ext cx="419669" cy="553998"/>
-          </a:xfrm>
-          <a:prstGeom prst="rect">
-            <a:avLst/>
-          </a:prstGeom>
-          <a:noFill/>
-        </p:spPr>
-        <p:txBody>
-          <a:bodyPr wrap="none" rtlCol="0">
-            <a:spAutoFit/>
-          </a:bodyPr>
-          <a:lstStyle/>
-          <a:p>
-            <a:r>
-              <a:rPr lang="en-US" sz="3000" b="1" dirty="0" smtClean="0"/>
-              <a:t>d</a:t>
-            </a:r>
-            <a:endParaRPr lang="en-US" sz="3000" b="1" dirty="0"/>
-          </a:p>
-        </p:txBody>
-      </p:sp>
-      <p:sp>
-        <p:nvSpPr>
-          <p:cNvPr id="40" name="TextBox 39"/>
-          <p:cNvSpPr txBox="1"/>
-          <p:nvPr/>
-        </p:nvSpPr>
-        <p:spPr>
-          <a:xfrm>
-            <a:off x="12344400" y="3276600"/>
-            <a:ext cx="419669" cy="553998"/>
-          </a:xfrm>
-          <a:prstGeom prst="rect">
-            <a:avLst/>
-          </a:prstGeom>
-          <a:noFill/>
-        </p:spPr>
-        <p:txBody>
-          <a:bodyPr wrap="none" rtlCol="0">
-            <a:spAutoFit/>
-          </a:bodyPr>
-          <a:lstStyle/>
-          <a:p>
-            <a:r>
-              <a:rPr lang="en-US" sz="3000" b="1" dirty="0"/>
-              <a:t>b</a:t>
+            <a:pPr algn="just"/>
+            <a:r>
+              <a:rPr lang="en-US" sz="2400" dirty="0"/>
+              <a:t>For humans, reading and understanding text, images, audio, and other inputs seems like second nature.  However, for computers, this remains an open problem.  Done correctly, machine comprehension has the potential to streamline a myriad of real-world problems, from answering Jeopardy questions to searching through medical articles and records.  Rather than having to manually search through relevant articles to find answers to questions, having an operational machine comprehension system would allow automatic detection of key pieces of text within the actual articles, saving hours upon hours of time.  Therefore, we attempt to improve on current NLP and deep learning models for this question and answering problem.</a:t>
             </a:r>
           </a:p>
         </p:txBody>
       </p:sp>
       <p:pic>
         <p:nvPicPr>
-          <p:cNvPr id="3075" name="Picture 3074"/>
+          <p:cNvPr id="23" name="Picture 22">
+            <a:extLst>
+              <a:ext uri="{FF2B5EF4-FFF2-40B4-BE49-F238E27FC236}">
+                <a16:creationId xmlns:a16="http://schemas.microsoft.com/office/drawing/2014/main" id="{D308CFD4-934C-994E-80A9-71813C625E55}"/>
+              </a:ext>
+            </a:extLst>
+          </p:cNvPr>
           <p:cNvPicPr>
             <a:picLocks noChangeAspect="1"/>
           </p:cNvPicPr>
           <p:nvPr/>
         </p:nvPicPr>
         <p:blipFill>
-          <a:blip r:embed="rId7"/>
+          <a:blip r:embed="rId4">
+            <a:extLst>
+              <a:ext uri="{28A0092B-C50C-407E-A947-70E740481C1C}">
+                <a14:useLocalDpi xmlns:a14="http://schemas.microsoft.com/office/drawing/2010/main" val="0"/>
+              </a:ext>
+            </a:extLst>
+          </a:blip>
           <a:stretch>
             <a:fillRect/>
           </a:stretch>
         </p:blipFill>
         <p:spPr>
           <a:xfrm>
-            <a:off x="6172200" y="7010400"/>
-            <a:ext cx="11125200" cy="4474385"/>
+            <a:off x="7690792" y="3352800"/>
+            <a:ext cx="15236891" cy="8763000"/>
           </a:xfrm>
           <a:prstGeom prst="rect">
             <a:avLst/>
           </a:prstGeom>
         </p:spPr>
       </p:pic>
-      <p:sp>
-        <p:nvSpPr>
-          <p:cNvPr id="39" name="TextBox 38"/>
+      <p:grpSp>
+        <p:nvGrpSpPr>
+          <p:cNvPr id="58" name="Group 57">
+            <a:extLst>
+              <a:ext uri="{FF2B5EF4-FFF2-40B4-BE49-F238E27FC236}">
+                <a16:creationId xmlns:a16="http://schemas.microsoft.com/office/drawing/2014/main" id="{505EA39E-B68D-1841-96D9-53F7BCF9505F}"/>
+              </a:ext>
+            </a:extLst>
+          </p:cNvPr>
+          <p:cNvGrpSpPr/>
+          <p:nvPr/>
+        </p:nvGrpSpPr>
+        <p:grpSpPr>
+          <a:xfrm>
+            <a:off x="14127480" y="12847970"/>
+            <a:ext cx="8769096" cy="2880360"/>
+            <a:chOff x="14127480" y="9747504"/>
+            <a:chExt cx="8769096" cy="2880360"/>
+          </a:xfrm>
+        </p:grpSpPr>
+        <p:pic>
+          <p:nvPicPr>
+            <p:cNvPr id="25" name="Picture 24">
+              <a:extLst>
+                <a:ext uri="{FF2B5EF4-FFF2-40B4-BE49-F238E27FC236}">
+                  <a16:creationId xmlns:a16="http://schemas.microsoft.com/office/drawing/2014/main" id="{45DCD891-4BEA-A84A-AFA8-F056164D910D}"/>
+                </a:ext>
+              </a:extLst>
+            </p:cNvPr>
+            <p:cNvPicPr>
+              <a:picLocks/>
+            </p:cNvPicPr>
+            <p:nvPr/>
+          </p:nvPicPr>
+          <p:blipFill>
+            <a:blip r:embed="rId5">
+              <a:extLst>
+                <a:ext uri="{28A0092B-C50C-407E-A947-70E740481C1C}">
+                  <a14:useLocalDpi xmlns:a14="http://schemas.microsoft.com/office/drawing/2010/main" val="0"/>
+                </a:ext>
+              </a:extLst>
+            </a:blip>
+            <a:stretch>
+              <a:fillRect/>
+            </a:stretch>
+          </p:blipFill>
+          <p:spPr>
+            <a:xfrm>
+              <a:off x="20007072" y="11210544"/>
+              <a:ext cx="2889504" cy="1417320"/>
+            </a:xfrm>
+            <a:prstGeom prst="rect">
+              <a:avLst/>
+            </a:prstGeom>
+          </p:spPr>
+        </p:pic>
+        <p:pic>
+          <p:nvPicPr>
+            <p:cNvPr id="34" name="Picture 33">
+              <a:extLst>
+                <a:ext uri="{FF2B5EF4-FFF2-40B4-BE49-F238E27FC236}">
+                  <a16:creationId xmlns:a16="http://schemas.microsoft.com/office/drawing/2014/main" id="{1E082495-4376-534A-9DAE-691D1C2D3072}"/>
+                </a:ext>
+              </a:extLst>
+            </p:cNvPr>
+            <p:cNvPicPr>
+              <a:picLocks/>
+            </p:cNvPicPr>
+            <p:nvPr/>
+          </p:nvPicPr>
+          <p:blipFill>
+            <a:blip r:embed="rId6">
+              <a:extLst>
+                <a:ext uri="{28A0092B-C50C-407E-A947-70E740481C1C}">
+                  <a14:useLocalDpi xmlns:a14="http://schemas.microsoft.com/office/drawing/2010/main" val="0"/>
+                </a:ext>
+              </a:extLst>
+            </a:blip>
+            <a:stretch>
+              <a:fillRect/>
+            </a:stretch>
+          </p:blipFill>
+          <p:spPr>
+            <a:xfrm>
+              <a:off x="17071848" y="11210544"/>
+              <a:ext cx="2889504" cy="1417320"/>
+            </a:xfrm>
+            <a:prstGeom prst="rect">
+              <a:avLst/>
+            </a:prstGeom>
+          </p:spPr>
+        </p:pic>
+        <p:pic>
+          <p:nvPicPr>
+            <p:cNvPr id="37" name="Picture 36">
+              <a:extLst>
+                <a:ext uri="{FF2B5EF4-FFF2-40B4-BE49-F238E27FC236}">
+                  <a16:creationId xmlns:a16="http://schemas.microsoft.com/office/drawing/2014/main" id="{D2723181-337E-4949-A374-A08C04845129}"/>
+                </a:ext>
+              </a:extLst>
+            </p:cNvPr>
+            <p:cNvPicPr>
+              <a:picLocks/>
+            </p:cNvPicPr>
+            <p:nvPr/>
+          </p:nvPicPr>
+          <p:blipFill>
+            <a:blip r:embed="rId7">
+              <a:extLst>
+                <a:ext uri="{28A0092B-C50C-407E-A947-70E740481C1C}">
+                  <a14:useLocalDpi xmlns:a14="http://schemas.microsoft.com/office/drawing/2010/main" val="0"/>
+                </a:ext>
+              </a:extLst>
+            </a:blip>
+            <a:stretch>
+              <a:fillRect/>
+            </a:stretch>
+          </p:blipFill>
+          <p:spPr>
+            <a:xfrm>
+              <a:off x="14127480" y="11210544"/>
+              <a:ext cx="2889504" cy="1417320"/>
+            </a:xfrm>
+            <a:prstGeom prst="rect">
+              <a:avLst/>
+            </a:prstGeom>
+          </p:spPr>
+        </p:pic>
+        <p:pic>
+          <p:nvPicPr>
+            <p:cNvPr id="44" name="Picture 43">
+              <a:extLst>
+                <a:ext uri="{FF2B5EF4-FFF2-40B4-BE49-F238E27FC236}">
+                  <a16:creationId xmlns:a16="http://schemas.microsoft.com/office/drawing/2014/main" id="{39B3FBCA-65DD-8A40-AC23-453F267CA8F3}"/>
+                </a:ext>
+              </a:extLst>
+            </p:cNvPr>
+            <p:cNvPicPr>
+              <a:picLocks/>
+            </p:cNvPicPr>
+            <p:nvPr/>
+          </p:nvPicPr>
+          <p:blipFill>
+            <a:blip r:embed="rId8">
+              <a:extLst>
+                <a:ext uri="{28A0092B-C50C-407E-A947-70E740481C1C}">
+                  <a14:useLocalDpi xmlns:a14="http://schemas.microsoft.com/office/drawing/2010/main" val="0"/>
+                </a:ext>
+              </a:extLst>
+            </a:blip>
+            <a:stretch>
+              <a:fillRect/>
+            </a:stretch>
+          </p:blipFill>
+          <p:spPr>
+            <a:xfrm>
+              <a:off x="20007072" y="9747504"/>
+              <a:ext cx="2889504" cy="1417320"/>
+            </a:xfrm>
+            <a:prstGeom prst="rect">
+              <a:avLst/>
+            </a:prstGeom>
+          </p:spPr>
+        </p:pic>
+        <p:pic>
+          <p:nvPicPr>
+            <p:cNvPr id="53" name="Picture 52">
+              <a:extLst>
+                <a:ext uri="{FF2B5EF4-FFF2-40B4-BE49-F238E27FC236}">
+                  <a16:creationId xmlns:a16="http://schemas.microsoft.com/office/drawing/2014/main" id="{2E4C8170-1BF7-BC46-84C7-7ED31A335ED1}"/>
+                </a:ext>
+              </a:extLst>
+            </p:cNvPr>
+            <p:cNvPicPr>
+              <a:picLocks/>
+            </p:cNvPicPr>
+            <p:nvPr/>
+          </p:nvPicPr>
+          <p:blipFill>
+            <a:blip r:embed="rId9">
+              <a:extLst>
+                <a:ext uri="{28A0092B-C50C-407E-A947-70E740481C1C}">
+                  <a14:useLocalDpi xmlns:a14="http://schemas.microsoft.com/office/drawing/2010/main" val="0"/>
+                </a:ext>
+              </a:extLst>
+            </a:blip>
+            <a:stretch>
+              <a:fillRect/>
+            </a:stretch>
+          </p:blipFill>
+          <p:spPr>
+            <a:xfrm>
+              <a:off x="17071848" y="9747504"/>
+              <a:ext cx="2889504" cy="1417320"/>
+            </a:xfrm>
+            <a:prstGeom prst="rect">
+              <a:avLst/>
+            </a:prstGeom>
+          </p:spPr>
+        </p:pic>
+        <p:pic>
+          <p:nvPicPr>
+            <p:cNvPr id="55" name="Picture 54">
+              <a:extLst>
+                <a:ext uri="{FF2B5EF4-FFF2-40B4-BE49-F238E27FC236}">
+                  <a16:creationId xmlns:a16="http://schemas.microsoft.com/office/drawing/2014/main" id="{3F5D38FE-50F3-A94A-8008-9A32D2F0FCFF}"/>
+                </a:ext>
+              </a:extLst>
+            </p:cNvPr>
+            <p:cNvPicPr>
+              <a:picLocks noChangeAspect="1"/>
+            </p:cNvPicPr>
+            <p:nvPr/>
+          </p:nvPicPr>
+          <p:blipFill>
+            <a:blip r:embed="rId10">
+              <a:extLst>
+                <a:ext uri="{28A0092B-C50C-407E-A947-70E740481C1C}">
+                  <a14:useLocalDpi xmlns:a14="http://schemas.microsoft.com/office/drawing/2010/main" val="0"/>
+                </a:ext>
+              </a:extLst>
+            </a:blip>
+            <a:stretch>
+              <a:fillRect/>
+            </a:stretch>
+          </p:blipFill>
+          <p:spPr>
+            <a:xfrm>
+              <a:off x="14127480" y="9747504"/>
+              <a:ext cx="2889504" cy="1420671"/>
+            </a:xfrm>
+            <a:prstGeom prst="rect">
+              <a:avLst/>
+            </a:prstGeom>
+          </p:spPr>
+        </p:pic>
+      </p:grpSp>
+      <p:sp>
+        <p:nvSpPr>
+          <p:cNvPr id="73" name="TextBox 72">
+            <a:extLst>
+              <a:ext uri="{FF2B5EF4-FFF2-40B4-BE49-F238E27FC236}">
+                <a16:creationId xmlns:a16="http://schemas.microsoft.com/office/drawing/2014/main" id="{A0B279A2-4764-8A40-B173-2BFD96AD14D5}"/>
+              </a:ext>
+            </a:extLst>
+          </p:cNvPr>
           <p:cNvSpPr txBox="1"/>
           <p:nvPr/>
         </p:nvSpPr>
         <p:spPr>
           <a:xfrm>
-            <a:off x="6400800" y="6629400"/>
-            <a:ext cx="398629" cy="553998"/>
+            <a:off x="13210224" y="16243280"/>
+            <a:ext cx="9686352" cy="4154984"/>
           </a:xfrm>
           <a:prstGeom prst="rect">
             <a:avLst/>
@@ -8687,74 +6192,180 @@
           <a:noFill/>
         </p:spPr>
         <p:txBody>
-          <a:bodyPr wrap="none" rtlCol="0">
+          <a:bodyPr wrap="square" rtlCol="0">
             <a:spAutoFit/>
           </a:bodyPr>
           <a:lstStyle/>
           <a:p>
-            <a:r>
-              <a:rPr lang="en-US" sz="3000" b="1" dirty="0" smtClean="0"/>
-              <a:t>c</a:t>
-            </a:r>
-            <a:endParaRPr lang="en-US" sz="3000" b="1" dirty="0"/>
-          </a:p>
-        </p:txBody>
-      </p:sp>
-      <p:pic>
-        <p:nvPicPr>
-          <p:cNvPr id="3080" name="Picture 3079"/>
-          <p:cNvPicPr>
-            <a:picLocks noChangeAspect="1"/>
-          </p:cNvPicPr>
+            <a:pPr algn="just"/>
+            <a:r>
+              <a:rPr lang="en-US" sz="2400" b="1" dirty="0"/>
+              <a:t>Figure A:</a:t>
+            </a:r>
+            <a:r>
+              <a:rPr lang="en-US" sz="2400" dirty="0"/>
+              <a:t>  Diagram displaying the architecture of the neural network used to predict answers based on the context and the questions.  Some layers include a character-level CNN, </a:t>
+            </a:r>
+            <a:r>
+              <a:rPr lang="en-US" sz="2400" dirty="0" err="1"/>
+              <a:t>GloVe</a:t>
+            </a:r>
+            <a:r>
+              <a:rPr lang="en-US" sz="2400" dirty="0"/>
+              <a:t> word vector </a:t>
+            </a:r>
+            <a:r>
+              <a:rPr lang="en-US" sz="2400" dirty="0" err="1"/>
+              <a:t>embeddings</a:t>
+            </a:r>
+            <a:r>
+              <a:rPr lang="en-US" sz="2400" dirty="0"/>
+              <a:t>, and bidirectional attention.  </a:t>
+            </a:r>
+            <a:r>
+              <a:rPr lang="en-US" sz="2400" b="1" dirty="0"/>
+              <a:t>Figure B:  </a:t>
+            </a:r>
+            <a:r>
+              <a:rPr lang="en-US" sz="2400" dirty="0"/>
+              <a:t>Graphs displaying basic characteristics of the provided training set.  </a:t>
+            </a:r>
+            <a:r>
+              <a:rPr lang="en-US" sz="2400" b="1" dirty="0"/>
+              <a:t>1.  </a:t>
+            </a:r>
+            <a:r>
+              <a:rPr lang="en-US" sz="2400" dirty="0"/>
+              <a:t>Context lengths (vast majority less than 400 words long) </a:t>
+            </a:r>
+            <a:r>
+              <a:rPr lang="en-US" sz="2400" b="1" dirty="0"/>
+              <a:t>2.</a:t>
+            </a:r>
+            <a:r>
+              <a:rPr lang="en-US" sz="2400" dirty="0"/>
+              <a:t>  Question lengths (vast majority less than 30 words long) </a:t>
+            </a:r>
+            <a:r>
+              <a:rPr lang="en-US" sz="2400" b="1" dirty="0"/>
+              <a:t>3.  </a:t>
+            </a:r>
+            <a:r>
+              <a:rPr lang="en-US" sz="2400" dirty="0"/>
+              <a:t>Word lengths (vast majority less than 25 characters long).  </a:t>
+            </a:r>
+            <a:r>
+              <a:rPr lang="en-US" sz="2400" b="1" dirty="0"/>
+              <a:t>Figure C:  </a:t>
+            </a:r>
+            <a:r>
+              <a:rPr lang="en-US" sz="2400" dirty="0"/>
+              <a:t>Graphs comparing the baseline model (orange) and the [l2_endonstart] model (blue).  Displayed are graphs for the loss, F1, and EM scores for both training and dev sets.  </a:t>
+            </a:r>
+          </a:p>
+        </p:txBody>
+      </p:sp>
+      <p:sp>
+        <p:nvSpPr>
+          <p:cNvPr id="74" name="TextBox 73">
+            <a:extLst>
+              <a:ext uri="{FF2B5EF4-FFF2-40B4-BE49-F238E27FC236}">
+                <a16:creationId xmlns:a16="http://schemas.microsoft.com/office/drawing/2014/main" id="{A3B20CB1-3AB9-9B4C-AC48-BF09BEEF429F}"/>
+              </a:ext>
+            </a:extLst>
+          </p:cNvPr>
+          <p:cNvSpPr txBox="1"/>
           <p:nvPr/>
-        </p:nvPicPr>
-        <p:blipFill>
-          <a:blip r:embed="rId8"/>
-          <a:stretch>
-            <a:fillRect/>
-          </a:stretch>
-        </p:blipFill>
+        </p:nvSpPr>
         <p:spPr>
           <a:xfrm>
-            <a:off x="6172199" y="3810000"/>
-            <a:ext cx="6172201" cy="2717911"/>
+            <a:off x="7924800" y="3299033"/>
+            <a:ext cx="562675" cy="646331"/>
           </a:xfrm>
           <a:prstGeom prst="rect">
             <a:avLst/>
           </a:prstGeom>
-        </p:spPr>
-      </p:pic>
+          <a:noFill/>
+        </p:spPr>
+        <p:txBody>
+          <a:bodyPr wrap="square" rtlCol="0">
+            <a:spAutoFit/>
+          </a:bodyPr>
+          <a:lstStyle/>
+          <a:p>
+            <a:pPr algn="just"/>
+            <a:r>
+              <a:rPr lang="en-US" sz="3600" b="1" dirty="0">
+                <a:solidFill>
+                  <a:schemeClr val="tx1">
+                    <a:lumMod val="75000"/>
+                    <a:lumOff val="25000"/>
+                  </a:schemeClr>
+                </a:solidFill>
+              </a:rPr>
+              <a:t>A</a:t>
+            </a:r>
+            <a:endParaRPr lang="en-US" sz="3600" dirty="0">
+              <a:solidFill>
+                <a:schemeClr val="tx1">
+                  <a:lumMod val="75000"/>
+                  <a:lumOff val="25000"/>
+                </a:schemeClr>
+              </a:solidFill>
+            </a:endParaRPr>
+          </a:p>
+        </p:txBody>
+      </p:sp>
       <p:grpSp>
         <p:nvGrpSpPr>
-          <p:cNvPr id="9" name="Group 8"/>
+          <p:cNvPr id="62" name="Group 61">
+            <a:extLst>
+              <a:ext uri="{FF2B5EF4-FFF2-40B4-BE49-F238E27FC236}">
+                <a16:creationId xmlns:a16="http://schemas.microsoft.com/office/drawing/2014/main" id="{35CFB384-B49D-8240-932F-38F7024F6A8D}"/>
+              </a:ext>
+            </a:extLst>
+          </p:cNvPr>
           <p:cNvGrpSpPr/>
           <p:nvPr/>
         </p:nvGrpSpPr>
         <p:grpSpPr>
           <a:xfrm>
-            <a:off x="23481268" y="9753600"/>
-            <a:ext cx="8794953" cy="3810000"/>
-            <a:chOff x="23481268" y="9220200"/>
-            <a:chExt cx="8794953" cy="3810000"/>
+            <a:off x="7687683" y="11679442"/>
+            <a:ext cx="5196421" cy="3572150"/>
+            <a:chOff x="7687683" y="11679442"/>
+            <a:chExt cx="5196421" cy="3572150"/>
           </a:xfrm>
         </p:grpSpPr>
         <p:pic>
           <p:nvPicPr>
-            <p:cNvPr id="2" name="Picture 1"/>
+            <p:cNvPr id="12" name="Picture 11">
+              <a:extLst>
+                <a:ext uri="{FF2B5EF4-FFF2-40B4-BE49-F238E27FC236}">
+                  <a16:creationId xmlns:a16="http://schemas.microsoft.com/office/drawing/2014/main" id="{81AB499C-E328-5548-B552-2A133CC0CF18}"/>
+                </a:ext>
+              </a:extLst>
+            </p:cNvPr>
             <p:cNvPicPr>
               <a:picLocks noChangeAspect="1"/>
             </p:cNvPicPr>
             <p:nvPr/>
           </p:nvPicPr>
-          <p:blipFill rotWithShape="1">
-            <a:blip r:embed="rId9"/>
-            <a:srcRect l="6322" t="4474" r="5500" b="3636"/>
-            <a:stretch/>
+          <p:blipFill>
+            <a:blip r:embed="rId11">
+              <a:extLst>
+                <a:ext uri="{28A0092B-C50C-407E-A947-70E740481C1C}">
+                  <a14:useLocalDpi xmlns:a14="http://schemas.microsoft.com/office/drawing/2010/main" val="0"/>
+                </a:ext>
+              </a:extLst>
+            </a:blip>
+            <a:stretch>
+              <a:fillRect/>
+            </a:stretch>
           </p:blipFill>
           <p:spPr>
             <a:xfrm>
-              <a:off x="27965400" y="9372600"/>
-              <a:ext cx="4310821" cy="3369158"/>
+              <a:off x="7687683" y="12039600"/>
+              <a:ext cx="5196421" cy="3211992"/>
             </a:xfrm>
             <a:prstGeom prst="rect">
               <a:avLst/>
@@ -8763,14 +6374,20 @@
         </p:pic>
         <p:sp>
           <p:nvSpPr>
-            <p:cNvPr id="4" name="TextBox 3"/>
+            <p:cNvPr id="75" name="TextBox 74">
+              <a:extLst>
+                <a:ext uri="{FF2B5EF4-FFF2-40B4-BE49-F238E27FC236}">
+                  <a16:creationId xmlns:a16="http://schemas.microsoft.com/office/drawing/2014/main" id="{AB230A81-F0FB-4C4D-A9C3-35C99BA3B4BA}"/>
+                </a:ext>
+              </a:extLst>
+            </p:cNvPr>
             <p:cNvSpPr txBox="1"/>
             <p:nvPr/>
           </p:nvSpPr>
           <p:spPr>
             <a:xfrm>
-              <a:off x="29413200" y="9231868"/>
-              <a:ext cx="1524000" cy="369332"/>
+              <a:off x="7913763" y="11679442"/>
+              <a:ext cx="856838" cy="646331"/>
             </a:xfrm>
             <a:prstGeom prst="rect">
               <a:avLst/>
@@ -8783,24 +6400,102 @@
             </a:bodyPr>
             <a:lstStyle/>
             <a:p>
+              <a:pPr algn="just"/>
               <a:r>
-                <a:rPr lang="en-US" dirty="0" smtClean="0"/>
-                <a:t>1000 Words</a:t>
+                <a:rPr lang="en-US" sz="3600" b="1" dirty="0">
+                  <a:solidFill>
+                    <a:schemeClr val="tx1">
+                      <a:lumMod val="75000"/>
+                      <a:lumOff val="25000"/>
+                    </a:schemeClr>
+                  </a:solidFill>
+                </a:rPr>
+                <a:t>B1</a:t>
               </a:r>
-              <a:endParaRPr lang="en-US" dirty="0"/>
+              <a:endParaRPr lang="en-US" sz="3600" dirty="0">
+                <a:solidFill>
+                  <a:schemeClr val="tx1">
+                    <a:lumMod val="75000"/>
+                    <a:lumOff val="25000"/>
+                  </a:schemeClr>
+                </a:solidFill>
+              </a:endParaRPr>
             </a:p>
           </p:txBody>
         </p:sp>
+      </p:grpSp>
+      <p:grpSp>
+        <p:nvGrpSpPr>
+          <p:cNvPr id="63" name="Group 62">
+            <a:extLst>
+              <a:ext uri="{FF2B5EF4-FFF2-40B4-BE49-F238E27FC236}">
+                <a16:creationId xmlns:a16="http://schemas.microsoft.com/office/drawing/2014/main" id="{91DAFECF-DFC3-AF48-AD65-8FC0C8D3741D}"/>
+              </a:ext>
+            </a:extLst>
+          </p:cNvPr>
+          <p:cNvGrpSpPr/>
+          <p:nvPr/>
+        </p:nvGrpSpPr>
+        <p:grpSpPr>
+          <a:xfrm>
+            <a:off x="7687683" y="14928426"/>
+            <a:ext cx="5196420" cy="3566881"/>
+            <a:chOff x="7687683" y="14928426"/>
+            <a:chExt cx="5196420" cy="3566881"/>
+          </a:xfrm>
+        </p:grpSpPr>
+        <p:pic>
+          <p:nvPicPr>
+            <p:cNvPr id="16" name="Picture 15">
+              <a:extLst>
+                <a:ext uri="{FF2B5EF4-FFF2-40B4-BE49-F238E27FC236}">
+                  <a16:creationId xmlns:a16="http://schemas.microsoft.com/office/drawing/2014/main" id="{93980070-4750-F147-9022-129C52E9EB5C}"/>
+                </a:ext>
+              </a:extLst>
+            </p:cNvPr>
+            <p:cNvPicPr>
+              <a:picLocks noChangeAspect="1"/>
+            </p:cNvPicPr>
+            <p:nvPr/>
+          </p:nvPicPr>
+          <p:blipFill>
+            <a:blip r:embed="rId12">
+              <a:extLst>
+                <a:ext uri="{28A0092B-C50C-407E-A947-70E740481C1C}">
+                  <a14:useLocalDpi xmlns:a14="http://schemas.microsoft.com/office/drawing/2010/main" val="0"/>
+                </a:ext>
+              </a:extLst>
+            </a:blip>
+            <a:stretch>
+              <a:fillRect/>
+            </a:stretch>
+          </p:blipFill>
+          <p:spPr>
+            <a:xfrm>
+              <a:off x="7687683" y="15251592"/>
+              <a:ext cx="5196420" cy="3243715"/>
+            </a:xfrm>
+            <a:prstGeom prst="rect">
+              <a:avLst/>
+            </a:prstGeom>
+          </p:spPr>
+        </p:pic>
         <p:sp>
           <p:nvSpPr>
-            <p:cNvPr id="32" name="TextBox 31"/>
+            <p:cNvPr id="76" name="TextBox 75">
+              <a:extLst>
+                <a:ext uri="{FF2B5EF4-FFF2-40B4-BE49-F238E27FC236}">
+                  <a16:creationId xmlns:a16="http://schemas.microsoft.com/office/drawing/2014/main" id="{2565DDCF-F27D-8748-AAD7-CEE8C7369067}"/>
+                </a:ext>
+              </a:extLst>
+            </p:cNvPr>
             <p:cNvSpPr txBox="1"/>
             <p:nvPr/>
           </p:nvSpPr>
           <p:spPr>
-            <a:xfrm rot="16200000">
-              <a:off x="23056335" y="10940534"/>
-              <a:ext cx="1219198" cy="369332"/>
+            <a:xfrm>
+              <a:off x="7913763" y="14928426"/>
+              <a:ext cx="856838" cy="646331"/>
             </a:xfrm>
             <a:prstGeom prst="rect">
               <a:avLst/>
@@ -8813,24 +6508,102 @@
             </a:bodyPr>
             <a:lstStyle/>
             <a:p>
+              <a:pPr algn="just"/>
               <a:r>
-                <a:rPr lang="en-US" dirty="0" smtClean="0"/>
-                <a:t>Accuracy</a:t>
+                <a:rPr lang="en-US" sz="3600" b="1" dirty="0">
+                  <a:solidFill>
+                    <a:schemeClr val="tx1">
+                      <a:lumMod val="75000"/>
+                      <a:lumOff val="25000"/>
+                    </a:schemeClr>
+                  </a:solidFill>
+                </a:rPr>
+                <a:t>B2</a:t>
               </a:r>
-              <a:endParaRPr lang="en-US" dirty="0"/>
+              <a:endParaRPr lang="en-US" sz="3600" dirty="0">
+                <a:solidFill>
+                  <a:schemeClr val="tx1">
+                    <a:lumMod val="75000"/>
+                    <a:lumOff val="25000"/>
+                  </a:schemeClr>
+                </a:solidFill>
+              </a:endParaRPr>
             </a:p>
           </p:txBody>
         </p:sp>
+      </p:grpSp>
+      <p:grpSp>
+        <p:nvGrpSpPr>
+          <p:cNvPr id="64" name="Group 63">
+            <a:extLst>
+              <a:ext uri="{FF2B5EF4-FFF2-40B4-BE49-F238E27FC236}">
+                <a16:creationId xmlns:a16="http://schemas.microsoft.com/office/drawing/2014/main" id="{405317B7-9067-E04B-8492-0DD3225C629B}"/>
+              </a:ext>
+            </a:extLst>
+          </p:cNvPr>
+          <p:cNvGrpSpPr/>
+          <p:nvPr/>
+        </p:nvGrpSpPr>
+        <p:grpSpPr>
+          <a:xfrm>
+            <a:off x="7687683" y="18198128"/>
+            <a:ext cx="5196420" cy="3447550"/>
+            <a:chOff x="7687683" y="18198128"/>
+            <a:chExt cx="5196420" cy="3447550"/>
+          </a:xfrm>
+        </p:grpSpPr>
+        <p:pic>
+          <p:nvPicPr>
+            <p:cNvPr id="61" name="Picture 60">
+              <a:extLst>
+                <a:ext uri="{FF2B5EF4-FFF2-40B4-BE49-F238E27FC236}">
+                  <a16:creationId xmlns:a16="http://schemas.microsoft.com/office/drawing/2014/main" id="{83D9D99F-F562-554A-984E-2F3A61D58C92}"/>
+                </a:ext>
+              </a:extLst>
+            </p:cNvPr>
+            <p:cNvPicPr>
+              <a:picLocks noChangeAspect="1"/>
+            </p:cNvPicPr>
+            <p:nvPr/>
+          </p:nvPicPr>
+          <p:blipFill>
+            <a:blip r:embed="rId13">
+              <a:extLst>
+                <a:ext uri="{28A0092B-C50C-407E-A947-70E740481C1C}">
+                  <a14:useLocalDpi xmlns:a14="http://schemas.microsoft.com/office/drawing/2010/main" val="0"/>
+                </a:ext>
+              </a:extLst>
+            </a:blip>
+            <a:stretch>
+              <a:fillRect/>
+            </a:stretch>
+          </p:blipFill>
+          <p:spPr>
+            <a:xfrm>
+              <a:off x="7687683" y="18495307"/>
+              <a:ext cx="5196420" cy="3150371"/>
+            </a:xfrm>
+            <a:prstGeom prst="rect">
+              <a:avLst/>
+            </a:prstGeom>
+          </p:spPr>
+        </p:pic>
         <p:sp>
           <p:nvSpPr>
-            <p:cNvPr id="33" name="TextBox 32"/>
+            <p:cNvPr id="77" name="TextBox 76">
+              <a:extLst>
+                <a:ext uri="{FF2B5EF4-FFF2-40B4-BE49-F238E27FC236}">
+                  <a16:creationId xmlns:a16="http://schemas.microsoft.com/office/drawing/2014/main" id="{0027601D-9AED-FE49-BB5F-D04F9562B082}"/>
+                </a:ext>
+              </a:extLst>
+            </p:cNvPr>
             <p:cNvSpPr txBox="1"/>
             <p:nvPr/>
           </p:nvSpPr>
           <p:spPr>
             <a:xfrm>
-              <a:off x="24917400" y="12649200"/>
-              <a:ext cx="2133600" cy="381000"/>
+              <a:off x="7924800" y="18198128"/>
+              <a:ext cx="856838" cy="646331"/>
             </a:xfrm>
             <a:prstGeom prst="rect">
               <a:avLst/>
@@ -8843,328 +6616,146 @@
             </a:bodyPr>
             <a:lstStyle/>
             <a:p>
+              <a:pPr algn="just"/>
               <a:r>
-                <a:rPr lang="en-US" dirty="0" smtClean="0"/>
-                <a:t>Number of Epochs</a:t>
+                <a:rPr lang="en-US" sz="3600" b="1" dirty="0">
+                  <a:solidFill>
+                    <a:schemeClr val="tx1">
+                      <a:lumMod val="75000"/>
+                      <a:lumOff val="25000"/>
+                    </a:schemeClr>
+                  </a:solidFill>
+                </a:rPr>
+                <a:t>B3</a:t>
               </a:r>
-              <a:endParaRPr lang="en-US" dirty="0"/>
+              <a:endParaRPr lang="en-US" sz="3600" dirty="0">
+                <a:solidFill>
+                  <a:schemeClr val="tx1">
+                    <a:lumMod val="75000"/>
+                    <a:lumOff val="25000"/>
+                  </a:schemeClr>
+                </a:solidFill>
+              </a:endParaRPr>
             </a:p>
           </p:txBody>
         </p:sp>
-        <p:grpSp>
-          <p:nvGrpSpPr>
-            <p:cNvPr id="22" name="Group 21"/>
-            <p:cNvGrpSpPr/>
-            <p:nvPr/>
-          </p:nvGrpSpPr>
-          <p:grpSpPr>
-            <a:xfrm>
-              <a:off x="30556200" y="11811000"/>
-              <a:ext cx="1447800" cy="646331"/>
-              <a:chOff x="30022800" y="11201400"/>
-              <a:chExt cx="1447800" cy="646331"/>
-            </a:xfrm>
-          </p:grpSpPr>
-          <p:sp>
-            <p:nvSpPr>
-              <p:cNvPr id="8" name="TextBox 7"/>
-              <p:cNvSpPr txBox="1"/>
-              <p:nvPr/>
-            </p:nvSpPr>
-            <p:spPr>
-              <a:xfrm>
-                <a:off x="30403800" y="11201400"/>
-                <a:ext cx="1066800" cy="646331"/>
-              </a:xfrm>
-              <a:prstGeom prst="rect">
-                <a:avLst/>
-              </a:prstGeom>
-              <a:noFill/>
-            </p:spPr>
-            <p:txBody>
-              <a:bodyPr wrap="square" rtlCol="0">
-                <a:spAutoFit/>
-              </a:bodyPr>
-              <a:lstStyle/>
-              <a:p>
-                <a:r>
-                  <a:rPr lang="en-US" dirty="0" smtClean="0"/>
-                  <a:t>Training</a:t>
-                </a:r>
-              </a:p>
-              <a:p>
-                <a:r>
-                  <a:rPr lang="en-US" dirty="0" smtClean="0"/>
-                  <a:t>Testing</a:t>
-                </a:r>
-                <a:endParaRPr lang="en-US" dirty="0"/>
-              </a:p>
-            </p:txBody>
-          </p:sp>
-          <p:cxnSp>
-            <p:nvCxnSpPr>
-              <p:cNvPr id="10" name="Straight Connector 9"/>
-              <p:cNvCxnSpPr/>
-              <p:nvPr/>
-            </p:nvCxnSpPr>
-            <p:spPr bwMode="auto">
-              <a:xfrm>
-                <a:off x="30022800" y="11400839"/>
-                <a:ext cx="381000" cy="0"/>
-              </a:xfrm>
-              <a:prstGeom prst="line">
-                <a:avLst/>
-              </a:prstGeom>
+      </p:grpSp>
+      <p:sp>
+        <p:nvSpPr>
+          <p:cNvPr id="78" name="TextBox 77">
+            <a:extLst>
+              <a:ext uri="{FF2B5EF4-FFF2-40B4-BE49-F238E27FC236}">
+                <a16:creationId xmlns:a16="http://schemas.microsoft.com/office/drawing/2014/main" id="{534B7486-4E8F-534E-898C-21E3DD6D2852}"/>
+              </a:ext>
+            </a:extLst>
+          </p:cNvPr>
+          <p:cNvSpPr txBox="1"/>
+          <p:nvPr/>
+        </p:nvSpPr>
+        <p:spPr>
+          <a:xfrm>
+            <a:off x="13210224" y="12163738"/>
+            <a:ext cx="856838" cy="646331"/>
+          </a:xfrm>
+          <a:prstGeom prst="rect">
+            <a:avLst/>
+          </a:prstGeom>
+          <a:noFill/>
+        </p:spPr>
+        <p:txBody>
+          <a:bodyPr wrap="square" rtlCol="0">
+            <a:spAutoFit/>
+          </a:bodyPr>
+          <a:lstStyle/>
+          <a:p>
+            <a:pPr algn="just"/>
+            <a:r>
+              <a:rPr lang="en-US" sz="3600" b="1" dirty="0">
+                <a:solidFill>
+                  <a:schemeClr val="tx1">
+                    <a:lumMod val="75000"/>
+                    <a:lumOff val="25000"/>
+                  </a:schemeClr>
+                </a:solidFill>
+              </a:rPr>
+              <a:t>C</a:t>
+            </a:r>
+            <a:endParaRPr lang="en-US" sz="3600" dirty="0">
               <a:solidFill>
-                <a:schemeClr val="accent1"/>
+                <a:schemeClr val="tx1">
+                  <a:lumMod val="75000"/>
+                  <a:lumOff val="25000"/>
+                </a:schemeClr>
               </a:solidFill>
-              <a:ln w="28575" cap="flat" cmpd="sng" algn="ctr">
-                <a:solidFill>
-                  <a:srgbClr val="6251FE"/>
-                </a:solidFill>
-                <a:prstDash val="solid"/>
-                <a:round/>
-                <a:headEnd type="none" w="med" len="med"/>
-                <a:tailEnd type="none" w="med" len="med"/>
-              </a:ln>
-              <a:effectLst/>
-            </p:spPr>
-          </p:cxnSp>
-          <p:cxnSp>
-            <p:nvCxnSpPr>
-              <p:cNvPr id="36" name="Straight Connector 35"/>
-              <p:cNvCxnSpPr/>
-              <p:nvPr/>
-            </p:nvCxnSpPr>
-            <p:spPr bwMode="auto">
-              <a:xfrm>
-                <a:off x="30022800" y="11658600"/>
-                <a:ext cx="381000" cy="0"/>
-              </a:xfrm>
-              <a:prstGeom prst="line">
-                <a:avLst/>
-              </a:prstGeom>
-              <a:solidFill>
-                <a:schemeClr val="accent1"/>
-              </a:solidFill>
-              <a:ln w="28575" cap="flat" cmpd="sng" algn="ctr">
-                <a:solidFill>
-                  <a:srgbClr val="278B1F"/>
-                </a:solidFill>
-                <a:prstDash val="solid"/>
-                <a:round/>
-                <a:headEnd type="none" w="med" len="med"/>
-                <a:tailEnd type="none" w="med" len="med"/>
-              </a:ln>
-              <a:effectLst/>
-            </p:spPr>
-          </p:cxnSp>
-        </p:grpSp>
-        <p:pic>
-          <p:nvPicPr>
-            <p:cNvPr id="13" name="Picture 12"/>
-            <p:cNvPicPr>
-              <a:picLocks noChangeAspect="1"/>
-            </p:cNvPicPr>
-            <p:nvPr/>
-          </p:nvPicPr>
-          <p:blipFill rotWithShape="1">
-            <a:blip r:embed="rId10"/>
-            <a:srcRect l="6750" t="7333" r="6750" b="4667"/>
-            <a:stretch/>
-          </p:blipFill>
-          <p:spPr>
-            <a:xfrm>
-              <a:off x="23774400" y="9448800"/>
-              <a:ext cx="4269124" cy="3257367"/>
-            </a:xfrm>
-            <a:prstGeom prst="rect">
-              <a:avLst/>
-            </a:prstGeom>
-          </p:spPr>
-        </p:pic>
-        <p:sp>
-          <p:nvSpPr>
-            <p:cNvPr id="41" name="TextBox 40"/>
-            <p:cNvSpPr txBox="1"/>
-            <p:nvPr/>
-          </p:nvSpPr>
-          <p:spPr>
-            <a:xfrm>
-              <a:off x="25222200" y="9220200"/>
-              <a:ext cx="1524000" cy="369332"/>
-            </a:xfrm>
-            <a:prstGeom prst="rect">
-              <a:avLst/>
-            </a:prstGeom>
-            <a:noFill/>
-          </p:spPr>
-          <p:txBody>
-            <a:bodyPr wrap="square" rtlCol="0">
-              <a:spAutoFit/>
-            </a:bodyPr>
-            <a:lstStyle/>
-            <a:p>
-              <a:r>
-                <a:rPr lang="en-US" dirty="0" smtClean="0"/>
-                <a:t>100 Words</a:t>
-              </a:r>
-              <a:endParaRPr lang="en-US" dirty="0"/>
-            </a:p>
-          </p:txBody>
-        </p:sp>
-        <p:sp>
-          <p:nvSpPr>
-            <p:cNvPr id="42" name="TextBox 41"/>
-            <p:cNvSpPr txBox="1"/>
-            <p:nvPr/>
-          </p:nvSpPr>
-          <p:spPr>
-            <a:xfrm>
-              <a:off x="29108400" y="12649200"/>
-              <a:ext cx="2133600" cy="381000"/>
-            </a:xfrm>
-            <a:prstGeom prst="rect">
-              <a:avLst/>
-            </a:prstGeom>
-            <a:noFill/>
-          </p:spPr>
-          <p:txBody>
-            <a:bodyPr wrap="square" rtlCol="0">
-              <a:spAutoFit/>
-            </a:bodyPr>
-            <a:lstStyle/>
-            <a:p>
-              <a:r>
-                <a:rPr lang="en-US" dirty="0" smtClean="0"/>
-                <a:t>Number of Epochs</a:t>
-              </a:r>
-              <a:endParaRPr lang="en-US" dirty="0"/>
-            </a:p>
-          </p:txBody>
-        </p:sp>
-        <p:grpSp>
-          <p:nvGrpSpPr>
-            <p:cNvPr id="46" name="Group 45"/>
-            <p:cNvGrpSpPr/>
-            <p:nvPr/>
-          </p:nvGrpSpPr>
-          <p:grpSpPr>
-            <a:xfrm>
-              <a:off x="26060400" y="11734800"/>
-              <a:ext cx="1752600" cy="646331"/>
-              <a:chOff x="30022800" y="11201400"/>
-              <a:chExt cx="1752600" cy="646331"/>
-            </a:xfrm>
-          </p:grpSpPr>
-          <p:sp>
-            <p:nvSpPr>
-              <p:cNvPr id="47" name="TextBox 46"/>
-              <p:cNvSpPr txBox="1"/>
-              <p:nvPr/>
-            </p:nvSpPr>
-            <p:spPr>
-              <a:xfrm>
-                <a:off x="30708600" y="11201400"/>
-                <a:ext cx="1066800" cy="646331"/>
-              </a:xfrm>
-              <a:prstGeom prst="rect">
-                <a:avLst/>
-              </a:prstGeom>
-              <a:noFill/>
-            </p:spPr>
-            <p:txBody>
-              <a:bodyPr wrap="square" rtlCol="0">
-                <a:spAutoFit/>
-              </a:bodyPr>
-              <a:lstStyle/>
-              <a:p>
-                <a:r>
-                  <a:rPr lang="en-US" dirty="0" smtClean="0"/>
-                  <a:t>Training</a:t>
-                </a:r>
-              </a:p>
-              <a:p>
-                <a:r>
-                  <a:rPr lang="en-US" dirty="0" smtClean="0"/>
-                  <a:t>Testing</a:t>
-                </a:r>
-                <a:endParaRPr lang="en-US" dirty="0"/>
-              </a:p>
-            </p:txBody>
-          </p:sp>
-          <p:cxnSp>
-            <p:nvCxnSpPr>
-              <p:cNvPr id="48" name="Straight Connector 47"/>
-              <p:cNvCxnSpPr/>
-              <p:nvPr/>
-            </p:nvCxnSpPr>
-            <p:spPr bwMode="auto">
-              <a:xfrm>
-                <a:off x="30022800" y="11400839"/>
-                <a:ext cx="381000" cy="0"/>
-              </a:xfrm>
-              <a:prstGeom prst="line">
-                <a:avLst/>
-              </a:prstGeom>
-              <a:solidFill>
-                <a:schemeClr val="accent1"/>
-              </a:solidFill>
-              <a:ln w="28575" cap="flat" cmpd="sng" algn="ctr">
-                <a:solidFill>
-                  <a:srgbClr val="6251FE"/>
-                </a:solidFill>
-                <a:prstDash val="solid"/>
-                <a:round/>
-                <a:headEnd type="none" w="med" len="med"/>
-                <a:tailEnd type="none" w="med" len="med"/>
-              </a:ln>
-              <a:effectLst/>
-            </p:spPr>
-          </p:cxnSp>
-          <p:cxnSp>
-            <p:nvCxnSpPr>
-              <p:cNvPr id="49" name="Straight Connector 48"/>
-              <p:cNvCxnSpPr/>
-              <p:nvPr/>
-            </p:nvCxnSpPr>
-            <p:spPr bwMode="auto">
-              <a:xfrm>
-                <a:off x="30022800" y="11658600"/>
-                <a:ext cx="381000" cy="0"/>
-              </a:xfrm>
-              <a:prstGeom prst="line">
-                <a:avLst/>
-              </a:prstGeom>
-              <a:solidFill>
-                <a:schemeClr val="accent1"/>
-              </a:solidFill>
-              <a:ln w="28575" cap="flat" cmpd="sng" algn="ctr">
-                <a:solidFill>
-                  <a:srgbClr val="278B1F"/>
-                </a:solidFill>
-                <a:prstDash val="solid"/>
-                <a:round/>
-                <a:headEnd type="none" w="med" len="med"/>
-                <a:tailEnd type="none" w="med" len="med"/>
-              </a:ln>
-              <a:effectLst/>
-            </p:spPr>
-          </p:cxnSp>
-        </p:grpSp>
-      </p:grpSp>
+            </a:endParaRPr>
+          </a:p>
+        </p:txBody>
+      </p:sp>
+      <p:sp>
+        <p:nvSpPr>
+          <p:cNvPr id="84" name="TextBox 83">
+            <a:extLst>
+              <a:ext uri="{FF2B5EF4-FFF2-40B4-BE49-F238E27FC236}">
+                <a16:creationId xmlns:a16="http://schemas.microsoft.com/office/drawing/2014/main" id="{E3DEC52F-B077-8643-9617-B4C9A7F9AE14}"/>
+              </a:ext>
+            </a:extLst>
+          </p:cNvPr>
+          <p:cNvSpPr txBox="1"/>
+          <p:nvPr/>
+        </p:nvSpPr>
+        <p:spPr>
+          <a:xfrm>
+            <a:off x="23374244" y="15251591"/>
+            <a:ext cx="8500297" cy="4893647"/>
+          </a:xfrm>
+          <a:prstGeom prst="rect">
+            <a:avLst/>
+          </a:prstGeom>
+          <a:noFill/>
+        </p:spPr>
+        <p:txBody>
+          <a:bodyPr wrap="square" rtlCol="0">
+            <a:spAutoFit/>
+          </a:bodyPr>
+          <a:lstStyle/>
+          <a:p>
+            <a:pPr algn="just"/>
+            <a:r>
+              <a:rPr lang="en-US" sz="2400" dirty="0"/>
+              <a:t>In conclusion, we were able to significantly improve on the baseline model, achieving a maximum F1 score of ????? and an EM score of ?????? on the test set.  We noticed that although bidirectional attention with the modeling layer provided the majority of the improvements, the attention and modeling separately had minimal effects.  We also saw that the character </a:t>
+            </a:r>
+            <a:r>
+              <a:rPr lang="en-US" sz="2400" dirty="0" err="1"/>
+              <a:t>leve</a:t>
+            </a:r>
+            <a:r>
+              <a:rPr lang="en-US" sz="2400" dirty="0"/>
+              <a:t> CNN tended to improve models by about 2% in the F1 score.  </a:t>
+            </a:r>
+          </a:p>
+          <a:p>
+            <a:pPr algn="just"/>
+            <a:endParaRPr lang="en-US" sz="2400" dirty="0"/>
+          </a:p>
+          <a:p>
+            <a:pPr algn="just"/>
+            <a:r>
+              <a:rPr lang="en-US" sz="2400" dirty="0"/>
+              <a:t>In the future, there are many further improvements we can try.  For example, it is possible to condition the end prediction on the start prediction.  It might also be useful to take multiple models and ensemble them using a </a:t>
+            </a:r>
+            <a:r>
+              <a:rPr lang="en-US" sz="2400"/>
+              <a:t>voting scheme.</a:t>
+            </a:r>
+            <a:endParaRPr lang="en-US" sz="2400" dirty="0"/>
+          </a:p>
+        </p:txBody>
+      </p:sp>
     </p:spTree>
   </p:cSld>
   <p:clrMapOvr>
     <a:masterClrMapping/>
   </p:clrMapOvr>
-  <p:timing>
-    <p:tnLst>
-      <p:par>
-        <p:cTn xmlns:p14="http://schemas.microsoft.com/office/powerpoint/2010/main" id="1" dur="indefinite" restart="never" nodeType="tmRoot"/>
-      </p:par>
-    </p:tnLst>
-  </p:timing>
 </p:sld>
 </file>
 

--- a/CS224N_Project_Poster.pptx
+++ b/CS224N_Project_Poster.pptx
@@ -3188,14 +3188,14 @@
           </a:ln>
           <a:extLst>
             <a:ext uri="{909E8E84-426E-40dd-AFC4-6F175D3DCCD1}">
-              <a14:hiddenFill xmlns:a14="http://schemas.microsoft.com/office/drawing/2010/main" xmlns="">
+              <a14:hiddenFill xmlns="" xmlns:a14="http://schemas.microsoft.com/office/drawing/2010/main">
                 <a:solidFill>
                   <a:srgbClr val="FFFFFF"/>
                 </a:solidFill>
               </a14:hiddenFill>
             </a:ext>
             <a:ext uri="{91240B29-F687-4f45-9708-019B960494DF}">
-              <a14:hiddenLine xmlns:a14="http://schemas.microsoft.com/office/drawing/2010/main" xmlns="" w="9525">
+              <a14:hiddenLine xmlns="" xmlns:a14="http://schemas.microsoft.com/office/drawing/2010/main" w="9525">
                 <a:solidFill>
                   <a:srgbClr val="000000"/>
                 </a:solidFill>
@@ -3205,7 +3205,7 @@
               </a14:hiddenLine>
             </a:ext>
             <a:ext uri="{FAA26D3D-D897-4be2-8F04-BA451C77F1D7}">
-              <ma14:placeholderFlag xmlns:ma14="http://schemas.microsoft.com/office/mac/drawingml/2011/main" xmlns="" val="1"/>
+              <ma14:placeholderFlag xmlns="" xmlns:ma14="http://schemas.microsoft.com/office/mac/drawingml/2011/main" val="1"/>
             </a:ext>
           </a:extLst>
         </p:spPr>
@@ -3249,14 +3249,14 @@
           </a:ln>
           <a:extLst>
             <a:ext uri="{909E8E84-426E-40dd-AFC4-6F175D3DCCD1}">
-              <a14:hiddenFill xmlns:a14="http://schemas.microsoft.com/office/drawing/2010/main" xmlns="">
+              <a14:hiddenFill xmlns="" xmlns:a14="http://schemas.microsoft.com/office/drawing/2010/main">
                 <a:solidFill>
                   <a:srgbClr val="FFFFFF"/>
                 </a:solidFill>
               </a14:hiddenFill>
             </a:ext>
             <a:ext uri="{91240B29-F687-4f45-9708-019B960494DF}">
-              <a14:hiddenLine xmlns:a14="http://schemas.microsoft.com/office/drawing/2010/main" xmlns="" w="9525">
+              <a14:hiddenLine xmlns="" xmlns:a14="http://schemas.microsoft.com/office/drawing/2010/main" w="9525">
                 <a:solidFill>
                   <a:srgbClr val="000000"/>
                 </a:solidFill>
@@ -3266,7 +3266,7 @@
               </a14:hiddenLine>
             </a:ext>
             <a:ext uri="{FAA26D3D-D897-4be2-8F04-BA451C77F1D7}">
-              <ma14:placeholderFlag xmlns:ma14="http://schemas.microsoft.com/office/mac/drawingml/2011/main" xmlns="" val="1"/>
+              <ma14:placeholderFlag xmlns="" xmlns:ma14="http://schemas.microsoft.com/office/mac/drawingml/2011/main" val="1"/>
             </a:ext>
           </a:extLst>
         </p:spPr>
@@ -4707,14 +4707,14 @@
           </a:ln>
           <a:extLst>
             <a:ext uri="{909E8E84-426E-40dd-AFC4-6F175D3DCCD1}">
-              <a14:hiddenFill xmlns:a14="http://schemas.microsoft.com/office/drawing/2010/main" xmlns="">
+              <a14:hiddenFill xmlns="" xmlns:a14="http://schemas.microsoft.com/office/drawing/2010/main">
                 <a:solidFill>
                   <a:srgbClr val="FFFFFF"/>
                 </a:solidFill>
               </a14:hiddenFill>
             </a:ext>
             <a:ext uri="{91240B29-F687-4f45-9708-019B960494DF}">
-              <a14:hiddenLine xmlns:a14="http://schemas.microsoft.com/office/drawing/2010/main" xmlns="" w="9525">
+              <a14:hiddenLine xmlns="" xmlns:a14="http://schemas.microsoft.com/office/drawing/2010/main" w="9525">
                 <a:solidFill>
                   <a:srgbClr val="000000"/>
                 </a:solidFill>
@@ -4851,7 +4851,7 @@
           </a:ln>
           <a:extLst>
             <a:ext uri="{91240B29-F687-4f45-9708-019B960494DF}">
-              <a14:hiddenLine xmlns:a14="http://schemas.microsoft.com/office/drawing/2010/main" xmlns="" w="9525">
+              <a14:hiddenLine xmlns="" xmlns:a14="http://schemas.microsoft.com/office/drawing/2010/main" w="9525">
                 <a:solidFill>
                   <a:srgbClr val="000000"/>
                 </a:solidFill>
@@ -4902,14 +4902,14 @@
           </a:ln>
           <a:extLst>
             <a:ext uri="{909E8E84-426E-40dd-AFC4-6F175D3DCCD1}">
-              <a14:hiddenFill xmlns:a14="http://schemas.microsoft.com/office/drawing/2010/main" xmlns="">
+              <a14:hiddenFill xmlns="" xmlns:a14="http://schemas.microsoft.com/office/drawing/2010/main">
                 <a:solidFill>
                   <a:srgbClr val="FFFFFF"/>
                 </a:solidFill>
               </a14:hiddenFill>
             </a:ext>
             <a:ext uri="{91240B29-F687-4f45-9708-019B960494DF}">
-              <a14:hiddenLine xmlns:a14="http://schemas.microsoft.com/office/drawing/2010/main" xmlns="" w="9525">
+              <a14:hiddenLine xmlns="" xmlns:a14="http://schemas.microsoft.com/office/drawing/2010/main" w="9525">
                 <a:solidFill>
                   <a:srgbClr val="000000"/>
                 </a:solidFill>
@@ -4973,14 +4973,14 @@
           </a:ln>
           <a:extLst>
             <a:ext uri="{909E8E84-426E-40dd-AFC4-6F175D3DCCD1}">
-              <a14:hiddenFill xmlns:a14="http://schemas.microsoft.com/office/drawing/2010/main" xmlns="">
+              <a14:hiddenFill xmlns="" xmlns:a14="http://schemas.microsoft.com/office/drawing/2010/main">
                 <a:solidFill>
                   <a:srgbClr val="FFFFFF"/>
                 </a:solidFill>
               </a14:hiddenFill>
             </a:ext>
             <a:ext uri="{91240B29-F687-4f45-9708-019B960494DF}">
-              <a14:hiddenLine xmlns:a14="http://schemas.microsoft.com/office/drawing/2010/main" xmlns="" w="9525">
+              <a14:hiddenLine xmlns="" xmlns:a14="http://schemas.microsoft.com/office/drawing/2010/main" w="9525">
                 <a:solidFill>
                   <a:srgbClr val="000000"/>
                 </a:solidFill>
@@ -5105,7 +5105,7 @@
           </a:ln>
           <a:extLst>
             <a:ext uri="{91240B29-F687-4f45-9708-019B960494DF}">
-              <a14:hiddenLine xmlns:a14="http://schemas.microsoft.com/office/drawing/2010/main" xmlns="" w="9525">
+              <a14:hiddenLine xmlns="" xmlns:a14="http://schemas.microsoft.com/office/drawing/2010/main" w="9525">
                 <a:solidFill>
                   <a:srgbClr val="000000"/>
                 </a:solidFill>
@@ -5158,7 +5158,7 @@
           </a:ln>
           <a:extLst>
             <a:ext uri="{91240B29-F687-4f45-9708-019B960494DF}">
-              <a14:hiddenLine xmlns:a14="http://schemas.microsoft.com/office/drawing/2010/main" xmlns="" w="9525">
+              <a14:hiddenLine xmlns="" xmlns:a14="http://schemas.microsoft.com/office/drawing/2010/main" w="9525">
                 <a:solidFill>
                   <a:srgbClr val="000000"/>
                 </a:solidFill>
@@ -5211,7 +5211,7 @@
           </a:ln>
           <a:extLst>
             <a:ext uri="{91240B29-F687-4f45-9708-019B960494DF}">
-              <a14:hiddenLine xmlns:a14="http://schemas.microsoft.com/office/drawing/2010/main" xmlns="" w="9525">
+              <a14:hiddenLine xmlns="" xmlns:a14="http://schemas.microsoft.com/office/drawing/2010/main" w="9525">
                 <a:solidFill>
                   <a:srgbClr val="000000"/>
                 </a:solidFill>
@@ -5264,7 +5264,7 @@
           </a:ln>
           <a:extLst>
             <a:ext uri="{91240B29-F687-4f45-9708-019B960494DF}">
-              <a14:hiddenLine xmlns:a14="http://schemas.microsoft.com/office/drawing/2010/main" xmlns="" w="9525">
+              <a14:hiddenLine xmlns="" xmlns:a14="http://schemas.microsoft.com/office/drawing/2010/main" w="9525">
                 <a:solidFill>
                   <a:srgbClr val="000000"/>
                 </a:solidFill>
@@ -5831,7 +5831,7 @@
           </a:ln>
           <a:extLst>
             <a:ext uri="{91240B29-F687-4f45-9708-019B960494DF}">
-              <a14:hiddenLine xmlns:a14="http://schemas.microsoft.com/office/drawing/2010/main" xmlns="" w="9525">
+              <a14:hiddenLine xmlns="" xmlns:a14="http://schemas.microsoft.com/office/drawing/2010/main" w="9525">
                 <a:solidFill>
                   <a:srgbClr val="000000"/>
                 </a:solidFill>
@@ -6722,15 +6722,15 @@
             <a:pPr algn="just"/>
             <a:r>
               <a:rPr lang="en-US" sz="2400" dirty="0"/>
-              <a:t>In conclusion, we were able to significantly improve on the baseline model, achieving a maximum F1 score of ????? and an EM score of ?????? on the test set.  We noticed that although bidirectional attention with the modeling layer provided the majority of the improvements, the attention and modeling separately had minimal effects.  We also saw that the character </a:t>
-            </a:r>
-            <a:r>
-              <a:rPr lang="en-US" sz="2400" dirty="0" err="1"/>
-              <a:t>leve</a:t>
+              <a:t>In conclusion, we were able to significantly improve on the baseline model, achieving a maximum F1 score of ????? and an EM score of ?????? on the test set.  We noticed that although bidirectional attention with the modeling layer provided the majority of the improvements, the attention and modeling separately had minimal effects.  We also saw that the </a:t>
+            </a:r>
+            <a:r>
+              <a:rPr lang="en-US" sz="2400"/>
+              <a:t>character level </a:t>
             </a:r>
             <a:r>
               <a:rPr lang="en-US" sz="2400" dirty="0"/>
-              <a:t> CNN tended to improve models by about 2% in the F1 score.  </a:t>
+              <a:t>CNN tended to improve models by about 2% in the F1 score.  </a:t>
             </a:r>
           </a:p>
           <a:p>
@@ -6741,13 +6741,8 @@
             <a:pPr algn="just"/>
             <a:r>
               <a:rPr lang="en-US" sz="2400" dirty="0"/>
-              <a:t>In the future, there are many further improvements we can try.  For example, it is possible to condition the end prediction on the start prediction.  It might also be useful to take multiple models and ensemble them using a </a:t>
-            </a:r>
-            <a:r>
-              <a:rPr lang="en-US" sz="2400"/>
-              <a:t>voting scheme.</a:t>
-            </a:r>
-            <a:endParaRPr lang="en-US" sz="2400" dirty="0"/>
+              <a:t>In the future, there are many further improvements we can try.  For example, it is possible to condition the end prediction on the start prediction.  It might also be useful to take multiple models and ensemble them using a voting scheme.</a:t>
+            </a:r>
           </a:p>
         </p:txBody>
       </p:sp>

--- a/CS224N_Project_Poster.pptx
+++ b/CS224N_Project_Poster.pptx
@@ -3880,6 +3880,42 @@
           <a:chExt cx="0" cy="0"/>
         </a:xfrm>
       </p:grpSpPr>
+      <p:pic>
+        <p:nvPicPr>
+          <p:cNvPr id="4" name="Picture 3">
+            <a:extLst>
+              <a:ext uri="{FF2B5EF4-FFF2-40B4-BE49-F238E27FC236}">
+                <a16:creationId xmlns:a16="http://schemas.microsoft.com/office/drawing/2014/main" id="{0DD1513D-12ED-7143-8709-53C403727590}"/>
+              </a:ext>
+            </a:extLst>
+          </p:cNvPr>
+          <p:cNvPicPr>
+            <a:picLocks noChangeAspect="1"/>
+          </p:cNvPicPr>
+          <p:nvPr/>
+        </p:nvPicPr>
+        <p:blipFill>
+          <a:blip r:embed="rId2">
+            <a:extLst>
+              <a:ext uri="{28A0092B-C50C-407E-A947-70E740481C1C}">
+                <a14:useLocalDpi xmlns:a14="http://schemas.microsoft.com/office/drawing/2010/main" val="0"/>
+              </a:ext>
+            </a:extLst>
+          </a:blip>
+          <a:stretch>
+            <a:fillRect/>
+          </a:stretch>
+        </p:blipFill>
+        <p:spPr>
+          <a:xfrm>
+            <a:off x="7683006" y="3425990"/>
+            <a:ext cx="15242124" cy="8766010"/>
+          </a:xfrm>
+          <a:prstGeom prst="rect">
+            <a:avLst/>
+          </a:prstGeom>
+        </p:spPr>
+      </p:pic>
       <p:graphicFrame>
         <p:nvGraphicFramePr>
           <p:cNvPr id="67" name="Table 66">
@@ -3895,14 +3931,14 @@
           <p:nvPr>
             <p:extLst>
               <p:ext uri="{D42A27DB-BD31-4B8C-83A1-F6EECF244321}">
-                <p14:modId xmlns:p14="http://schemas.microsoft.com/office/powerpoint/2010/main" val="2246555174"/>
+                <p14:modId xmlns:p14="http://schemas.microsoft.com/office/powerpoint/2010/main" val="1082523537"/>
               </p:ext>
             </p:extLst>
           </p:nvPr>
         </p:nvGraphicFramePr>
         <p:xfrm>
           <a:off x="13330666" y="12342876"/>
-          <a:ext cx="9597017" cy="3378953"/>
+          <a:ext cx="9597017" cy="4190584"/>
         </p:xfrm>
         <a:graphic>
           <a:graphicData uri="http://schemas.openxmlformats.org/drawingml/2006/table">
@@ -3941,7 +3977,7 @@
                   </a:extLst>
                 </a:gridCol>
               </a:tblGrid>
-              <a:tr h="489449">
+              <a:tr h="458724">
                 <a:tc>
                   <a:txBody>
                     <a:bodyPr/>
@@ -4189,7 +4225,7 @@
                   </a:ext>
                 </a:extLst>
               </a:tr>
-              <a:tr h="1444752">
+              <a:tr h="1905000">
                 <a:tc>
                   <a:txBody>
                     <a:bodyPr/>
@@ -4439,7 +4475,7 @@
                   </a:ext>
                 </a:extLst>
               </a:tr>
-              <a:tr h="1444752">
+              <a:tr h="1826860">
                 <a:tc>
                   <a:txBody>
                     <a:bodyPr/>
@@ -5036,7 +5072,7 @@
           <p:nvPr/>
         </p:nvPicPr>
         <p:blipFill>
-          <a:blip r:embed="rId2"/>
+          <a:blip r:embed="rId3"/>
           <a:stretch>
             <a:fillRect/>
           </a:stretch>
@@ -5060,7 +5096,7 @@
           <p:nvPr/>
         </p:nvPicPr>
         <p:blipFill>
-          <a:blip r:embed="rId3">
+          <a:blip r:embed="rId4">
             <a:extLst>
               <a:ext uri="{28A0092B-C50C-407E-A947-70E740481C1C}">
                 <a14:useLocalDpi xmlns:a14="http://schemas.microsoft.com/office/drawing/2010/main" val="0"/>
@@ -5250,7 +5286,7 @@
         </p:nvSpPr>
         <p:spPr bwMode="auto">
           <a:xfrm>
-            <a:off x="23374246" y="14630400"/>
+            <a:off x="23374244" y="14677659"/>
             <a:ext cx="8503920" cy="492443"/>
           </a:xfrm>
           <a:prstGeom prst="rect">
@@ -5302,7 +5338,7 @@
         <p:spPr>
           <a:xfrm>
             <a:off x="838199" y="14448893"/>
-            <a:ext cx="6400802" cy="7109639"/>
+            <a:ext cx="6400802" cy="6817251"/>
           </a:xfrm>
           <a:prstGeom prst="rect">
             <a:avLst/>
@@ -5333,15 +5369,15 @@
             </a:r>
             <a:r>
               <a:rPr lang="en-US" sz="2400" dirty="0"/>
-              <a:t>).  Each example in this dataset consists of three parts:  a context, a question, and an answer span.  The context is guaranteed to contain the answer to the associated question, and the goal of the question answering system is to predict the span of text in the context that answers the question.  The ground truth, i.e. the provided answer span, was created based off of humans.  </a:t>
-            </a:r>
-          </a:p>
-          <a:p>
-            <a:pPr algn="just"/>
-            <a:endParaRPr lang="en-US" sz="2400" dirty="0"/>
-          </a:p>
-          <a:p>
-            <a:pPr algn="just"/>
+              <a:t>). Each example in this dataset consists of three parts: a context, a question, and an answer span. The context is guaranteed to contain the answer to the associated question, and the goal of the question answering system is to predict the span of text in the context that answers the question. The ground truth, i.e. the provided answer span, was created based off of humans.</a:t>
+            </a:r>
+          </a:p>
+          <a:p>
+            <a:pPr algn="just">
+              <a:spcBef>
+                <a:spcPts val="800"/>
+              </a:spcBef>
+            </a:pPr>
             <a:r>
               <a:rPr lang="en-US" sz="2400" b="1" dirty="0"/>
               <a:t>Preprocessing</a:t>
@@ -5352,7 +5388,7 @@
             <a:pPr algn="just"/>
             <a:r>
               <a:rPr lang="en-US" sz="2400" dirty="0"/>
-              <a:t>All words were split by whitespace and converted to lowercase.  In addition, all possible quotation marks were converted to a consistent quotation mark, in this case, double quotes.  </a:t>
+              <a:t>All words were split by whitespace and converted to lowercase. In addition, all possible quotation marks were converted to a consistent quotation mark, in this case, double quotes.  </a:t>
             </a:r>
           </a:p>
         </p:txBody>
@@ -5366,14 +5402,14 @@
           <p:nvPr>
             <p:extLst>
               <p:ext uri="{D42A27DB-BD31-4B8C-83A1-F6EECF244321}">
-                <p14:modId xmlns:p14="http://schemas.microsoft.com/office/powerpoint/2010/main" val="1020137413"/>
+                <p14:modId xmlns:p14="http://schemas.microsoft.com/office/powerpoint/2010/main" val="471478562"/>
               </p:ext>
             </p:extLst>
           </p:nvPr>
         </p:nvGraphicFramePr>
         <p:xfrm>
           <a:off x="23374246" y="3411897"/>
-          <a:ext cx="8503920" cy="896815"/>
+          <a:ext cx="8503920" cy="4199206"/>
         </p:xfrm>
         <a:graphic>
           <a:graphicData uri="http://schemas.openxmlformats.org/drawingml/2006/table">
@@ -5417,7 +5453,7 @@
                             <a:schemeClr val="tx1"/>
                           </a:solidFill>
                         </a:rPr>
-                        <a:t>Parameters</a:t>
+                        <a:t>Features (cumulative)</a:t>
                       </a:r>
                     </a:p>
                   </a:txBody>
@@ -5473,7 +5509,7 @@
                             <a:schemeClr val="tx1"/>
                           </a:solidFill>
                         </a:rPr>
-                        <a:t>EM</a:t>
+                        <a:t>dev/EM</a:t>
                       </a:r>
                     </a:p>
                   </a:txBody>
@@ -5529,7 +5565,7 @@
                             <a:schemeClr val="tx1"/>
                           </a:solidFill>
                         </a:rPr>
-                        <a:t>F1</a:t>
+                        <a:t>dev/F1</a:t>
                       </a:r>
                     </a:p>
                   </a:txBody>
@@ -5586,11 +5622,14 @@
                     <a:lstStyle/>
                     <a:p>
                       <a:pPr algn="ctr"/>
-                      <a:endParaRPr lang="en-US" sz="2000" dirty="0">
-                        <a:solidFill>
-                          <a:schemeClr val="tx1"/>
-                        </a:solidFill>
-                      </a:endParaRPr>
+                      <a:r>
+                        <a:rPr lang="en-US" sz="2000" dirty="0">
+                          <a:solidFill>
+                            <a:schemeClr val="tx1"/>
+                          </a:solidFill>
+                        </a:rPr>
+                        <a:t>Baseline</a:t>
+                      </a:r>
                     </a:p>
                   </a:txBody>
                   <a:tcPr anchor="ctr">
@@ -5621,7 +5660,7 @@
                       <a:headEnd type="none" w="med" len="med"/>
                       <a:tailEnd type="none" w="med" len="med"/>
                     </a:lnT>
-                    <a:lnB w="12700" cap="flat" cmpd="sng" algn="ctr">
+                    <a:lnB w="38100" cap="flat" cmpd="sng" algn="ctr">
                       <a:solidFill>
                         <a:srgbClr val="000000"/>
                       </a:solidFill>
@@ -5639,11 +5678,14 @@
                     <a:lstStyle/>
                     <a:p>
                       <a:pPr algn="ctr"/>
-                      <a:endParaRPr lang="en-US" sz="2000" dirty="0">
-                        <a:solidFill>
-                          <a:schemeClr val="tx1"/>
-                        </a:solidFill>
-                      </a:endParaRPr>
+                      <a:r>
+                        <a:rPr lang="en-US" sz="2000" dirty="0">
+                          <a:solidFill>
+                            <a:schemeClr val="tx1"/>
+                          </a:solidFill>
+                        </a:rPr>
+                        <a:t>0.2934</a:t>
+                      </a:r>
                     </a:p>
                   </a:txBody>
                   <a:tcPr anchor="ctr">
@@ -5674,7 +5716,7 @@
                       <a:headEnd type="none" w="med" len="med"/>
                       <a:tailEnd type="none" w="med" len="med"/>
                     </a:lnT>
-                    <a:lnB w="12700" cap="flat" cmpd="sng" algn="ctr">
+                    <a:lnB w="38100" cap="flat" cmpd="sng" algn="ctr">
                       <a:solidFill>
                         <a:srgbClr val="000000"/>
                       </a:solidFill>
@@ -5692,6 +5734,252 @@
                     <a:lstStyle/>
                     <a:p>
                       <a:pPr algn="ctr"/>
+                      <a:r>
+                        <a:rPr lang="en-US" sz="2000" dirty="0">
+                          <a:solidFill>
+                            <a:schemeClr val="tx1"/>
+                          </a:solidFill>
+                        </a:rPr>
+                        <a:t>0.4050</a:t>
+                      </a:r>
+                    </a:p>
+                  </a:txBody>
+                  <a:tcPr anchor="ctr">
+                    <a:lnL w="12700" cap="flat" cmpd="sng" algn="ctr">
+                      <a:solidFill>
+                        <a:srgbClr val="000000"/>
+                      </a:solidFill>
+                      <a:prstDash val="solid"/>
+                      <a:round/>
+                      <a:headEnd type="none" w="med" len="med"/>
+                      <a:tailEnd type="none" w="med" len="med"/>
+                    </a:lnL>
+                    <a:lnR w="12700" cap="flat" cmpd="sng" algn="ctr">
+                      <a:solidFill>
+                        <a:srgbClr val="000000"/>
+                      </a:solidFill>
+                      <a:prstDash val="solid"/>
+                      <a:round/>
+                      <a:headEnd type="none" w="med" len="med"/>
+                      <a:tailEnd type="none" w="med" len="med"/>
+                    </a:lnR>
+                    <a:lnT w="38100" cap="flat" cmpd="sng" algn="ctr">
+                      <a:solidFill>
+                        <a:srgbClr val="000000"/>
+                      </a:solidFill>
+                      <a:prstDash val="solid"/>
+                      <a:round/>
+                      <a:headEnd type="none" w="med" len="med"/>
+                      <a:tailEnd type="none" w="med" len="med"/>
+                    </a:lnT>
+                    <a:lnB w="38100" cap="flat" cmpd="sng" algn="ctr">
+                      <a:solidFill>
+                        <a:srgbClr val="000000"/>
+                      </a:solidFill>
+                      <a:prstDash val="solid"/>
+                      <a:round/>
+                      <a:headEnd type="none" w="med" len="med"/>
+                      <a:tailEnd type="none" w="med" len="med"/>
+                    </a:lnB>
+                    <a:noFill/>
+                  </a:tcPr>
+                </a:tc>
+                <a:extLst>
+                  <a:ext uri="{0D108BD9-81ED-4DB2-BD59-A6C34878D82A}">
+                    <a16:rowId xmlns:a16="http://schemas.microsoft.com/office/drawing/2014/main" val="10001"/>
+                  </a:ext>
+                </a:extLst>
+              </a:tr>
+              <a:tr h="498231">
+                <a:tc>
+                  <a:txBody>
+                    <a:bodyPr/>
+                    <a:lstStyle/>
+                    <a:p>
+                      <a:pPr algn="ctr"/>
+                      <a:r>
+                        <a:rPr lang="en-US" sz="2000" dirty="0">
+                          <a:solidFill>
+                            <a:schemeClr val="tx1"/>
+                          </a:solidFill>
+                        </a:rPr>
+                        <a:t>Bi-directional LSTM for Contextual Embedding Layer</a:t>
+                      </a:r>
+                    </a:p>
+                  </a:txBody>
+                  <a:tcPr anchor="ctr">
+                    <a:lnL w="12700" cap="flat" cmpd="sng" algn="ctr">
+                      <a:solidFill>
+                        <a:srgbClr val="000000"/>
+                      </a:solidFill>
+                      <a:prstDash val="solid"/>
+                      <a:round/>
+                      <a:headEnd type="none" w="med" len="med"/>
+                      <a:tailEnd type="none" w="med" len="med"/>
+                    </a:lnL>
+                    <a:lnR w="12700" cap="flat" cmpd="sng" algn="ctr">
+                      <a:solidFill>
+                        <a:srgbClr val="000000"/>
+                      </a:solidFill>
+                      <a:prstDash val="solid"/>
+                      <a:round/>
+                      <a:headEnd type="none" w="med" len="med"/>
+                      <a:tailEnd type="none" w="med" len="med"/>
+                    </a:lnR>
+                    <a:lnT w="38100" cap="flat" cmpd="sng" algn="ctr">
+                      <a:solidFill>
+                        <a:srgbClr val="000000"/>
+                      </a:solidFill>
+                      <a:prstDash val="solid"/>
+                      <a:round/>
+                      <a:headEnd type="none" w="med" len="med"/>
+                      <a:tailEnd type="none" w="med" len="med"/>
+                    </a:lnT>
+                    <a:lnB w="38100" cap="flat" cmpd="sng" algn="ctr">
+                      <a:solidFill>
+                        <a:srgbClr val="000000"/>
+                      </a:solidFill>
+                      <a:prstDash val="solid"/>
+                      <a:round/>
+                      <a:headEnd type="none" w="med" len="med"/>
+                      <a:tailEnd type="none" w="med" len="med"/>
+                    </a:lnB>
+                    <a:noFill/>
+                  </a:tcPr>
+                </a:tc>
+                <a:tc>
+                  <a:txBody>
+                    <a:bodyPr/>
+                    <a:lstStyle/>
+                    <a:p>
+                      <a:pPr algn="ctr"/>
+                      <a:r>
+                        <a:rPr lang="en-US" sz="2000" dirty="0">
+                          <a:solidFill>
+                            <a:schemeClr val="tx1"/>
+                          </a:solidFill>
+                        </a:rPr>
+                        <a:t>0.3077</a:t>
+                      </a:r>
+                    </a:p>
+                  </a:txBody>
+                  <a:tcPr anchor="ctr">
+                    <a:lnL w="12700" cap="flat" cmpd="sng" algn="ctr">
+                      <a:solidFill>
+                        <a:srgbClr val="000000"/>
+                      </a:solidFill>
+                      <a:prstDash val="solid"/>
+                      <a:round/>
+                      <a:headEnd type="none" w="med" len="med"/>
+                      <a:tailEnd type="none" w="med" len="med"/>
+                    </a:lnL>
+                    <a:lnR w="12700" cap="flat" cmpd="sng" algn="ctr">
+                      <a:solidFill>
+                        <a:srgbClr val="000000"/>
+                      </a:solidFill>
+                      <a:prstDash val="solid"/>
+                      <a:round/>
+                      <a:headEnd type="none" w="med" len="med"/>
+                      <a:tailEnd type="none" w="med" len="med"/>
+                    </a:lnR>
+                    <a:lnT w="38100" cap="flat" cmpd="sng" algn="ctr">
+                      <a:solidFill>
+                        <a:srgbClr val="000000"/>
+                      </a:solidFill>
+                      <a:prstDash val="solid"/>
+                      <a:round/>
+                      <a:headEnd type="none" w="med" len="med"/>
+                      <a:tailEnd type="none" w="med" len="med"/>
+                    </a:lnT>
+                    <a:lnB w="38100" cap="flat" cmpd="sng" algn="ctr">
+                      <a:solidFill>
+                        <a:srgbClr val="000000"/>
+                      </a:solidFill>
+                      <a:prstDash val="solid"/>
+                      <a:round/>
+                      <a:headEnd type="none" w="med" len="med"/>
+                      <a:tailEnd type="none" w="med" len="med"/>
+                    </a:lnB>
+                    <a:noFill/>
+                  </a:tcPr>
+                </a:tc>
+                <a:tc>
+                  <a:txBody>
+                    <a:bodyPr/>
+                    <a:lstStyle/>
+                    <a:p>
+                      <a:pPr algn="ctr"/>
+                      <a:r>
+                        <a:rPr lang="en-US" sz="2000" dirty="0">
+                          <a:solidFill>
+                            <a:schemeClr val="tx1"/>
+                          </a:solidFill>
+                        </a:rPr>
+                        <a:t>0.4182</a:t>
+                      </a:r>
+                    </a:p>
+                  </a:txBody>
+                  <a:tcPr anchor="ctr">
+                    <a:lnL w="12700" cap="flat" cmpd="sng" algn="ctr">
+                      <a:solidFill>
+                        <a:srgbClr val="000000"/>
+                      </a:solidFill>
+                      <a:prstDash val="solid"/>
+                      <a:round/>
+                      <a:headEnd type="none" w="med" len="med"/>
+                      <a:tailEnd type="none" w="med" len="med"/>
+                    </a:lnL>
+                    <a:lnR w="12700" cap="flat" cmpd="sng" algn="ctr">
+                      <a:solidFill>
+                        <a:srgbClr val="000000"/>
+                      </a:solidFill>
+                      <a:prstDash val="solid"/>
+                      <a:round/>
+                      <a:headEnd type="none" w="med" len="med"/>
+                      <a:tailEnd type="none" w="med" len="med"/>
+                    </a:lnR>
+                    <a:lnT w="38100" cap="flat" cmpd="sng" algn="ctr">
+                      <a:solidFill>
+                        <a:srgbClr val="000000"/>
+                      </a:solidFill>
+                      <a:prstDash val="solid"/>
+                      <a:round/>
+                      <a:headEnd type="none" w="med" len="med"/>
+                      <a:tailEnd type="none" w="med" len="med"/>
+                    </a:lnT>
+                    <a:lnB w="38100" cap="flat" cmpd="sng" algn="ctr">
+                      <a:solidFill>
+                        <a:srgbClr val="000000"/>
+                      </a:solidFill>
+                      <a:prstDash val="solid"/>
+                      <a:round/>
+                      <a:headEnd type="none" w="med" len="med"/>
+                      <a:tailEnd type="none" w="med" len="med"/>
+                    </a:lnB>
+                    <a:noFill/>
+                  </a:tcPr>
+                </a:tc>
+                <a:extLst>
+                  <a:ext uri="{0D108BD9-81ED-4DB2-BD59-A6C34878D82A}">
+                    <a16:rowId xmlns:a16="http://schemas.microsoft.com/office/drawing/2014/main" val="480401335"/>
+                  </a:ext>
+                </a:extLst>
+              </a:tr>
+              <a:tr h="498231">
+                <a:tc>
+                  <a:txBody>
+                    <a:bodyPr/>
+                    <a:lstStyle/>
+                    <a:p>
+                      <a:pPr algn="ctr"/>
+                      <a:r>
+                        <a:rPr lang="en-US" sz="2000" dirty="0" err="1">
+                          <a:solidFill>
+                            <a:schemeClr val="tx1"/>
+                          </a:solidFill>
+                        </a:rPr>
+                        <a:t>BiDAF</a:t>
+                      </a:r>
                       <a:endParaRPr lang="en-US" sz="2000" dirty="0">
                         <a:solidFill>
                           <a:schemeClr val="tx1"/>
@@ -5727,7 +6015,119 @@
                       <a:headEnd type="none" w="med" len="med"/>
                       <a:tailEnd type="none" w="med" len="med"/>
                     </a:lnT>
-                    <a:lnB w="12700" cap="flat" cmpd="sng" algn="ctr">
+                    <a:lnB w="38100" cap="flat" cmpd="sng" algn="ctr">
+                      <a:solidFill>
+                        <a:srgbClr val="000000"/>
+                      </a:solidFill>
+                      <a:prstDash val="solid"/>
+                      <a:round/>
+                      <a:headEnd type="none" w="med" len="med"/>
+                      <a:tailEnd type="none" w="med" len="med"/>
+                    </a:lnB>
+                    <a:noFill/>
+                  </a:tcPr>
+                </a:tc>
+                <a:tc>
+                  <a:txBody>
+                    <a:bodyPr/>
+                    <a:lstStyle/>
+                    <a:p>
+                      <a:pPr algn="ctr"/>
+                      <a:r>
+                        <a:rPr lang="en-US" sz="2000" dirty="0">
+                          <a:solidFill>
+                            <a:schemeClr val="tx1"/>
+                          </a:solidFill>
+                        </a:rPr>
+                        <a:t>0.3412</a:t>
+                      </a:r>
+                    </a:p>
+                  </a:txBody>
+                  <a:tcPr anchor="ctr">
+                    <a:lnL w="12700" cap="flat" cmpd="sng" algn="ctr">
+                      <a:solidFill>
+                        <a:srgbClr val="000000"/>
+                      </a:solidFill>
+                      <a:prstDash val="solid"/>
+                      <a:round/>
+                      <a:headEnd type="none" w="med" len="med"/>
+                      <a:tailEnd type="none" w="med" len="med"/>
+                    </a:lnL>
+                    <a:lnR w="12700" cap="flat" cmpd="sng" algn="ctr">
+                      <a:solidFill>
+                        <a:srgbClr val="000000"/>
+                      </a:solidFill>
+                      <a:prstDash val="solid"/>
+                      <a:round/>
+                      <a:headEnd type="none" w="med" len="med"/>
+                      <a:tailEnd type="none" w="med" len="med"/>
+                    </a:lnR>
+                    <a:lnT w="38100" cap="flat" cmpd="sng" algn="ctr">
+                      <a:solidFill>
+                        <a:srgbClr val="000000"/>
+                      </a:solidFill>
+                      <a:prstDash val="solid"/>
+                      <a:round/>
+                      <a:headEnd type="none" w="med" len="med"/>
+                      <a:tailEnd type="none" w="med" len="med"/>
+                    </a:lnT>
+                    <a:lnB w="38100" cap="flat" cmpd="sng" algn="ctr">
+                      <a:solidFill>
+                        <a:srgbClr val="000000"/>
+                      </a:solidFill>
+                      <a:prstDash val="solid"/>
+                      <a:round/>
+                      <a:headEnd type="none" w="med" len="med"/>
+                      <a:tailEnd type="none" w="med" len="med"/>
+                    </a:lnB>
+                    <a:noFill/>
+                  </a:tcPr>
+                </a:tc>
+                <a:tc>
+                  <a:txBody>
+                    <a:bodyPr/>
+                    <a:lstStyle/>
+                    <a:p>
+                      <a:pPr algn="ctr"/>
+                      <a:r>
+                        <a:rPr lang="en-US" sz="2000" dirty="0">
+                          <a:solidFill>
+                            <a:schemeClr val="tx1"/>
+                          </a:solidFill>
+                        </a:rPr>
+                        <a:t>0.4598</a:t>
+                      </a:r>
+                    </a:p>
+                  </a:txBody>
+                  <a:tcPr anchor="ctr">
+                    <a:lnL w="12700" cap="flat" cmpd="sng" algn="ctr">
+                      <a:solidFill>
+                        <a:srgbClr val="000000"/>
+                      </a:solidFill>
+                      <a:prstDash val="solid"/>
+                      <a:round/>
+                      <a:headEnd type="none" w="med" len="med"/>
+                      <a:tailEnd type="none" w="med" len="med"/>
+                    </a:lnL>
+                    <a:lnR w="12700" cap="flat" cmpd="sng" algn="ctr">
+                      <a:solidFill>
+                        <a:srgbClr val="000000"/>
+                      </a:solidFill>
+                      <a:prstDash val="solid"/>
+                      <a:round/>
+                      <a:headEnd type="none" w="med" len="med"/>
+                      <a:tailEnd type="none" w="med" len="med"/>
+                    </a:lnR>
+                    <a:lnT w="38100" cap="flat" cmpd="sng" algn="ctr">
+                      <a:solidFill>
+                        <a:srgbClr val="000000"/>
+                      </a:solidFill>
+                      <a:prstDash val="solid"/>
+                      <a:round/>
+                      <a:headEnd type="none" w="med" len="med"/>
+                      <a:tailEnd type="none" w="med" len="med"/>
+                    </a:lnT>
+                    <a:lnB w="38100" cap="flat" cmpd="sng" algn="ctr">
                       <a:solidFill>
                         <a:srgbClr val="000000"/>
                       </a:solidFill>
@@ -5741,7 +6141,533 @@
                 </a:tc>
                 <a:extLst>
                   <a:ext uri="{0D108BD9-81ED-4DB2-BD59-A6C34878D82A}">
-                    <a16:rowId xmlns:a16="http://schemas.microsoft.com/office/drawing/2014/main" val="10001"/>
+                    <a16:rowId xmlns:a16="http://schemas.microsoft.com/office/drawing/2014/main" val="442501831"/>
+                  </a:ext>
+                </a:extLst>
+              </a:tr>
+              <a:tr h="498231">
+                <a:tc>
+                  <a:txBody>
+                    <a:bodyPr/>
+                    <a:lstStyle/>
+                    <a:p>
+                      <a:pPr algn="ctr"/>
+                      <a:r>
+                        <a:rPr lang="en-US" sz="2000" dirty="0">
+                          <a:solidFill>
+                            <a:schemeClr val="tx1"/>
+                          </a:solidFill>
+                        </a:rPr>
+                        <a:t>Bi-directional LSTMs for Modeling Layer</a:t>
+                      </a:r>
+                    </a:p>
+                  </a:txBody>
+                  <a:tcPr anchor="ctr">
+                    <a:lnL w="12700" cap="flat" cmpd="sng" algn="ctr">
+                      <a:solidFill>
+                        <a:srgbClr val="000000"/>
+                      </a:solidFill>
+                      <a:prstDash val="solid"/>
+                      <a:round/>
+                      <a:headEnd type="none" w="med" len="med"/>
+                      <a:tailEnd type="none" w="med" len="med"/>
+                    </a:lnL>
+                    <a:lnR w="12700" cap="flat" cmpd="sng" algn="ctr">
+                      <a:solidFill>
+                        <a:srgbClr val="000000"/>
+                      </a:solidFill>
+                      <a:prstDash val="solid"/>
+                      <a:round/>
+                      <a:headEnd type="none" w="med" len="med"/>
+                      <a:tailEnd type="none" w="med" len="med"/>
+                    </a:lnR>
+                    <a:lnT w="38100" cap="flat" cmpd="sng" algn="ctr">
+                      <a:solidFill>
+                        <a:srgbClr val="000000"/>
+                      </a:solidFill>
+                      <a:prstDash val="solid"/>
+                      <a:round/>
+                      <a:headEnd type="none" w="med" len="med"/>
+                      <a:tailEnd type="none" w="med" len="med"/>
+                    </a:lnT>
+                    <a:lnB w="38100" cap="flat" cmpd="sng" algn="ctr">
+                      <a:solidFill>
+                        <a:srgbClr val="000000"/>
+                      </a:solidFill>
+                      <a:prstDash val="solid"/>
+                      <a:round/>
+                      <a:headEnd type="none" w="med" len="med"/>
+                      <a:tailEnd type="none" w="med" len="med"/>
+                    </a:lnB>
+                    <a:noFill/>
+                  </a:tcPr>
+                </a:tc>
+                <a:tc>
+                  <a:txBody>
+                    <a:bodyPr/>
+                    <a:lstStyle/>
+                    <a:p>
+                      <a:pPr algn="ctr"/>
+                      <a:r>
+                        <a:rPr lang="en-US" sz="2000" dirty="0">
+                          <a:solidFill>
+                            <a:schemeClr val="tx1"/>
+                          </a:solidFill>
+                        </a:rPr>
+                        <a:t>0.5025</a:t>
+                      </a:r>
+                    </a:p>
+                  </a:txBody>
+                  <a:tcPr anchor="ctr">
+                    <a:lnL w="12700" cap="flat" cmpd="sng" algn="ctr">
+                      <a:solidFill>
+                        <a:srgbClr val="000000"/>
+                      </a:solidFill>
+                      <a:prstDash val="solid"/>
+                      <a:round/>
+                      <a:headEnd type="none" w="med" len="med"/>
+                      <a:tailEnd type="none" w="med" len="med"/>
+                    </a:lnL>
+                    <a:lnR w="12700" cap="flat" cmpd="sng" algn="ctr">
+                      <a:solidFill>
+                        <a:srgbClr val="000000"/>
+                      </a:solidFill>
+                      <a:prstDash val="solid"/>
+                      <a:round/>
+                      <a:headEnd type="none" w="med" len="med"/>
+                      <a:tailEnd type="none" w="med" len="med"/>
+                    </a:lnR>
+                    <a:lnT w="38100" cap="flat" cmpd="sng" algn="ctr">
+                      <a:solidFill>
+                        <a:srgbClr val="000000"/>
+                      </a:solidFill>
+                      <a:prstDash val="solid"/>
+                      <a:round/>
+                      <a:headEnd type="none" w="med" len="med"/>
+                      <a:tailEnd type="none" w="med" len="med"/>
+                    </a:lnT>
+                    <a:lnB w="38100" cap="flat" cmpd="sng" algn="ctr">
+                      <a:solidFill>
+                        <a:srgbClr val="000000"/>
+                      </a:solidFill>
+                      <a:prstDash val="solid"/>
+                      <a:round/>
+                      <a:headEnd type="none" w="med" len="med"/>
+                      <a:tailEnd type="none" w="med" len="med"/>
+                    </a:lnB>
+                    <a:noFill/>
+                  </a:tcPr>
+                </a:tc>
+                <a:tc>
+                  <a:txBody>
+                    <a:bodyPr/>
+                    <a:lstStyle/>
+                    <a:p>
+                      <a:pPr algn="ctr"/>
+                      <a:r>
+                        <a:rPr lang="en-US" sz="2000" dirty="0">
+                          <a:solidFill>
+                            <a:schemeClr val="tx1"/>
+                          </a:solidFill>
+                        </a:rPr>
+                        <a:t>0.6509</a:t>
+                      </a:r>
+                    </a:p>
+                  </a:txBody>
+                  <a:tcPr anchor="ctr">
+                    <a:lnL w="12700" cap="flat" cmpd="sng" algn="ctr">
+                      <a:solidFill>
+                        <a:srgbClr val="000000"/>
+                      </a:solidFill>
+                      <a:prstDash val="solid"/>
+                      <a:round/>
+                      <a:headEnd type="none" w="med" len="med"/>
+                      <a:tailEnd type="none" w="med" len="med"/>
+                    </a:lnL>
+                    <a:lnR w="12700" cap="flat" cmpd="sng" algn="ctr">
+                      <a:solidFill>
+                        <a:srgbClr val="000000"/>
+                      </a:solidFill>
+                      <a:prstDash val="solid"/>
+                      <a:round/>
+                      <a:headEnd type="none" w="med" len="med"/>
+                      <a:tailEnd type="none" w="med" len="med"/>
+                    </a:lnR>
+                    <a:lnT w="38100" cap="flat" cmpd="sng" algn="ctr">
+                      <a:solidFill>
+                        <a:srgbClr val="000000"/>
+                      </a:solidFill>
+                      <a:prstDash val="solid"/>
+                      <a:round/>
+                      <a:headEnd type="none" w="med" len="med"/>
+                      <a:tailEnd type="none" w="med" len="med"/>
+                    </a:lnT>
+                    <a:lnB w="38100" cap="flat" cmpd="sng" algn="ctr">
+                      <a:solidFill>
+                        <a:srgbClr val="000000"/>
+                      </a:solidFill>
+                      <a:prstDash val="solid"/>
+                      <a:round/>
+                      <a:headEnd type="none" w="med" len="med"/>
+                      <a:tailEnd type="none" w="med" len="med"/>
+                    </a:lnB>
+                    <a:noFill/>
+                  </a:tcPr>
+                </a:tc>
+                <a:extLst>
+                  <a:ext uri="{0D108BD9-81ED-4DB2-BD59-A6C34878D82A}">
+                    <a16:rowId xmlns:a16="http://schemas.microsoft.com/office/drawing/2014/main" val="2482081179"/>
+                  </a:ext>
+                </a:extLst>
+              </a:tr>
+              <a:tr h="498231">
+                <a:tc>
+                  <a:txBody>
+                    <a:bodyPr/>
+                    <a:lstStyle/>
+                    <a:p>
+                      <a:pPr algn="ctr"/>
+                      <a:r>
+                        <a:rPr lang="en-US" sz="2000" dirty="0">
+                          <a:solidFill>
+                            <a:schemeClr val="tx1"/>
+                          </a:solidFill>
+                        </a:rPr>
+                        <a:t>L2 Regularization, Condition End Prediction on Start Prediction</a:t>
+                      </a:r>
+                    </a:p>
+                  </a:txBody>
+                  <a:tcPr anchor="ctr">
+                    <a:lnL w="12700" cap="flat" cmpd="sng" algn="ctr">
+                      <a:solidFill>
+                        <a:srgbClr val="000000"/>
+                      </a:solidFill>
+                      <a:prstDash val="solid"/>
+                      <a:round/>
+                      <a:headEnd type="none" w="med" len="med"/>
+                      <a:tailEnd type="none" w="med" len="med"/>
+                    </a:lnL>
+                    <a:lnR w="12700" cap="flat" cmpd="sng" algn="ctr">
+                      <a:solidFill>
+                        <a:srgbClr val="000000"/>
+                      </a:solidFill>
+                      <a:prstDash val="solid"/>
+                      <a:round/>
+                      <a:headEnd type="none" w="med" len="med"/>
+                      <a:tailEnd type="none" w="med" len="med"/>
+                    </a:lnR>
+                    <a:lnT w="38100" cap="flat" cmpd="sng" algn="ctr">
+                      <a:solidFill>
+                        <a:srgbClr val="000000"/>
+                      </a:solidFill>
+                      <a:prstDash val="solid"/>
+                      <a:round/>
+                      <a:headEnd type="none" w="med" len="med"/>
+                      <a:tailEnd type="none" w="med" len="med"/>
+                    </a:lnT>
+                    <a:lnB w="38100" cap="flat" cmpd="sng" algn="ctr">
+                      <a:solidFill>
+                        <a:srgbClr val="000000"/>
+                      </a:solidFill>
+                      <a:prstDash val="solid"/>
+                      <a:round/>
+                      <a:headEnd type="none" w="med" len="med"/>
+                      <a:tailEnd type="none" w="med" len="med"/>
+                    </a:lnB>
+                    <a:noFill/>
+                  </a:tcPr>
+                </a:tc>
+                <a:tc>
+                  <a:txBody>
+                    <a:bodyPr/>
+                    <a:lstStyle/>
+                    <a:p>
+                      <a:pPr algn="ctr"/>
+                      <a:r>
+                        <a:rPr lang="en-US" sz="2000" dirty="0">
+                          <a:solidFill>
+                            <a:schemeClr val="tx1"/>
+                          </a:solidFill>
+                        </a:rPr>
+                        <a:t>0.5074</a:t>
+                      </a:r>
+                    </a:p>
+                  </a:txBody>
+                  <a:tcPr anchor="ctr">
+                    <a:lnL w="12700" cap="flat" cmpd="sng" algn="ctr">
+                      <a:solidFill>
+                        <a:srgbClr val="000000"/>
+                      </a:solidFill>
+                      <a:prstDash val="solid"/>
+                      <a:round/>
+                      <a:headEnd type="none" w="med" len="med"/>
+                      <a:tailEnd type="none" w="med" len="med"/>
+                    </a:lnL>
+                    <a:lnR w="12700" cap="flat" cmpd="sng" algn="ctr">
+                      <a:solidFill>
+                        <a:srgbClr val="000000"/>
+                      </a:solidFill>
+                      <a:prstDash val="solid"/>
+                      <a:round/>
+                      <a:headEnd type="none" w="med" len="med"/>
+                      <a:tailEnd type="none" w="med" len="med"/>
+                    </a:lnR>
+                    <a:lnT w="38100" cap="flat" cmpd="sng" algn="ctr">
+                      <a:solidFill>
+                        <a:srgbClr val="000000"/>
+                      </a:solidFill>
+                      <a:prstDash val="solid"/>
+                      <a:round/>
+                      <a:headEnd type="none" w="med" len="med"/>
+                      <a:tailEnd type="none" w="med" len="med"/>
+                    </a:lnT>
+                    <a:lnB w="38100" cap="flat" cmpd="sng" algn="ctr">
+                      <a:solidFill>
+                        <a:srgbClr val="000000"/>
+                      </a:solidFill>
+                      <a:prstDash val="solid"/>
+                      <a:round/>
+                      <a:headEnd type="none" w="med" len="med"/>
+                      <a:tailEnd type="none" w="med" len="med"/>
+                    </a:lnB>
+                    <a:noFill/>
+                  </a:tcPr>
+                </a:tc>
+                <a:tc>
+                  <a:txBody>
+                    <a:bodyPr/>
+                    <a:lstStyle/>
+                    <a:p>
+                      <a:pPr algn="ctr"/>
+                      <a:r>
+                        <a:rPr lang="en-US" sz="2000" dirty="0">
+                          <a:solidFill>
+                            <a:schemeClr val="tx1"/>
+                          </a:solidFill>
+                        </a:rPr>
+                        <a:t>0.6580</a:t>
+                      </a:r>
+                    </a:p>
+                  </a:txBody>
+                  <a:tcPr anchor="ctr">
+                    <a:lnL w="12700" cap="flat" cmpd="sng" algn="ctr">
+                      <a:solidFill>
+                        <a:srgbClr val="000000"/>
+                      </a:solidFill>
+                      <a:prstDash val="solid"/>
+                      <a:round/>
+                      <a:headEnd type="none" w="med" len="med"/>
+                      <a:tailEnd type="none" w="med" len="med"/>
+                    </a:lnL>
+                    <a:lnR w="12700" cap="flat" cmpd="sng" algn="ctr">
+                      <a:solidFill>
+                        <a:srgbClr val="000000"/>
+                      </a:solidFill>
+                      <a:prstDash val="solid"/>
+                      <a:round/>
+                      <a:headEnd type="none" w="med" len="med"/>
+                      <a:tailEnd type="none" w="med" len="med"/>
+                    </a:lnR>
+                    <a:lnT w="38100" cap="flat" cmpd="sng" algn="ctr">
+                      <a:solidFill>
+                        <a:srgbClr val="000000"/>
+                      </a:solidFill>
+                      <a:prstDash val="solid"/>
+                      <a:round/>
+                      <a:headEnd type="none" w="med" len="med"/>
+                      <a:tailEnd type="none" w="med" len="med"/>
+                    </a:lnT>
+                    <a:lnB w="38100" cap="flat" cmpd="sng" algn="ctr">
+                      <a:solidFill>
+                        <a:srgbClr val="000000"/>
+                      </a:solidFill>
+                      <a:prstDash val="solid"/>
+                      <a:round/>
+                      <a:headEnd type="none" w="med" len="med"/>
+                      <a:tailEnd type="none" w="med" len="med"/>
+                    </a:lnB>
+                    <a:noFill/>
+                  </a:tcPr>
+                </a:tc>
+                <a:extLst>
+                  <a:ext uri="{0D108BD9-81ED-4DB2-BD59-A6C34878D82A}">
+                    <a16:rowId xmlns:a16="http://schemas.microsoft.com/office/drawing/2014/main" val="865267732"/>
+                  </a:ext>
+                </a:extLst>
+              </a:tr>
+              <a:tr h="498231">
+                <a:tc>
+                  <a:txBody>
+                    <a:bodyPr/>
+                    <a:lstStyle/>
+                    <a:p>
+                      <a:pPr algn="ctr"/>
+                      <a:r>
+                        <a:rPr lang="en-US" sz="2000" dirty="0">
+                          <a:solidFill>
+                            <a:schemeClr val="tx1"/>
+                          </a:solidFill>
+                        </a:rPr>
+                        <a:t>Character-level CNN, bi-directional GRUs for Modeling Layer</a:t>
+                      </a:r>
+                    </a:p>
+                  </a:txBody>
+                  <a:tcPr anchor="ctr">
+                    <a:lnL w="12700" cap="flat" cmpd="sng" algn="ctr">
+                      <a:solidFill>
+                        <a:srgbClr val="000000"/>
+                      </a:solidFill>
+                      <a:prstDash val="solid"/>
+                      <a:round/>
+                      <a:headEnd type="none" w="med" len="med"/>
+                      <a:tailEnd type="none" w="med" len="med"/>
+                    </a:lnL>
+                    <a:lnR w="12700" cap="flat" cmpd="sng" algn="ctr">
+                      <a:solidFill>
+                        <a:srgbClr val="000000"/>
+                      </a:solidFill>
+                      <a:prstDash val="solid"/>
+                      <a:round/>
+                      <a:headEnd type="none" w="med" len="med"/>
+                      <a:tailEnd type="none" w="med" len="med"/>
+                    </a:lnR>
+                    <a:lnT w="38100" cap="flat" cmpd="sng" algn="ctr">
+                      <a:solidFill>
+                        <a:srgbClr val="000000"/>
+                      </a:solidFill>
+                      <a:prstDash val="solid"/>
+                      <a:round/>
+                      <a:headEnd type="none" w="med" len="med"/>
+                      <a:tailEnd type="none" w="med" len="med"/>
+                    </a:lnT>
+                    <a:lnB w="12700" cap="flat" cmpd="sng" algn="ctr">
+                      <a:solidFill>
+                        <a:srgbClr val="000000"/>
+                      </a:solidFill>
+                      <a:prstDash val="solid"/>
+                      <a:round/>
+                      <a:headEnd type="none" w="med" len="med"/>
+                      <a:tailEnd type="none" w="med" len="med"/>
+                    </a:lnB>
+                    <a:noFill/>
+                  </a:tcPr>
+                </a:tc>
+                <a:tc>
+                  <a:txBody>
+                    <a:bodyPr/>
+                    <a:lstStyle/>
+                    <a:p>
+                      <a:pPr algn="ctr"/>
+                      <a:r>
+                        <a:rPr lang="en-US" sz="2000" dirty="0"/>
+                        <a:t>0.5232</a:t>
+                      </a:r>
+                      <a:endParaRPr lang="en-US" sz="2000" dirty="0">
+                        <a:solidFill>
+                          <a:schemeClr val="tx1"/>
+                        </a:solidFill>
+                      </a:endParaRPr>
+                    </a:p>
+                  </a:txBody>
+                  <a:tcPr anchor="ctr">
+                    <a:lnL w="12700" cap="flat" cmpd="sng" algn="ctr">
+                      <a:solidFill>
+                        <a:srgbClr val="000000"/>
+                      </a:solidFill>
+                      <a:prstDash val="solid"/>
+                      <a:round/>
+                      <a:headEnd type="none" w="med" len="med"/>
+                      <a:tailEnd type="none" w="med" len="med"/>
+                    </a:lnL>
+                    <a:lnR w="12700" cap="flat" cmpd="sng" algn="ctr">
+                      <a:solidFill>
+                        <a:srgbClr val="000000"/>
+                      </a:solidFill>
+                      <a:prstDash val="solid"/>
+                      <a:round/>
+                      <a:headEnd type="none" w="med" len="med"/>
+                      <a:tailEnd type="none" w="med" len="med"/>
+                    </a:lnR>
+                    <a:lnT w="38100" cap="flat" cmpd="sng" algn="ctr">
+                      <a:solidFill>
+                        <a:srgbClr val="000000"/>
+                      </a:solidFill>
+                      <a:prstDash val="solid"/>
+                      <a:round/>
+                      <a:headEnd type="none" w="med" len="med"/>
+                      <a:tailEnd type="none" w="med" len="med"/>
+                    </a:lnT>
+                    <a:lnB w="12700" cap="flat" cmpd="sng" algn="ctr">
+                      <a:solidFill>
+                        <a:srgbClr val="000000"/>
+                      </a:solidFill>
+                      <a:prstDash val="solid"/>
+                      <a:round/>
+                      <a:headEnd type="none" w="med" len="med"/>
+                      <a:tailEnd type="none" w="med" len="med"/>
+                    </a:lnB>
+                    <a:noFill/>
+                  </a:tcPr>
+                </a:tc>
+                <a:tc>
+                  <a:txBody>
+                    <a:bodyPr/>
+                    <a:lstStyle/>
+                    <a:p>
+                      <a:pPr algn="ctr"/>
+                      <a:r>
+                        <a:rPr lang="en-US" sz="2000" dirty="0">
+                          <a:solidFill>
+                            <a:schemeClr val="tx1"/>
+                          </a:solidFill>
+                        </a:rPr>
+                        <a:t>0.6744</a:t>
+                      </a:r>
+                    </a:p>
+                  </a:txBody>
+                  <a:tcPr anchor="ctr">
+                    <a:lnL w="12700" cap="flat" cmpd="sng" algn="ctr">
+                      <a:solidFill>
+                        <a:srgbClr val="000000"/>
+                      </a:solidFill>
+                      <a:prstDash val="solid"/>
+                      <a:round/>
+                      <a:headEnd type="none" w="med" len="med"/>
+                      <a:tailEnd type="none" w="med" len="med"/>
+                    </a:lnL>
+                    <a:lnR w="12700" cap="flat" cmpd="sng" algn="ctr">
+                      <a:solidFill>
+                        <a:srgbClr val="000000"/>
+                      </a:solidFill>
+                      <a:prstDash val="solid"/>
+                      <a:round/>
+                      <a:headEnd type="none" w="med" len="med"/>
+                      <a:tailEnd type="none" w="med" len="med"/>
+                    </a:lnR>
+                    <a:lnT w="38100" cap="flat" cmpd="sng" algn="ctr">
+                      <a:solidFill>
+                        <a:srgbClr val="000000"/>
+                      </a:solidFill>
+                      <a:prstDash val="solid"/>
+                      <a:round/>
+                      <a:headEnd type="none" w="med" len="med"/>
+                      <a:tailEnd type="none" w="med" len="med"/>
+                    </a:lnT>
+                    <a:lnB w="12700" cap="flat" cmpd="sng" algn="ctr">
+                      <a:solidFill>
+                        <a:srgbClr val="000000"/>
+                      </a:solidFill>
+                      <a:prstDash val="solid"/>
+                      <a:round/>
+                      <a:headEnd type="none" w="med" len="med"/>
+                      <a:tailEnd type="none" w="med" len="med"/>
+                    </a:lnB>
+                    <a:noFill/>
+                  </a:tcPr>
+                </a:tc>
+                <a:extLst>
+                  <a:ext uri="{0D108BD9-81ED-4DB2-BD59-A6C34878D82A}">
+                    <a16:rowId xmlns:a16="http://schemas.microsoft.com/office/drawing/2014/main" val="3834997778"/>
                   </a:ext>
                 </a:extLst>
               </a:tr>
@@ -5780,15 +6706,7 @@
             <a:pPr algn="just"/>
             <a:r>
               <a:rPr lang="en-US" sz="2400" dirty="0"/>
-              <a:t>For the final project for CS 224N: Natural Language Processing with Deep Learning, we implemented a machine comprehension model that utilizes a character-level CNN, </a:t>
-            </a:r>
-            <a:r>
-              <a:rPr lang="en-US" sz="2400" dirty="0" err="1"/>
-              <a:t>BiDirectional</a:t>
-            </a:r>
-            <a:r>
-              <a:rPr lang="en-US" sz="2400" dirty="0"/>
-              <a:t> Attention Flow (</a:t>
+              <a:t>For the final project for CS 224N: Natural Language Processing with Deep Learning, we implemented a machine comprehension model that utilizes a character-level CNN, Bi-directional Attention Flow (</a:t>
             </a:r>
             <a:r>
               <a:rPr lang="en-US" sz="2400" dirty="0" err="1"/>
@@ -5796,7 +6714,7 @@
             </a:r>
             <a:r>
               <a:rPr lang="en-US" sz="2400" dirty="0"/>
-              <a:t>), and a modeling layer. We achieved a maximum F1 score of ??? and an EM score of ??? on the test set.</a:t>
+              <a:t>), and a double GRU modeling layer. We achieved a maximum F1 score of 0.6744 and an EM score of 0.5232 on the dev set.</a:t>
             </a:r>
           </a:p>
         </p:txBody>
@@ -5891,47 +6809,11 @@
             <a:pPr algn="just"/>
             <a:r>
               <a:rPr lang="en-US" sz="2400" dirty="0"/>
-              <a:t>For humans, reading and understanding text, images, audio, and other inputs seems like second nature.  However, for computers, this remains an open problem.  Done correctly, machine comprehension has the potential to streamline a myriad of real-world problems, from answering Jeopardy questions to searching through medical articles and records.  Rather than having to manually search through relevant articles to find answers to questions, having an operational machine comprehension system would allow automatic detection of key pieces of text within the actual articles, saving hours upon hours of time.  Therefore, we attempt to improve on current NLP and deep learning models for this question and answering problem.</a:t>
+              <a:t>For humans, reading and understanding text, images, audio, and other inputs seems like second nature. For computers, however, this remains an open problem. Done correctly, machine comprehension has the potential to streamline a myriad of real-world problems, from answering Jeopardy questions to searching through medical articles and records. Rather than having to manually search through relevant articles to find answers to questions, an operational machine comprehension system would allow automatic detection of key pieces of text within the actual articles, saving many hours of time that could otherwise be spent elsewhere. Therefore, we attempt to improve on current NLP and deep learning models for this question and answering problem.</a:t>
             </a:r>
           </a:p>
         </p:txBody>
       </p:sp>
-      <p:pic>
-        <p:nvPicPr>
-          <p:cNvPr id="23" name="Picture 22">
-            <a:extLst>
-              <a:ext uri="{FF2B5EF4-FFF2-40B4-BE49-F238E27FC236}">
-                <a16:creationId xmlns:a16="http://schemas.microsoft.com/office/drawing/2014/main" id="{D308CFD4-934C-994E-80A9-71813C625E55}"/>
-              </a:ext>
-            </a:extLst>
-          </p:cNvPr>
-          <p:cNvPicPr>
-            <a:picLocks noChangeAspect="1"/>
-          </p:cNvPicPr>
-          <p:nvPr/>
-        </p:nvPicPr>
-        <p:blipFill>
-          <a:blip r:embed="rId4">
-            <a:extLst>
-              <a:ext uri="{28A0092B-C50C-407E-A947-70E740481C1C}">
-                <a14:useLocalDpi xmlns:a14="http://schemas.microsoft.com/office/drawing/2010/main" val="0"/>
-              </a:ext>
-            </a:extLst>
-          </a:blip>
-          <a:stretch>
-            <a:fillRect/>
-          </a:stretch>
-        </p:blipFill>
-        <p:spPr>
-          <a:xfrm>
-            <a:off x="7690792" y="3352800"/>
-            <a:ext cx="15236891" cy="8763000"/>
-          </a:xfrm>
-          <a:prstGeom prst="rect">
-            <a:avLst/>
-          </a:prstGeom>
-        </p:spPr>
-      </p:pic>
       <p:grpSp>
         <p:nvGrpSpPr>
           <p:cNvPr id="58" name="Group 57">
@@ -5947,9 +6829,9 @@
         <p:grpSpPr>
           <a:xfrm>
             <a:off x="14127480" y="12847970"/>
-            <a:ext cx="8769096" cy="2880360"/>
+            <a:ext cx="8769096" cy="3685490"/>
             <a:chOff x="14127480" y="9747504"/>
-            <a:chExt cx="8769096" cy="2880360"/>
+            <a:chExt cx="8769096" cy="3685490"/>
           </a:xfrm>
         </p:grpSpPr>
         <p:pic>
@@ -5980,8 +6862,8 @@
           </p:blipFill>
           <p:spPr>
             <a:xfrm>
-              <a:off x="20007072" y="11210544"/>
-              <a:ext cx="2889504" cy="1417320"/>
+              <a:off x="20007072" y="11656572"/>
+              <a:ext cx="2889504" cy="1776422"/>
             </a:xfrm>
             <a:prstGeom prst="rect">
               <a:avLst/>
@@ -6016,8 +6898,8 @@
           </p:blipFill>
           <p:spPr>
             <a:xfrm>
-              <a:off x="17071848" y="11210544"/>
-              <a:ext cx="2889504" cy="1417320"/>
+              <a:off x="17071848" y="11656572"/>
+              <a:ext cx="2889504" cy="1776422"/>
             </a:xfrm>
             <a:prstGeom prst="rect">
               <a:avLst/>
@@ -6052,8 +6934,8 @@
           </p:blipFill>
           <p:spPr>
             <a:xfrm>
-              <a:off x="14127480" y="11210544"/>
-              <a:ext cx="2889504" cy="1417320"/>
+              <a:off x="14127480" y="11656572"/>
+              <a:ext cx="2889504" cy="1776422"/>
             </a:xfrm>
             <a:prstGeom prst="rect">
               <a:avLst/>
@@ -6089,7 +6971,7 @@
           <p:spPr>
             <a:xfrm>
               <a:off x="20007072" y="9747504"/>
-              <a:ext cx="2889504" cy="1417320"/>
+              <a:ext cx="2889504" cy="1829689"/>
             </a:xfrm>
             <a:prstGeom prst="rect">
               <a:avLst/>
@@ -6124,8 +7006,8 @@
           </p:blipFill>
           <p:spPr>
             <a:xfrm>
-              <a:off x="17071848" y="9747504"/>
-              <a:ext cx="2889504" cy="1417320"/>
+              <a:off x="17071848" y="9747505"/>
+              <a:ext cx="2889504" cy="1829688"/>
             </a:xfrm>
             <a:prstGeom prst="rect">
               <a:avLst/>
@@ -6161,7 +7043,7 @@
           <p:spPr>
             <a:xfrm>
               <a:off x="14127480" y="9747504"/>
-              <a:ext cx="2889504" cy="1420671"/>
+              <a:ext cx="2889504" cy="1829689"/>
             </a:xfrm>
             <a:prstGeom prst="rect">
               <a:avLst/>
@@ -6183,8 +7065,8 @@
         </p:nvSpPr>
         <p:spPr>
           <a:xfrm>
-            <a:off x="13210224" y="16243280"/>
-            <a:ext cx="9686352" cy="4154984"/>
+            <a:off x="13210224" y="16864563"/>
+            <a:ext cx="9686352" cy="4524315"/>
           </a:xfrm>
           <a:prstGeom prst="rect">
             <a:avLst/>
@@ -6200,11 +7082,11 @@
             <a:pPr algn="just"/>
             <a:r>
               <a:rPr lang="en-US" sz="2400" b="1" dirty="0"/>
-              <a:t>Figure A:</a:t>
+              <a:t>(Figure A):</a:t>
             </a:r>
             <a:r>
               <a:rPr lang="en-US" sz="2400" dirty="0"/>
-              <a:t>  Diagram displaying the architecture of the neural network used to predict answers based on the context and the questions.  Some layers include a character-level CNN, </a:t>
+              <a:t>  Diagram displaying the architecture of the neural network used to predict answers based on the context and questions.  The implemented layers include a character-level CNN, </a:t>
             </a:r>
             <a:r>
               <a:rPr lang="en-US" sz="2400" dirty="0" err="1"/>
@@ -6220,47 +7102,121 @@
             </a:r>
             <a:r>
               <a:rPr lang="en-US" sz="2400" dirty="0"/>
-              <a:t>, and bidirectional attention.  </a:t>
+              <a:t>, bi-directional attention flow, and a pair of bi-directional LSTMs for the modeling layer. (</a:t>
             </a:r>
             <a:r>
               <a:rPr lang="en-US" sz="2400" b="1" dirty="0"/>
-              <a:t>Figure B:  </a:t>
+              <a:t>Figure B): </a:t>
             </a:r>
             <a:r>
               <a:rPr lang="en-US" sz="2400" dirty="0"/>
-              <a:t>Graphs displaying basic characteristics of the provided training set.  </a:t>
+              <a:t>Graphs displaying basic characteristics of the provided training set. </a:t>
             </a:r>
             <a:r>
               <a:rPr lang="en-US" sz="2400" b="1" dirty="0"/>
-              <a:t>1.  </a:t>
+              <a:t>B.1: </a:t>
             </a:r>
             <a:r>
               <a:rPr lang="en-US" sz="2400" dirty="0"/>
-              <a:t>Context lengths (vast majority less than 400 words long) </a:t>
+              <a:t>Context lengths (99.789% less than 400 words long) </a:t>
             </a:r>
             <a:r>
               <a:rPr lang="en-US" sz="2400" b="1" dirty="0"/>
-              <a:t>2.</a:t>
+              <a:t>B.2:</a:t>
             </a:r>
             <a:r>
               <a:rPr lang="en-US" sz="2400" dirty="0"/>
-              <a:t>  Question lengths (vast majority less than 30 words long) </a:t>
+              <a:t> Question lengths (99.933% less than 30 words long) </a:t>
             </a:r>
             <a:r>
               <a:rPr lang="en-US" sz="2400" b="1" dirty="0"/>
-              <a:t>3.  </a:t>
+              <a:t>B.3: </a:t>
             </a:r>
             <a:r>
               <a:rPr lang="en-US" sz="2400" dirty="0"/>
-              <a:t>Word lengths (vast majority less than 25 characters long).  </a:t>
+              <a:t>Word lengths (99.996% less than 25 characters long). (</a:t>
             </a:r>
             <a:r>
               <a:rPr lang="en-US" sz="2400" b="1" dirty="0"/>
-              <a:t>Figure C:  </a:t>
+              <a:t>Figure C): </a:t>
             </a:r>
             <a:r>
               <a:rPr lang="en-US" sz="2400" dirty="0"/>
-              <a:t>Graphs comparing the baseline model (orange) and the [l2_endonstart] model (blue).  Displayed are graphs for the loss, F1, and EM scores for both training and dev sets.  </a:t>
+              <a:t>Graphs comparing our successful experiments: </a:t>
+            </a:r>
+            <a:r>
+              <a:rPr lang="en-US" sz="2400" b="1" dirty="0">
+                <a:solidFill>
+                  <a:srgbClr val="F26E00"/>
+                </a:solidFill>
+              </a:rPr>
+              <a:t>baseline</a:t>
+            </a:r>
+            <a:r>
+              <a:rPr lang="en-US" sz="2400" dirty="0"/>
+              <a:t>, </a:t>
+            </a:r>
+            <a:r>
+              <a:rPr lang="en-US" sz="2400" b="1" dirty="0" err="1">
+                <a:solidFill>
+                  <a:srgbClr val="001BE8"/>
+                </a:solidFill>
+              </a:rPr>
+              <a:t>lstm</a:t>
+            </a:r>
+            <a:r>
+              <a:rPr lang="en-US" sz="2400" dirty="0"/>
+              <a:t>, </a:t>
+            </a:r>
+            <a:r>
+              <a:rPr lang="en-US" sz="2400" b="1" dirty="0" err="1">
+                <a:solidFill>
+                  <a:srgbClr val="FF0000"/>
+                </a:solidFill>
+              </a:rPr>
+              <a:t>bidaf</a:t>
+            </a:r>
+            <a:r>
+              <a:rPr lang="en-US" sz="2400" dirty="0"/>
+              <a:t>, </a:t>
+            </a:r>
+            <a:r>
+              <a:rPr lang="en-US" sz="2400" b="1" dirty="0" err="1">
+                <a:solidFill>
+                  <a:srgbClr val="EE00E3"/>
+                </a:solidFill>
+              </a:rPr>
+              <a:t>modelinglayer</a:t>
+            </a:r>
+            <a:r>
+              <a:rPr lang="en-US" sz="2400" dirty="0"/>
+              <a:t>, </a:t>
+            </a:r>
+            <a:r>
+              <a:rPr lang="en-US" sz="2400" b="1" dirty="0">
+                <a:solidFill>
+                  <a:srgbClr val="00B0F0"/>
+                </a:solidFill>
+              </a:rPr>
+              <a:t>l2_endonstart</a:t>
+            </a:r>
+            <a:r>
+              <a:rPr lang="en-US" sz="2400" dirty="0"/>
+              <a:t>, and </a:t>
+            </a:r>
+            <a:r>
+              <a:rPr lang="en-US" sz="2400" b="1" dirty="0" err="1">
+                <a:solidFill>
+                  <a:schemeClr val="bg1">
+                    <a:lumMod val="65000"/>
+                  </a:schemeClr>
+                </a:solidFill>
+              </a:rPr>
+              <a:t>cnn_grumodeling</a:t>
+            </a:r>
+            <a:r>
+              <a:rPr lang="en-US" sz="2400" dirty="0"/>
+              <a:t>. Displayed are graphs for the loss, F1, and EM scores for both training and dev sets. </a:t>
             </a:r>
           </a:p>
         </p:txBody>
@@ -6386,8 +7342,8 @@
           </p:nvSpPr>
           <p:spPr>
             <a:xfrm>
-              <a:off x="7913763" y="11679442"/>
-              <a:ext cx="856838" cy="646331"/>
+              <a:off x="7913762" y="11679442"/>
+              <a:ext cx="1154038" cy="646331"/>
             </a:xfrm>
             <a:prstGeom prst="rect">
               <a:avLst/>
@@ -6410,7 +7366,7 @@
                     </a:schemeClr>
                   </a:solidFill>
                 </a:rPr>
-                <a:t>B1</a:t>
+                <a:t>B.1</a:t>
               </a:r>
               <a:endParaRPr lang="en-US" sz="3600" dirty="0">
                 <a:solidFill>
@@ -6494,8 +7450,8 @@
           </p:nvSpPr>
           <p:spPr>
             <a:xfrm>
-              <a:off x="7913763" y="14928426"/>
-              <a:ext cx="856838" cy="646331"/>
+              <a:off x="7913762" y="14928426"/>
+              <a:ext cx="1001637" cy="646331"/>
             </a:xfrm>
             <a:prstGeom prst="rect">
               <a:avLst/>
@@ -6518,7 +7474,7 @@
                     </a:schemeClr>
                   </a:solidFill>
                 </a:rPr>
-                <a:t>B2</a:t>
+                <a:t>B.2</a:t>
               </a:r>
               <a:endParaRPr lang="en-US" sz="3600" dirty="0">
                 <a:solidFill>
@@ -6602,8 +7558,8 @@
           </p:nvSpPr>
           <p:spPr>
             <a:xfrm>
-              <a:off x="7924800" y="18198128"/>
-              <a:ext cx="856838" cy="646331"/>
+              <a:off x="7924799" y="18198128"/>
+              <a:ext cx="990599" cy="646331"/>
             </a:xfrm>
             <a:prstGeom prst="rect">
               <a:avLst/>
@@ -6626,7 +7582,7 @@
                     </a:schemeClr>
                   </a:solidFill>
                 </a:rPr>
-                <a:t>B3</a:t>
+                <a:t>B.3</a:t>
               </a:r>
               <a:endParaRPr lang="en-US" sz="3600" dirty="0">
                 <a:solidFill>
@@ -6705,8 +7661,8 @@
         </p:nvSpPr>
         <p:spPr>
           <a:xfrm>
-            <a:off x="23374244" y="15251591"/>
-            <a:ext cx="8500297" cy="4893647"/>
+            <a:off x="23374244" y="15246489"/>
+            <a:ext cx="8500297" cy="5632311"/>
           </a:xfrm>
           <a:prstGeom prst="rect">
             <a:avLst/>
@@ -6722,26 +7678,154 @@
             <a:pPr algn="just"/>
             <a:r>
               <a:rPr lang="en-US" sz="2400" dirty="0"/>
-              <a:t>In conclusion, we were able to significantly improve on the baseline model, achieving a maximum F1 score of ????? and an EM score of ?????? on the test set.  We noticed that although bidirectional attention with the modeling layer provided the majority of the improvements, the attention and modeling separately had minimal effects.  We also saw that the </a:t>
-            </a:r>
-            <a:r>
-              <a:rPr lang="en-US" sz="2400"/>
-              <a:t>character level </a:t>
+              <a:t>In conclusion, we were able to significantly improve on the baseline model, achieving a maximum F1 score of 0.6744 and an EM score of 0.5232 on the test set. We noticed that although bi-directional attention with the modeling layer provided the majority of the improvements, the attention and modeling separately had minimal effects. We also observed that the character-level CNN for character </a:t>
+            </a:r>
+            <a:r>
+              <a:rPr lang="en-US" sz="2400" dirty="0" err="1"/>
+              <a:t>embeddings</a:t>
             </a:r>
             <a:r>
               <a:rPr lang="en-US" sz="2400" dirty="0"/>
-              <a:t>CNN tended to improve models by about 2% in the F1 score.  </a:t>
-            </a:r>
-          </a:p>
+              <a:t> tended to improve models by about 2% in the F1 score.  </a:t>
+            </a:r>
+          </a:p>
+          <a:p>
+            <a:pPr algn="just">
+              <a:spcBef>
+                <a:spcPts val="0"/>
+              </a:spcBef>
+            </a:pPr>
+            <a:endParaRPr lang="en-US" sz="2400" dirty="0"/>
+          </a:p>
+          <a:p>
+            <a:pPr algn="just">
+              <a:spcBef>
+                <a:spcPts val="0"/>
+              </a:spcBef>
+            </a:pPr>
+            <a:r>
+              <a:rPr lang="en-US" sz="2400" dirty="0"/>
+              <a:t>In the future, there are many further improvements we can try. To start, we would experiment more heavily with dropout rates, weight decay, and L2 regularization. Next, we would add input features such as </a:t>
+            </a:r>
+            <a:r>
+              <a:rPr lang="en-US" sz="2400" dirty="0" err="1"/>
+              <a:t>tf-idf</a:t>
+            </a:r>
+            <a:r>
+              <a:rPr lang="en-US" sz="2400" dirty="0"/>
+              <a:t> and exact match. Finally, we would love to be able to test with many different ensembles of modules, and have them “vote” on the best answer.</a:t>
+            </a:r>
+          </a:p>
+        </p:txBody>
+      </p:sp>
+      <p:sp>
+        <p:nvSpPr>
+          <p:cNvPr id="39" name="TextBox 38">
+            <a:extLst>
+              <a:ext uri="{FF2B5EF4-FFF2-40B4-BE49-F238E27FC236}">
+                <a16:creationId xmlns:a16="http://schemas.microsoft.com/office/drawing/2014/main" id="{5DFBDACA-3DBF-7F43-9937-38B5065C8DE9}"/>
+              </a:ext>
+            </a:extLst>
+          </p:cNvPr>
+          <p:cNvSpPr txBox="1"/>
+          <p:nvPr/>
+        </p:nvSpPr>
+        <p:spPr>
+          <a:xfrm>
+            <a:off x="23374244" y="7904212"/>
+            <a:ext cx="8500297" cy="6370975"/>
+          </a:xfrm>
+          <a:prstGeom prst="rect">
+            <a:avLst/>
+          </a:prstGeom>
+          <a:noFill/>
+        </p:spPr>
+        <p:txBody>
+          <a:bodyPr wrap="square" rtlCol="0">
+            <a:spAutoFit/>
+          </a:bodyPr>
+          <a:lstStyle/>
           <a:p>
             <a:pPr algn="just"/>
-            <a:endParaRPr lang="en-US" sz="2400" dirty="0"/>
-          </a:p>
-          <a:p>
-            <a:pPr algn="just"/>
             <a:r>
               <a:rPr lang="en-US" sz="2400" dirty="0"/>
-              <a:t>In the future, there are many further improvements we can try.  For example, it is possible to condition the end prediction on the start prediction.  It might also be useful to take multiple models and ensemble them using a voting scheme.</a:t>
+              <a:t>In addition to the features listed here, we tested several other features and parameters. Below is a summary of those tests, and their results:</a:t>
+            </a:r>
+          </a:p>
+          <a:p>
+            <a:pPr marL="342900" indent="-342900" algn="just">
+              <a:buFont typeface="Arial" panose="020B0604020202020204" pitchFamily="34" charset="0"/>
+              <a:buChar char="•"/>
+            </a:pPr>
+            <a:r>
+              <a:rPr lang="en-US" sz="2400" dirty="0"/>
+              <a:t>Modeling layer hidden size: began at 200, but ran into memory issues. Lowered to 20 with only slight effect to performance.</a:t>
+            </a:r>
+          </a:p>
+          <a:p>
+            <a:pPr marL="342900" indent="-342900" algn="just">
+              <a:buFont typeface="Arial" panose="020B0604020202020204" pitchFamily="34" charset="0"/>
+              <a:buChar char="•"/>
+            </a:pPr>
+            <a:r>
+              <a:rPr lang="en-US" sz="2400" dirty="0"/>
+              <a:t>Biases in the </a:t>
+            </a:r>
+            <a:r>
+              <a:rPr lang="en-US" sz="2400" dirty="0" err="1"/>
+              <a:t>BiDAF</a:t>
+            </a:r>
+            <a:r>
+              <a:rPr lang="en-US" sz="2400" dirty="0"/>
+              <a:t> layer: no effect</a:t>
+            </a:r>
+          </a:p>
+          <a:p>
+            <a:pPr marL="342900" indent="-342900" algn="just">
+              <a:buFont typeface="Arial" panose="020B0604020202020204" pitchFamily="34" charset="0"/>
+              <a:buChar char="•"/>
+            </a:pPr>
+            <a:r>
+              <a:rPr lang="en-US" sz="2400" dirty="0"/>
+              <a:t>Learning rate: experimented with 0.001, 0.0005, and 0.0001. The last yielded the best results.</a:t>
+            </a:r>
+          </a:p>
+          <a:p>
+            <a:pPr marL="342900" indent="-342900" algn="just">
+              <a:buFont typeface="Arial" panose="020B0604020202020204" pitchFamily="34" charset="0"/>
+              <a:buChar char="•"/>
+            </a:pPr>
+            <a:r>
+              <a:rPr lang="en-US" sz="2400" dirty="0"/>
+              <a:t>Dropout: experimented with 0.5, 0.3, 0.2, and 0.15. The last came out on top.</a:t>
+            </a:r>
+          </a:p>
+          <a:p>
+            <a:pPr marL="342900" indent="-342900" algn="just">
+              <a:buFont typeface="Arial" panose="020B0604020202020204" pitchFamily="34" charset="0"/>
+              <a:buChar char="•"/>
+            </a:pPr>
+            <a:r>
+              <a:rPr lang="en-US" sz="2400" dirty="0"/>
+              <a:t>Embedding size: we tested using an embedding size of 200, but it had no tangible gain over a size of 100.</a:t>
+            </a:r>
+          </a:p>
+          <a:p>
+            <a:pPr marL="342900" indent="-342900" algn="just">
+              <a:buFont typeface="Arial" panose="020B0604020202020204" pitchFamily="34" charset="0"/>
+              <a:buChar char="•"/>
+            </a:pPr>
+            <a:r>
+              <a:rPr lang="en-US" sz="2400" dirty="0"/>
+              <a:t>Context length: as demonstrated in </a:t>
+            </a:r>
+            <a:r>
+              <a:rPr lang="en-US" sz="2400" b="1" dirty="0"/>
+              <a:t>(Figure B.2)</a:t>
+            </a:r>
+            <a:r>
+              <a:rPr lang="en-US" sz="2400" dirty="0"/>
+              <a:t>, the vast majority of the contexts were under 400 words, so we used that instead of the default 600, with striking gains in computational efficiency.</a:t>
             </a:r>
           </a:p>
         </p:txBody>
